--- a/Slides/Clase_8_2020.pptx
+++ b/Slides/Clase_8_2020.pptx
@@ -42,14 +42,14 @@
       <p:boldItalic r:id="rId28"/>
     </p:embeddedFont>
     <p:embeddedFont>
-      <p:font typeface="Roboto Condensed" panose="020B0604020202020204" charset="0"/>
+      <p:font typeface="Roboto Condensed" panose="02000000000000000000" pitchFamily="2" charset="0"/>
       <p:regular r:id="rId29"/>
       <p:bold r:id="rId30"/>
       <p:italic r:id="rId31"/>
       <p:boldItalic r:id="rId32"/>
     </p:embeddedFont>
     <p:embeddedFont>
-      <p:font typeface="Roboto Condensed Light" panose="020B0604020202020204" charset="0"/>
+      <p:font typeface="Roboto Condensed Light" panose="02000000000000000000" pitchFamily="2" charset="0"/>
       <p:regular r:id="rId33"/>
       <p:bold r:id="rId34"/>
       <p:italic r:id="rId35"/>
@@ -299,17 +299,17 @@
     <inkml:context xml:id="ctx0">
       <inkml:inkSource xml:id="inkSrc0">
         <inkml:traceFormat>
-          <inkml:channel name="X" type="integer" max="3360" units="cm"/>
-          <inkml:channel name="Y" type="integer" max="1872" units="cm"/>
+          <inkml:channel name="X" type="integer" max="5120" units="cm"/>
+          <inkml:channel name="Y" type="integer" max="1800" units="cm"/>
           <inkml:channel name="T" type="integer" max="2.14748E9" units="dev"/>
         </inkml:traceFormat>
         <inkml:channelProperties>
-          <inkml:channelProperty channel="X" name="resolution" value="114.28571" units="1/cm"/>
-          <inkml:channelProperty channel="Y" name="resolution" value="112.77109" units="1/cm"/>
+          <inkml:channelProperty channel="X" name="resolution" value="174.14966" units="1/cm"/>
+          <inkml:channelProperty channel="Y" name="resolution" value="109.09091" units="1/cm"/>
           <inkml:channelProperty channel="T" name="resolution" value="1" units="1/dev"/>
         </inkml:channelProperties>
       </inkml:inkSource>
-      <inkml:timestamp xml:id="ts0" timeString="2020-09-22T17:46:28.967"/>
+      <inkml:timestamp xml:id="ts0" timeString="2021-10-08T01:58:01.680"/>
     </inkml:context>
     <inkml:brush xml:id="br0">
       <inkml:brushProperty name="width" value="0.05292" units="cm"/>
@@ -317,10 +317,47 @@
       <inkml:brushProperty name="color" value="#FF0000"/>
     </inkml:brush>
   </inkml:definitions>
-  <inkml:trace contextRef="#ctx0" brushRef="#br0">5640 5945 0,'0'0'16,"0"0"-16,0 0 16,0 0-16,0 0 15,0 0 1,0 0-16,0 0 15,7-7-15,16-8 16,0-8-16,14-8 16,1 1-1,15-9-15,-8 9 16,-7 7-16,0 0 16,-8 0-1,0 0-15,1 8 16,-9 0-16,1 0 15,-8-1 1,0 9-16,-7-1 16,-1 0-16,1 1 15,0-1-15,-1 1 16,1-1 0,-1 0-16,-7 8 15,8-7-15,-1-1 16,-7 8-16,0 0 15,8-8 1,-8 8-16,0 0 16,0 0-16,0 0 15,0 0-15,0 0 16,7-7 0,1-1-16,-8 0 15,8-7-15,-1 8 16,-7-1-1,0 0-15,0 1 16,8-1-16,-8 0 16,7 1-16,1-1 15,-1 1 1,1-1-16,-8 8 16</inkml:trace>
-  <inkml:trace contextRef="#ctx0" brushRef="#br0" timeOffset="532.42">5625 5930 0,'0'0'0,"0"0"16,0 0-16,0 0 15,0 0 1,0 0-16,0 0 16,7-7-16,1-1 15,-1-7-15,8-8 16,0 0-1,1 0-15,-1 8 16,-8-1-16,1 9 16,-1-1-16,-7 8 15,0 0 1,0 0-16,0 0 16,0 0-16,0 0 15,0 0 1</inkml:trace>
-  <inkml:trace contextRef="#ctx0" brushRef="#br0" timeOffset="1691.61">5625 7930 0,'0'0'0,"0"0"16,0 0-16,0 0 15,0 0 1,-8 0-16,0 8 16,1-8-16,-1 7 15,1 1-15,-1-1 16,8-7 0,0 0-16,0 0 15,0 0-15,0 0 16,0 0-16,0 0 15,0 0 1,8-7-16,7-8 16,0-1-16,23-14 15,22-16 1,16-23-16,-8 8 16,-15 8-16,-8 7 15,8 8-15,0 0 16,-15 7-1,0 8-15,-38 23 16</inkml:trace>
-  <inkml:trace contextRef="#ctx0" brushRef="#br0" timeOffset="2084.36">5504 8090 0,'0'0'16,"0"0"-16,0 0 15,0 0-15,7-7 16,1-9 0,-1 1-16,1 0 15,-1-8-15,8 0 16,-7 8-1,0 7-15,-1 8 16,-7 0-16,0 0 16</inkml:trace>
+  <inkml:trace contextRef="#ctx0" brushRef="#br0">21233 8678 0,'0'40'437,"0"39"-421,0 1-16,0 12 16,0 1-16,0 53 15,0-120-15,0 67 16,0 26-16,0-40 16,0-66-16,0 14 15,0 12-15,0-25 16,0-1-16,0 0 125,0 0-125,0 1 15,-53-1 1,26 0-16,-25 0 16,25 0-16,-66-13 15,1 14-15,-27 25 16,92-39 0,-65 0-16,-14 0 15,-26 0-15,39 0 16,27 0-16,-53 0 15,13 0-15,-40 0 16,80 0-16,-79 0 16,-1 0-16,14 0 15,66 0-15,-66-26 16,-1 26-16,-12-40 16,12 27-16,81 13 15,-94-53-15,53 53 16,-52-13-16,92 0 15,-132-1-15,26 1 16,-26 0-16,105 13 16,-78 0-16,-14-53 15,13 27-15,106 26 16,-53-14-16,14 14 16,-1-13-16,-13 0 15,53 13-15,-66-13 16,0-14-16,-26 27 15,92 0 1,-106 0-16,-53-13 16,-13 13-16,133-13 15,-146-14-15,-27 14 16,0 0-16,1 0 16,198 13-16,-146 0 15,0-40-15,54 13 16,91 27-16,-118 0 15,40 0-15,-1 0 16,107 0-16,-54 0 16,-39 0-16,26 0 15,53 0-15,-40 0 16,27 0-16,-40 0 16,14 0-16,78 0 15,-65 0-15,0 0 16,-27 0-16,66 0 15,-39 0-15,-40 0 16,13 0-16,-40 0 16,80 0-1,-79 0-15,-14 0 0,80 0 16,26 0-16,-132 0 16,-1 0-16,14 0 15,93 0-15,-93 0 16,13 0-1,14 0-15,105 14 16,-106-14-16,14 0 16,-27 0-16,1 13 15,78 0-15,-78 0 16,-41 14-16,1-1 16,118-26-16,-118 40 15,-27-14-15,13 14 16,146-27-16,-106 14 15,40-1-15,0 1 16,118-27-16,-52 26 16,-26-13-16,12 14 15,-12-14-15,52 0 16,-26-13-16,-27 0 16,-39 14-16,79-14 15,-93 13 1,41-13-16,-1 0 0,66 0 15,-13 0-15,-53 13 16,14 0-16,-27 27 16,79-40-1,-39 26-15,-1-12 0,-12-14 16,65 0 0,-52 0-16,39 0 15,0 13-15,27-13 16,-13 0 15,13 0-31,-14 0 16,1 0-1,-27 0-15,-27 0 16,27 0-16,27 0 16,-53 0-16,12 0 15,28 0-15,-1 0 16,14 0-16,-27 0 15,13 0-15,27 0 16,-27 0-16,-26 0 16,13 0-16,0 0 15,13 0-15,14 0 16,-14 0-16,14 0 16,13 0-1,-27 0-15,0 0 16,27 0-1,0 0 1,0 0 0,-1 0 46,14-53-46,0-53-16,0 0 15,0 67-15,0-81 16,0 15-16,0-1 16,0-13-16,14 92 15,-14-52-15,26 0 16,0 12-16,-12 28 16,12-14-16,1 0 15,-14 13-15,0 27 16,-13 0-16,0-1 15,13 14-15,-13-13 32,0 0-17,27 13 79,-14 0-78,0 40-16,53-40 15,14 13-15,-54 0 16,80 14-16,0-14 16,0 13-16,-67-26 15,67 14-15,-26-14 16,52 13-16,-26-13 15,-53 0-15,66 0 16,13 0-16,13 0 16,-105 0-16,66 0 15,26 0-15,1 0 16,-80 0-16,52 0 16,14 0-16,0 0 15,-52 0-15,52 0 16,13 0-16,13 0 15,1 0-15,-80 0 16,106 0 0,-13 0-16,0 0 0,-106 0 15,105 0-15,14 0 16,-13 0 0,-93 0-16,53 0 15,14 0-15,-1 0 16,-13 0-16,-66 0 15,53 0-15,-1 0 16,28 0-16,-80 0 16,79 0-16,13 0 15,-25 0-15,-81 0 16,94 0-16,-1 0 16,-26 0-16,26 13 15,-79-13-15,92 0 16,-26 0-16,40 0 15,-93 0-15,106 0 16,14 0-16,-14 0 16,-106 0-16,92 0 15,14 0-15,-13 0 16,0 0-16,-80 0 16,93 0-16,40 0 15,13 0 1,-146 0-16,173 0 15,25 0-15,-12 0 0,-186 0 16,159 0-16,53 0 16,-26 0-1,-186 0-15,93 0 16,-13 0-16,0 0 16,-14 0-16,-92 0 15,66 0-15,14 0 16,-14 0-16,-80 0 15,67 0-15,27 0 16,-14 0-16,-66 0 16,92 0-16,-26 0 15,27 0-15,-41 0 16,-52 0-16,53 0 16,-13 0-16,26 0 15,-79 0-15,52 0 16,14 0-16,0 0 15,-53 0-15,53 0 16,26 0-16,-13 0 16,26 0-16,-92 0 15,106 0 1,-27 0-16,1 0 31,25 0-31,-52 0 0,-40 0 16,-26 0-16,0 0 15,105-26 1,-78 26 0,25 0-16,-26 0 15,27-14-15,-53 14 16,12-13-16,28 0 16,-27 13-16,145-27 78,-145 1-63,53 26 1,26 0 15,-13-13 0,-13 13-15,185-27 15,106 27 1,-370 0-32,25 0 15</inkml:trace>
+  <inkml:trace contextRef="#ctx0" brushRef="#br0" timeOffset="7477.07">14658 8665 0,'0'79'250,"0"14"-250,0-27 16,0-26-16,0-14 16,0 54-16,0-27 15,0-27-15,0 1 16,0 12-16,0-12 16,0-14-16,0 27 15,0-27-15,0 13 16</inkml:trace>
+  <inkml:trace contextRef="#ctx0" brushRef="#br0" timeOffset="8404.12">17806 8692 0,'27'13'46,"-27"66"-30,13-13-16,-13-26 16,0 39-16,0 40 15,13 14-15,-13-27 16,0-67-16,14 54 16,-14-27-16,0-13 15,0-13-15,0-1 16,0-25-16,0 12 15</inkml:trace>
+  <inkml:trace contextRef="#ctx0" brushRef="#br0" timeOffset="21553.49">14288 4591 0</inkml:trace>
+</inkml:ink>
+</file>
+
+<file path=ppt/ink/ink10.xml><?xml version="1.0" encoding="utf-8"?>
+<inkml:ink xmlns:inkml="http://www.w3.org/2003/InkML">
+  <inkml:definitions>
+    <inkml:context xml:id="ctx0">
+      <inkml:inkSource xml:id="inkSrc0">
+        <inkml:traceFormat>
+          <inkml:channel name="X" type="integer" max="5120" units="cm"/>
+          <inkml:channel name="Y" type="integer" max="1800" units="cm"/>
+          <inkml:channel name="T" type="integer" max="2.14748E9" units="dev"/>
+        </inkml:traceFormat>
+        <inkml:channelProperties>
+          <inkml:channelProperty channel="X" name="resolution" value="174.14966" units="1/cm"/>
+          <inkml:channelProperty channel="Y" name="resolution" value="109.09091" units="1/cm"/>
+          <inkml:channelProperty channel="T" name="resolution" value="1" units="1/dev"/>
+        </inkml:channelProperties>
+      </inkml:inkSource>
+      <inkml:timestamp xml:id="ts0" timeString="2021-10-07T02:17:25.130"/>
+    </inkml:context>
+    <inkml:brush xml:id="br0">
+      <inkml:brushProperty name="width" value="0.05292" units="cm"/>
+      <inkml:brushProperty name="height" value="0.05292" units="cm"/>
+      <inkml:brushProperty name="color" value="#00B050"/>
+    </inkml:brush>
+  </inkml:definitions>
+  <inkml:trace contextRef="#ctx0" brushRef="#br0">4247 7250 0,'105'0'78,"-65"0"-62,119 0-16,-27 0 16,119-14-16,80-12 15,-185 13-15,171-1 16,67-25-16,-93 12 15,-198 14-15,131-13 16,-78 12-16,-53 1 16,-80 13-1</inkml:trace>
+  <inkml:trace contextRef="#ctx0" brushRef="#br0" timeOffset="1728.14">13957 7236 0,'0'14'62,"26"-14"-46,40 0-16,-39 0 0,13 13 15,26-13-15,13 0 16,14 0-16,-40 0 16,79 0-1,-13 0-15,53-27 16,-66 27-16,-27-13 16,146 0-16,79-40 15,40 13-15,-225 27 16,238-27-16,14 14 15,-80 26-15,-185-13 16,172-14-16,66-12 16,-93 39-16,53-40 15,-198 27-15,106 13 16,-14-14-16,-26 1 16,-119 0-16,93 0 15,-41 13-15,-38-14 16,-54 14-16,26 0 15,-12-13-15,-1 13 16,-12 0-16,-1 0 16,0 0-1,0-13-15</inkml:trace>
+  <inkml:trace contextRef="#ctx0" brushRef="#br0" timeOffset="5937.31">4035 5173 0,'0'0'16,"26"26"-16,-12-13 0,-1 14 15,0-14-15,-13 0 16,13 0-16,14 1 15,-14 25-15,0-25 16,0-1 0</inkml:trace>
+  <inkml:trace contextRef="#ctx0" brushRef="#br0" timeOffset="15257.97">4273 10848 0,'-13'13'63,"39"-13"-48,80 0-15,40 0 16,-67 0-16,0 0 16,54-13-16,52 13 15,-93-13-15,147 13 16,-15 0-16,-12 0 16,-119 0-16,79 0 15,-40 0-15,-66 0 16,-53 0-16,-13-14 15</inkml:trace>
+  <inkml:trace contextRef="#ctx0" brushRef="#br0" timeOffset="16026.97">4934 11086 0,'67'-13'47,"-14"0"-31,13 13-16,-40 0 15,14-14-15,-14 14 16,-26-13-16</inkml:trace>
+  <inkml:trace contextRef="#ctx0" brushRef="#br0" timeOffset="16995.48">5054 11377 0,'13'0'156,"0"0"-125,13-26 32,14 26-48,13-14-15,-13 14 16,-1 0-16,1 0 15,-13 0-15</inkml:trace>
+  <inkml:trace contextRef="#ctx0" brushRef="#br0" timeOffset="17483.54">5186 11126 0,'0'13'46,"0"13"-30,0-12-16,13 12 16,0-26-16,-13 13 47</inkml:trace>
+  <inkml:trace contextRef="#ctx0" brushRef="#br0" timeOffset="89594.95">16907 6588 0,'13'0'15,"66"0"-15,1 0 16,79 0-16,-54 0 16,81 0-16,78 0 15,-158 0-15,225 0 16,79-40 0,-79 14-16,-226 13 15,120 0-15,-53-14 16,-79 14-16,-80 0 15</inkml:trace>
+  <inkml:trace contextRef="#ctx0" brushRef="#br0" timeOffset="96125.98">10411 8864 0,'53'0'16,"93"0"-16,13 0 15,-54 0-15,-38 0 32,369 0-32,-185 0 15,-79 0-15,-79 0 16,105 0-16,14 0 16,-199 0-1,1 0-15</inkml:trace>
+  <inkml:trace contextRef="#ctx0" brushRef="#br0" timeOffset="106956.74">7448 8520 0,'0'-14'0,"26"1"16,41 13 0,-41 0-1,53-13-15,54 13 16,-14 0-16,-79 0 15,92 0-15,79 0 16,120 0-16,26 0 16,-238 0-16,172 0 15,-66 0-15,-26 0 16,-133 0-16,40 0 16,-93 0-16,0 0 15,0 0 1</inkml:trace>
 </inkml:ink>
 </file>
 
@@ -330,17 +367,17 @@
     <inkml:context xml:id="ctx0">
       <inkml:inkSource xml:id="inkSrc0">
         <inkml:traceFormat>
-          <inkml:channel name="X" type="integer" max="3360" units="cm"/>
-          <inkml:channel name="Y" type="integer" max="1872" units="cm"/>
+          <inkml:channel name="X" type="integer" max="5120" units="cm"/>
+          <inkml:channel name="Y" type="integer" max="1800" units="cm"/>
           <inkml:channel name="T" type="integer" max="2.14748E9" units="dev"/>
         </inkml:traceFormat>
         <inkml:channelProperties>
-          <inkml:channelProperty channel="X" name="resolution" value="114.28571" units="1/cm"/>
-          <inkml:channelProperty channel="Y" name="resolution" value="112.77109" units="1/cm"/>
+          <inkml:channelProperty channel="X" name="resolution" value="174.14966" units="1/cm"/>
+          <inkml:channelProperty channel="Y" name="resolution" value="109.09091" units="1/cm"/>
           <inkml:channelProperty channel="T" name="resolution" value="1" units="1/dev"/>
         </inkml:channelProperties>
       </inkml:inkSource>
-      <inkml:timestamp xml:id="ts0" timeString="2020-09-22T17:47:44.041"/>
+      <inkml:timestamp xml:id="ts0" timeString="2021-10-07T02:08:00.881"/>
     </inkml:context>
     <inkml:brush xml:id="br0">
       <inkml:brushProperty name="width" value="0.05292" units="cm"/>
@@ -348,10 +385,13 @@
       <inkml:brushProperty name="color" value="#FF0000"/>
     </inkml:brush>
   </inkml:definitions>
-  <inkml:trace contextRef="#ctx0" brushRef="#br0">14711 6663 0,'0'0'0,"0"0"0,0 0 0,-15 8 16,-7 22-16,-9 16 16,-6 7-16,6 8 15,1 0 1,0 8-16,15-8 15,7-7-15,8-1 16,8-7-16,-1 0 16,8-8-1,8 8-15,15 22 16,0 1-16,22 7 16,16-7-1,-1-23-15,-29-23 16,-8-8-16,-1-7 15,-6-1 1,14-7-16,15-7 16,1-1-16,-8-7 15,-15-1-15,-1 1 16,-6-8 0,-1-7-16,-7-8 15,-8-8-15,-8 0 16,-7-7-16,0-9 15,-15 1 1,0 8-16,0 7 16,-8 0-16,-15-7 15,1 0 1,-16-1-16,15 16 16,8 0-16,-8 0 15,-8-1 1,-6 1-16,-24-7 15,8-1-15,7 0 16,61 46-16</inkml:trace>
-  <inkml:trace contextRef="#ctx0" brushRef="#br0" timeOffset="12492.43">6388 6358 0,'0'0'0,"0"0"0,0 0 16,0 0 0,0 0-16,0 0 15,0 0-15,0 0 16,0 0-1,0 0-15,0 0 16,0 0-16,8 7 16,-1 1-16,1 0 15,-1-1 1,8 1-16,1-1 16,6 1-16,8-8 15,1 0 1,-1 0-16,0 0 15,0 0-15,1 0 16,6 0-16,9 0 16,-1 0-1,1 0-15,6 0 16,-6 0-16,-16 0 16,0 0-16,8 0 15,7 0 1,1 0-16,-1-8 15,1 8-15,-1-7 16,-7 7 0,-1 0-16,-6 0 15,7 0-15,-1 0 16,1 0-16,-8 0 16,1 0-1,-1 0-15,-8 0 16,9 0-16,-9 0 15,1 0 1,0 0-16,-8 0 16,0 0-16,0 0 15,0 0-15,0 0 16,0 0 0,1 0-16,-1 0 15,7 0-15,1 0 16,0 0-16,-1 0 15,1 0 1,0-8-16,-1 1 16,1-1-16,0 0 15,0 1-15,-1 7 16,1-8 0,-8 8-16,0 0 15,-7 0-15,-1 0 16,1 0-1,-1 0-15,1 0 16,-8 0-16,0 0 16,0 0-16,0 0 15,0 0 1,0 0-16,0 0 16,0 0-16,0 0 15,0 0 1,0 0-16,0 0 15,0 0-15,0 0 16,0 0-16,0 0 16,0 0-1,0 0-15,0 0 16,0 0-16,0 0 16,0 0-1,0 0-15,0 0 16,0 0-16,0 0 15,0 0-15,0 0 16</inkml:trace>
-  <inkml:trace contextRef="#ctx0" brushRef="#br0" timeOffset="13966.06">8407 6335 0,'0'0'0,"0"0"15,0 0-15,0 0 16,0 0 0,0 0-16,0 0 15,7 0-15,1 0 16,-1 0 0,1 0-16,-1 0 15,1 0-15,-1 0 16,9 0-1,-1 0-15,0 0 16,0 0-16,8 0 16,-1 0-16,1 0 15,0 0 1,-1-8-16,1 8 16,0 0-16,-1 0 15,1 0 1,-23 0-16</inkml:trace>
-  <inkml:trace contextRef="#ctx0" brushRef="#br0" timeOffset="14688.78">9057 6319 0,'0'0'16,"0"0"-16,0 0 15,0 0-15,0 0 16,0 0 0,0 0-16,7 8 15,8-8-15,0 0 16,8 8-16,0-1 15,-8-7 1,0 0-16,0 0 16,0 0-16,8 8 15,0-8 1,-1 0-16,-7 0 16,-15 0-16</inkml:trace>
+  <inkml:trace contextRef="#ctx0" brushRef="#br0">4855 5874 0,'27'0'219,"25"0"-219,41 0 15,-53 0-15,52 0 16,1 0-16,13 0 16,-53 0-16,53 0 15,26 0-15,0 0 16,-66 0-16,27 0 15,52 0-15,-78 0 16,-1 0-16,-27 0 16,1 0-1,26 0-15,-39 0 16,-1 0 0,-13 0-1</inkml:trace>
+  <inkml:trace contextRef="#ctx0" brushRef="#br0" timeOffset="4335.13">5715 4643 0,'0'40'47,"-26"13"-47,12-27 16,1 14-16,-13-27 15,26 1-15,-40 25 16,40-12-16,-40 26 15,14-27 1,26 27-16,-13-53 16,-1 27-16,1-14 15,13 0 1,0 0 109,-13 14-125,0-14 16,13 0-1,-14 0 1,14 1-1,-13-14-15,0 13 47,0-13 47,0-13-78,13-40-16,0 0 15,0 40-15,-14-54 16,14 54 0,0 26 62,27 1-63,-1 12 1,-26-13 0</inkml:trace>
+  <inkml:trace contextRef="#ctx0" brushRef="#br0" timeOffset="7214.54">7395 4551 0,'13'0'78,"-13"13"-63,0 14 1,0-14 0,-26 26-16,-1-12 15,14-1-15,-13 14 16,-1 0-16,-12-14 15,-1 40-15,0-39 16,40-14-16,-26 13 16,13-12-16,-14 12 15,1 1 1,-1-1-16,-13 1 16,27-1-16,-13 0 15,-1-12-15,1 12 16,13-26-16,-14 27 15,27-14-15,-13-13 16,0 13-16,-1 0 16,1 1-1,0-1 1,0 13 0,0-13-16,-14 1 15,14-1 1,0 0-16,13 0 15,-14-13-15,1 14 16,0-14 109,0 0-125,13-14 16,0 1-16,0 0 15,13 39 79,-13 1-78,13-14-16,-13 0 15,13 14 17</inkml:trace>
+  <inkml:trace contextRef="#ctx0" brushRef="#br0" timeOffset="17665.07">3731 6681 0</inkml:trace>
+  <inkml:trace contextRef="#ctx0" brushRef="#br0" timeOffset="17882.39">3744 6681 0</inkml:trace>
+  <inkml:trace contextRef="#ctx0" brushRef="#br0" timeOffset="19583.4">3493 6654 0,'52'0'141,"54"0"-126,27 0-15,-1 0 16,-40 0-16,-39 0 16,106 0-16,0 0 15,-14 0-15,-39 0 16,-66 0-16,0 0 15,-27 0 1,0 0-16,0 0 16,14 0-1,-14 0 1,0 0-16,0 0 16,1 0-16,-1 0 15,0 0 1,-13-13 187,-26-13-203,-27-14 16,0 13-1,26 14-15,-12 0 16,25 0-1,28 13 110,25 13-125,14 13 16,-26 1-16,-14-27 16,0 0-16,0 40 15,1-27 63,-28 13-78,-38 1 16,25-14-16,1-13 16,12 0-16,1 0 15,0 13-15,0-13 16,13-40 109,0 14-125,0 0 16,0-1-16,0 1 15,0-14-15,0 27 16</inkml:trace>
+  <inkml:trace contextRef="#ctx0" brushRef="#br0" timeOffset="50406.12">11337 5477 0</inkml:trace>
 </inkml:ink>
 </file>
 
@@ -361,26 +401,53 @@
     <inkml:context xml:id="ctx0">
       <inkml:inkSource xml:id="inkSrc0">
         <inkml:traceFormat>
-          <inkml:channel name="X" type="integer" max="3360" units="cm"/>
-          <inkml:channel name="Y" type="integer" max="1872" units="cm"/>
+          <inkml:channel name="X" type="integer" max="5120" units="cm"/>
+          <inkml:channel name="Y" type="integer" max="1800" units="cm"/>
           <inkml:channel name="T" type="integer" max="2.14748E9" units="dev"/>
         </inkml:traceFormat>
         <inkml:channelProperties>
-          <inkml:channelProperty channel="X" name="resolution" value="114.28571" units="1/cm"/>
-          <inkml:channelProperty channel="Y" name="resolution" value="112.77109" units="1/cm"/>
+          <inkml:channelProperty channel="X" name="resolution" value="174.14966" units="1/cm"/>
+          <inkml:channelProperty channel="Y" name="resolution" value="109.09091" units="1/cm"/>
           <inkml:channelProperty channel="T" name="resolution" value="1" units="1/dev"/>
         </inkml:channelProperties>
       </inkml:inkSource>
-      <inkml:timestamp xml:id="ts0" timeString="2020-09-22T17:49:43.217"/>
+      <inkml:timestamp xml:id="ts0" timeString="2021-10-07T02:08:59.439"/>
     </inkml:context>
     <inkml:brush xml:id="br0">
       <inkml:brushProperty name="width" value="0.05292" units="cm"/>
       <inkml:brushProperty name="height" value="0.05292" units="cm"/>
       <inkml:brushProperty name="color" value="#FF0000"/>
     </inkml:brush>
+    <inkml:brush xml:id="br1">
+      <inkml:brushProperty name="width" value="0.05292" units="cm"/>
+      <inkml:brushProperty name="height" value="0.05292" units="cm"/>
+      <inkml:brushProperty name="color" value="#00B050"/>
+    </inkml:brush>
+    <inkml:brush xml:id="br2">
+      <inkml:brushProperty name="width" value="0.05292" units="cm"/>
+      <inkml:brushProperty name="height" value="0.05292" units="cm"/>
+      <inkml:brushProperty name="color" value="#00B0F0"/>
+    </inkml:brush>
   </inkml:definitions>
-  <inkml:trace contextRef="#ctx0" brushRef="#br0">13615 7670 0,'0'0'0,"0"0"16,0 0-16,0-45 0,0 29 15,0 1-15,-7 0 16,-1 0 0,1-1-16,-1 1 15,0 0-15,1-1 16,-8-6-1,0-1-15,-8 0 16,-30-8-16,8 1 16,7-1-16,0-7 15,8 7 1,7 1-16,0-1 16,1 1-16,-1 7 15,0 0-15,1 0 16,-16-7-1,8-1-15,-8 1 16,8-1-16,-8 1 16,8-1-1,7 8-15,0 0 16,8 0-16,0 0 16,-8 1-1,-7 6-15,7 1 16,-7 0-16,8 0 15,-9-1-15,-7 1 16,1 0 0,6-1-16,1-6 15,0 6-15,0 1 16,0 0-16,-8-8 16,0 8-1,0-1-15,0 1 16,1 7-16,6 1 15,1-8-15,0 7 16,0 0 0,-1 1-16,-14-1 15,0 0-15,-1 1 16,-7-1 0,8 8-16,0 0 15,-1 0-15,-7 0 16,0 0-16,0 0 15,1 0 1,-1 0-16,15 0 16,0 8-16,-15-1 15,0-7 1,-15 8-16,8 0 16,7-1-16,7 1 15,1 0-15,-8-1 16,-7 1-1,7-1-15,-8 1 16,16 0-16,7-1 16,0 1-1,-7 0-15,-8-1 16,0 1-16,-7 7 16,-1 0-16,16 1 15,-1 7-15,9-8 16,-16 8-1,0 0-15,7 7 16,-6 1-16,-1 7 16,15 0-1,8 0-15,-1 0 16,1-7-16,7-1 16,-7 1-16,0-8 15,0 0 1,7 0-16,-7 7 15,0 1-15,-1-1 16,1 16 0,7 0-16,8-8 15,0 0-15,8 0 16,-9 8-16,9 7 16,-1 16-1,8-8-15,0-7 16,8-9-16,-1-6 15,9-1-15,-1 0 16,0 8 0,0-8-16,8 8 15,7 7-15,0-15 16,8 0 0,0 1-16,-8-9 15,8 16-15,7-8 16,16 8-16,7-8 15,-8 0 1,1-7-16,7-1 16,15 1-16,-8-8 15,1 0-15,-31-8 16,16 0 0,22 0-16,0 1 15,0-1-15,0 0 16,1-7-1,6 7-15,-7-7 16,-22-1-16,7-7 16,15 0-16,8 0 15,-8 0 1,-7 8-16,7-8 16,0 0-16,8-8 15,-31 8 1,-7-7-16,23-1 15,7 0-15,0-7 16,-7 8-16,-8-1 16,15-7-1,-15-1-15,0 1 16,-15 0-16,-8-8 16,8-15-1,7-8-15,31-15 16,-30 23-16,-24 7 15,1 1-15,-7-1 16,-1-7 0,8-15-16,-1-8 15,16 7-15,-7 1 16,-9 7-16,1-8 16,-8-7-1,1-7-15,-9-1 16,-6 16-16,-1 7 15,-8 8 1,1-16-16,-8 1 16,-8-16-16,1 16 15,-1 7 1,-7-8-16,15 54 16</inkml:trace>
-  <inkml:trace contextRef="#ctx0" brushRef="#br0" timeOffset="2205.86">3833 7083 0,'0'0'0,"0"0"16,-8 7-1,1 1-15,-8 7 16,-1 0-16,1 1 16,0 7-1,0 7-15,0 8 16,0 0-16,0 1 16,0-9-16,7 1 15,1-8 1,-1 0-16,0 7 15,1-7-15,7 0 16,0 0-16,0 7 16,0 1-1,7-8-15,1 7 16,0-7 0,7 0-16,0 0 15,7 0-15,1 0 16,0 0-16,-1-1 15,1 1-15,0 0 16,7 0 0,0 0-16,1-8 15,-1 1-15,0-1 16,8-7 0,0-1-16,-8 1 15,0-1-15,0 1 16,8-8-16,7 0 15,8 0 1,-7-8-16,-1 1 16,0-1-16,-7 1 15,-7-1-15,6-7 16,1-1 0,0-7-16,0-7 15,0-8-15,-8-8 16,0-7-1,0-9-15,-7 17 16,0 7-16,-8-8 16,0-8-16,-8 1 15,1-8 1,0 0-16,-1 15 16,-7 8-16,0 0 15,0-1-15,-7-6 16,-9-9-1,-6 1-15,-1 7 16,-7 8-16,-8 7 16,0 1-1,0-1-15,1 16 16,-1 0-16,-8 0 16,-6 7-16,-17 8 15,17 0 1,6 0-16,8 8 15,-15-1-15,-22 8 16,-1 8-16,8 0 16,8 8-1,-1 7-15,-7 0 16,8 0-16,-8 8 16,7-8-1,23-7-15,1-1 16,-1 24-16,0 7 15,8 7-15,-8 1 16,38-69 0</inkml:trace>
+  <inkml:trace contextRef="#ctx0" brushRef="#br0">3678 5212 0,'0'-13'31,"26"40"-15,-26-14-16,0 53 15,13 13-15,1-13 16,-1 67-16,-13-80 16,13 66-1,27 13-15,-40-13 16,13-79-16,0 52 0,0 1 16,-13-53-1,0 13-15,0-1 16,14 15-16,-14 12 15,13 27-15,-13-67 16,13 41-16,-13 52 16,0-13-16,13-66 15,-13 40-15,14-1 16,-1 27-16,-13-92 16,0 39-16,0-40 15,0 14-15,0-13 16,0-1-1,0 1-15,0-1 16,0 0-16,0 14 16,0-13-16,0-1 15,0 1-15,0-14 47,0 0-31,0 13-16,0 1 15,0 13 1,0 12-16,0 1 0,0-39 31,0 12 313,26-26-141,54 0-203,26 0 16,-1 0-16,-52 0 15,66 0-15,-26 0 16,52 0 0,-78 0-16,105 0 15,-14 0-15,14 0 16,-92 0-16,52 0 0,27 0 16,-14 0-16,-79 0 15,80 0 1,-1 0-16,-26 0 15,40 0-15,-106 0 16,106 0-16,0 0 16,-40 0-16,-66 0 15,39 0-15,-52 0 16,-14 0-16,1 0 16,-1 0-16,-12-40 156,52-145-156,-66 132 15,39-79 1,41-53-16,-67 39 16,40-79-16,-27 120 0,14-200 15,0-65 1,-1 52-16,-25 199 16,-14-145-16,26-14 15,1 93-15,-27 132 16,0-27-16,0 27 15,0 27-15,0 13 16,0-14-16,-106 54 188,-40-1-188,93-13 15,-53 1 1,-118 25-16,-1-25 0,132-14 15,-119 0 1,14 0-16,39 0 16,93 0-16,-93 0 15,14 0-15,26 0 16,-27 0-16,93 0 16,-79 13-16,0-13 15,13 0-15,66 0 16,-53 0-16,27 0 15,26 0-15,0 0 16,0 0-16,13 0 16,-13 0-16,-13 0 15,26 0-15,-26 0 16,-26 13-16,25-13 16,41 13-16,-40-13 15,-14 14-15,14-14 16,40 0-16,-14 0 15,0 0-15,14 0 16,0 0-16,12 0 31</inkml:trace>
+  <inkml:trace contextRef="#ctx0" brushRef="#br0" timeOffset="3422.95">3850 8678 0,'0'106'78,"0"-79"-62,0 118-16,0-26 16,0 172-16,0 146 15,0-305-15,0 186 16,0 12-16,0-39 15,0-185 1,0 159-16,0 26 0,0-40 16,0-158-1,0 79-15,0-13 16,0-40-16,0-53 16,0 0-16,0-13 15,-14-27-15,14 1 16</inkml:trace>
+  <inkml:trace contextRef="#ctx0" brushRef="#br0" timeOffset="5448.54">3929 8850 0,'0'-13'32,"27"-13"-17,25 26-15,15-14 16,25 1-16,-52 13 15,79-13-15,53 13 16,-79 0-16,-27 0 16,106 0-1,66 0-15,26 0 0,-158 0 16,132-13 0,-13 13-16,40-14 15,-40 1-15,-159 0 16,119-27-16,-53 40 15,-26 0-15,-66 0 16,66 0-16,0 0 16,-27 0-16,-66 0 15,0 0-15,1 0 16,-14 14 109,0 65-125,0 66 16,13 14-16,-13-132 15,0 105-15,40 93 16,-1 39-16,-26-158 15,40 146-15,-39 52 16,-1-106-16,-13-118 16,0 158-16,0-13 15,0 26 1,0 0-16,0-158 16,0 66-16,0 0 15,0-54-15,0-52 16,0-13-16,0-14 15,0-12-15,0 25 204,-27 1-204,14-27 15,-27 14 1,-39-14-16,-14 27 0,1-27 15,39 0-15,-79 0 16,13 1 0,-40-14-16,66 13 15,-118-13-15,-80 0 16,39 0-16,146 0 16,-145 0-16,39 0 15,40 0-15,93 0 16,-80 13-16,27-13 15,-53 13-15,26 27 16,93-40-16,-93 13 16,0 27-16,27-40 15,92 0-15,-52 0 16,26 0-16,39 0 16</inkml:trace>
+  <inkml:trace contextRef="#ctx0" brushRef="#br0" timeOffset="29587.5">4736 7117 0,'13'14'140,"93"-14"-140,26 0 16,27 0-16,-119 0 16,79 0-16,40 13 15,-1-13-15,-118 0 16,66 0-16,-66 0 15,-1 0-15,-25 0 16,-1 0-16,13 0 16,-13 0-1,1 0 1,12 0-16,1 0 16,12 0-16,-12 0 15,-14 13 376,0-13-376,0 26 1,14-26-16,26 0 16,-27 0-16,54 0 15,52 0-15,-26 0 16,53 0 0,-107 0-16,67 14 15,-66-1-15,-13-13 16</inkml:trace>
+  <inkml:trace contextRef="#ctx0" brushRef="#br1" timeOffset="36356.11">3903 7210 0,'-14'13'0,"107"-13"94,26 0-78,-92 0-16,105 0 15,40 0-15,-27 0 16,-118 0-16,79 0 15,39 0-15,-13 0 16,-79 0-16,53 0 16,0 0-16,-13 0 15,-14 0-15,-66 0 16,53 0-16,14 0 16,-27 13-16,-14-13 15,14 0-15,-13 0 16,26 0-16,-39 0 15,-14 0-15,0 0 16,0 0 15,0 0-31,1 0 16,-1 0 0,27 27-16,-14-27 15,14 0 1,26 0-16,-26 0 15,12 0-15,41 13 16,0-13-16,-80 0 16,40 0-16,-13 0 15,-1 0-15,-26 0 16,1 0-16,-1 0 16,0 0-16,27 0 15,-27 0-15,14 0 16,12 0-16,-12 0 15,-14 0 1,0 0-16,-13-40 203,0-26-203,13-53 16,-13 66-16,14 40 15,-14-66-15,0-1 16,0 27-16,0 14 16,0 12-16,0 14 15,0-27-15,0 27 16,0-13-16,0-14 16,0 13-16,0 1 15,0-14-15,0 27 16,0-13-16,0-14 15,0 27-15,0-1 16,0-25-16,0 26 16,-53 13 171,-66 0-187,0 13 16,26-13-16,40 0 15,-132 0-15,-27 0 16,-39 0-16,158 0 16,-79 0-16,0 0 15,53 0-15,40 0 16,52 0-16,-39 0 16,40 0-16,-1 0 15,-12 13-15,25-13 16,-12 0-16,-14 0 15,27 0-15,-40 0 16,0 0-16,-26 0 16,13 0-1,39 0-15,-52 0 16,13 0-16,13 0 0,39 0 16,-12 0-1,13 0-15,-14-13 16,14 26 78,-13 27-94,-14 26 15,40-53-15,-26 53 16,12 0-16,-12 14 15,-1 12-15,27-78 16,0 65-16,-26-13 16,13 13-16,13-65 15,-14 39-15,14-27 16,0 27-16,-13-27 16,13 1-16,0 13 15,0-27-15,0 13 16,0 1-16,0-1 15,0-13 1</inkml:trace>
+  <inkml:trace contextRef="#ctx0" brushRef="#br1" timeOffset="39932.89">11509 6813 0,'-13'0'62,"13"53"-46,0 26-16,0 1 15,0-41-15,0 14 16,0 13-16,0 1 16,0 12-16,0-39 15,0 26-15,0 26 16,0-25-16,0-54 15,0 53-15,0-26 16,0-14-16,0-13 16,0 1-1,0-1 157,27-13-156,65 0-16,41 0 15,25 0-15,-25 0 16,-54 0-16,199 0 16,0 0-16,-14 0 15,-158 0-15,159 0 16,-54 0-16,1-13 16,-40 13-16,-106 0 15,-26 0-15,-1 0 16,-25 0-16,12 0 31,-13 0-15,1 0 77,25 0-77,14 0 0,-40 0-16,14 0 15,-14 0 126,0-14-125,14 1-16,-1 0 15,1 13-15,-1 0 16,-13-13-1,1-1 110,-1 1-125,-13 0 16,13 0-16,-13-1 0,13 14 16,0-13-1,14-13 1,-14 26 0,-13-13-16,13 13 93,14 13-77,-1-66 187,-12 0-203,-14 26 16,13-52-16,-13 0 15,0-1-15,0 41 16,0-27-16,0 13 16,0-14-16,0 54 15,0-13-15,0-1 16,0-12-16,0 25 15,0 1 1,0 0 15,0 0-31,0-14 16,0 14 0,-13-13-1,-1-1-15,14 14 16,0 0-1,-13-1 64,-66 28-64,52-1-15,-39 27 16,-53-27-16,13 0 15,67 0-15,-147-13 16,67 0-16,13 13 16,54-13-16,-54 0 15,0 14-15,13-14 16,1 0-16,65 0 16,-65 0-16,-1 0 15,0 0-15,80 0 16,-27 0-16,-26 0 15,40 0-15,-14 0 16,0 0-16,-12 0 16,12 0-16,-26 0 15,39 0-15,-39 0 16,-26 0-16,25 0 16,28 0-1,-14 0-15,13 0 16,0 0-16,27 0 15,-40 0-15,14 0 0,-14 0 16,26 0 0,14 0-16,0 0 15,-27 0-15,27 0 16,0 0 0,-1 0-16,1 0 15,0 0 1,0 0 15</inkml:trace>
+  <inkml:trace contextRef="#ctx0" brushRef="#br2" timeOffset="53117.88">4035 9763 0,'0'40'78,"0"-1"-78,0 14 15,0-26-15,0-14 16,0 27-16,0-1 16,0 14-16,0-26 15,0-1-15,0 14 16,0 0-16,0-27 16,0 27-16,0-27 15,0 0-15,0 14 16,0-14 15,0 0-31,0 0 16,0 0-16,0 1 15,0-1 1,0 0 93,13 0-109,67-13 16,12 0-16,40 0 16,-13 0-16,-66 0 15,119 0-15,-66 0 16,26 0-16,-65 0 15,105 0-15,0 0 16,26 0-16,-145 0 16,119 0-16,-40 0 15,-13 0-15,-26 0 16,-53 0-16,12 0 16,-12 0-16,13 0 15,-40 0-15,14 0 16,-1 0-16,-13 0 31,1 0 47,12 0-78,-13 0 16,27 0-16,-13 14 15,-14-14-15,0 0 16,27 0 156,-27 0-156,53 0-1,0 0-15,-26-14 16,-14 1-16,1 13 15,-14-13-15,0-40 172,-13 27-156,0-41-16,13-25 16,-13-14-16,0 53 15,0 0-15,0-26 16,0 39-1,0-26-15,0 53 16,0-1-16,0 1 31,0 0 79,-66 0-110,-39 13 15,-54 0-15,40 0 16,39 0-16,-158 0 16,-13 0-16,-14-13 15,173 13-15,-94 0 16,41 0-1,39 0-15,80 0 16,-14 0-16,-13 0 0,13 0 16,27 0-16,-13 0 15,-14 0-15,-13 0 16,27 0 0,-41 0-16,-25 0 0,39 0 15,13 0-15,14 0 16,13 0-1,-14 0-15,1 0 16,12 0 0,-12 0-1,13 0 1,-14 0 0,14 0-16</inkml:trace>
+  <inkml:trace contextRef="#ctx0" brushRef="#br2" timeOffset="55814.32">15068 6879 0,'-13'0'47,"0"53"-32,-1-40-15,14 27 16,-26-14-1,26 41-15,0-41 16,0 27 0,0-40-16,-13 27 15,-1-14-15,14 1 16,-13 12-16,13 14 16,-13-39-16,0 25 15,0 14-15,-14 13 16,14-26-16,-14 0 15,27-27 1,0 0-16,0 14 78,0-14-47,0 0 48,67-13-79,-28 0 15,80 0 1,40 0-16,0 0 15,26 0-15,-79 0 16,105 13-16,14-13 16,-13 0-16,-133 0 15,93 0-15,-39 0 16,-1 0-16,-92 0 16,26 0-16,-13 0 15,-40 0-15,0 0 16,0 0 31,27 0-47,0 0 15,26 0-15,-13-13 16,0 13-16,39 0 16,14-26-16,-66 26 15,-14 0-15,-12-14 16,-14 1 93,0-40-109,0 27 16,0-40-16,-14 26 15,14 14-15,0-27 16,0-14-16,0 1 16,0 27-16,0-41 15,0-26-15,0 27 16,14 0-16,-14 65 16,13-12-16,0-14 15,-13 27-15,13 0 16,-13 0 78,-53 13-79,-13 0 1,-53 0-1,0 13-15,-40-13 16,120 0-16,-107 0 16,-66 0-16,27 0 15,-13 0-15,132 0 16,-120 0-16,81 0 16,-14 0-16,66 0 15,-66 0-15,13 0 16,0 0-16,66 0 15,-66 0-15,-13 0 16,53 0-16,0 0 16,40 0-16,-1 0 15,1 0-15</inkml:trace>
+  <inkml:trace contextRef="#ctx0" brushRef="#br2" timeOffset="58336.78">4339 10610 0,'0'39'16,"0"1"-1,0 26-15,0-26 16,0 53-16,0 12 16,-26 1-16,12-66 15,-12 79-15,26-40 16,0 1-16,0-67 16,0 66-16,0-39 15,0 13-15,0-27 16,0-12-1,0 12-15,0-13 16,0 1-16,0-1 31,0 0-31,0 0 32,0 0 14,0 1-30,40-14 0,26 0-16,53 0 15,40 0-15,-14 0 16,-79 0-16,146 0 16,119 0-16,66 0 15,-239 0-15,160 0 16,-1 0-16,-118 0 15,-133 0-15,13 0 16,-65 0-16,-1 0 141,-13-14-141,0 1 15,0-40-15,13-26 16,0 13-16,14-40 16,-27 80-16,13-67 15,27-39-15,-27 26 16,-13 79-16,13-78 15,-13 25-15,0 27 16,0 27-16,0-1 16,0 14-16,0 0 15,0 0-15,0-1 16,-13 1 31,-14 13-47,-39 0 15,-79 0 1,26 0-16,53 0 0,-120 0 16,67 0-16,-66 0 15,106 0-15,-133 0 16,40 0 0,0 0-16,93 0 15,-54 0-15,-12 0 16,79 0-16,0 0 15,26 0-15,0 0 16,14 0-16,-1 0 16,-12 0-1,12 0-15,14 0 16</inkml:trace>
+  <inkml:trace contextRef="#ctx0" brushRef="#br2" timeOffset="60895.78">14975 7871 0,'0'27'47,"0"12"-47,0 28 16,14 25-16,-14-65 16,0 52-16,0 27 15,0-53-15,0-13 16,0 39-16,0 0 15,0 14-15,0-80 16,0 40-16,0-27 16,0 27-16,0-39 15,0-1 1,0 0 62,0 0-62,0 1 62,79-14-63,-39 0-15,79 0 16,66 0-16,-53 0 16,-79 0-16,172 0 15,-13 0-15,13 0 16,-14 0-16,-145 0 16,133 0-16,-40 0 15,-40 0-15,-80 0 16,-12 0-16,26 0 15,-14 0-15,-25 0 32,-1-80 140,0 14-157,0 26-15,1-26 16,12-53-16,1 13 15,12 53-15,-39 0 16,13 40-16,14-13 16,-27-1-16,13 27 15,-13-13 1,13 13 0,-13-13 15,14-14 0,-14 14-15,0 0-16,0 0 15,0-1-15,0-25 16,0 26-16,0-1 16,0-12-1,0 13 1,0-1-1,-14 14 79,-78 0-94,-27 0 16,26 0-16,27 0 15,-146 0-15,-79 0 16,0 0-16,185 0 16,-132 0-16,79 0 15,40 0-15,80 0 16,-27 0-16,26 0 16,0 0-16,-13 0 15,27 0-15,-14 0 16,-26 0-16,-13 0 15,39 0-15,-26 0 16,13 0-16,26 0 16</inkml:trace>
+  <inkml:trace contextRef="#ctx0" brushRef="#br2" timeOffset="62211.77">4485 11549 0,'0'13'16,"0"14"-16,13 52 15,-13 53 1,0 80 15,0-133-15,0 107-1,13-120 17,-13-40-17,0 27 1,13-26 15,-13-14-31</inkml:trace>
+  <inkml:trace contextRef="#ctx0" brushRef="#br2" timeOffset="63376.31">4458 11681 0,'13'0'78,"40"0"-62,27 0-16,-14 0 15,93 0-15,-54 0 16,81 0-16,-94 0 16,146 0-16,53 0 15,-66 0-15,-13 0 16,-133 0-16,80 0 15,-40 0-15,-92 0 16,-14 0-16,0 0 94,0 14-79,-13 25-15,0-26 16,14 14-16,-1-1 16,-13 14-16,0-13 15,0-14-15,0 40 16,0-14-16,0-12 16,0-1-16,26-12 15,-26-1-15,0 0 47,0 13-47,0-12 16,0-1-1,0 0-15,0 0 16,0 1 0,0-1 62,-26-13-63,13 0-15,-40 0 16,-53 0-16,13 0 16,67 0-16,-120 0 15,-39 0-15,-53 0 16,132 0-16,-119 0 15,14 0-15,-41 0 16,54 0-16,132 0 16,-93 0-16,159 13 47,-13 0-47,13 1 15,-14-14 1</inkml:trace>
+  <inkml:trace contextRef="#ctx0" brushRef="#br2" timeOffset="66114.53">15081 8705 0,'0'26'78,"0"40"-78,0 27 16,0-40-1,-13-13-15,13 26 16,-13 13-16,13-39 0,-13 0 16,13 26-1,-14-27-15,14 14 16,0-40-16,0 14 15,0-1-15,0-12 16,0-1 0,0 0 15,0 0-15,0 1 15,0-1-31,0 0 78,0 13-78,40-26 16,13 14-16,53-14 15,-14 0-15,-39 0 16,119 0-1,66 0-15,53 0 16,0 0-16,-171 0 0,118 0 16,26 0-1,-52 0-15,-119 0 16,92 0-16,0 0 16,-53 0-16,-92 0 15,0 0-15,-14 0 16,-13 0-16,1 0 156,-1-14-156,0 14 16,0-13-16,0 0 15,-13 0 48,14 0-63,-1-1 15,-13-12-15,0-14 16,26 0-16,-26-26 16,0 40-16,14-40 15,-14 13-15,0-40 16,0 54-16,0-14 16,0 0-16,-14 13 15,1 0-15,0 14 16,0-14-16,13 14 15,-27 12-15,14-12 16,13 0 15,-13 12 16,0 14-47,-1 0 16,1 0-16,-13 0 15,-14 0-15,-26 0 16,0-13-16,39 13 16,-79 0-1,-13 0-15,-13 0 16,0 0-16,66 0 16,-67 0-16,27 0 15,1 0 1,52 0-16,0 0 0,-13 0 15,-40 0-15,79 0 16,-65 0-16,-27 0 16,53 0-16,39 0 15,-66 0-15,27 0 16,0 0-16,26 0 16,1 0-16,12 0 15,1 0-15,-1 0 16,-26 0-1,27 0-15,-27 0 16,27 0 0,-27 0-16,26 0 15,14 0 1,0-13 31</inkml:trace>
+  <inkml:trace contextRef="#ctx0" brushRef="#br1" timeOffset="73625.89">11311 6932 0,'0'0'0,"13"0"15,0 0 1,-13 13 0,14 27-16,12-14 15,-26 14-15,0 13 16,0-13-16,13-1 16,-13 14-16,0 53 15,0 0-15,0-80 16,0 80-16,0 13 15,0-13 1,0-79-16,0 52 16,0 14-16,0-54 15,0 41-15,0-1 16,0 0-16,0 1 16,0 39-16,0-79 15,0-1-15,0 14 16,0 0-16,0-40 15,0 27 1,0 0-16,0 26 0,0-13 16,0-27-16,0 14 15,0 0-15,0-14 16,0 27 0,0-40-16,0 0 15,0 1-15,0 25 16,0-25-16,0 12 15,0 1-15,0-14 16,0 13-16,0-13 16,0 14-16,0-14 15,0 14-15,0-14 32,0 13-32,0-13 15,0 1 1,0-1-16,0 0 15,0 14-15,0-1 16,0-13-16,0 1 16,0 25-16,0 41 15,0-54-15,0 1 125,-13-1 0,13-13 0,53-13-109,66 0-16,-26 0 16,105 0-16,-92 0 15,185 0-15,26 0 16,54 0-16,-252 0 15,146 0-15,-41 0 16,-65 0-16,0 0 16,-119 0-16,26 0 15,-27-13-15,-25 13 16,-1 0-16,13 0 16,-12-13-16,-1 13 15,13 0 1,1 0-16,-1 0 0,27 0 15,-40 0-15,27 0 16,-13 0 0,-1 0-16,-13 0 15,0-13 142,14-27-142,-1-26-15,14 26 16,-14-26-16,-12 53 15,12-54-15,14 1 16,-27-13-16,0 53 16,1-41-1,-14-25-15,13 39 0,-13 0 16,0-26 0,0 12-16,0-12 15,0 0-15,0 39 16,0-39-16,0-1 15,0-12-15,0 39 16,0-53-16,0 0 16,0 0-16,0 66 15,0-65-15,0-1 16,0-13-16,0 13 16,0 79-16,0-65 15,13-1-15,-13 67 16,0 13-16,0-27 15,0 0-15,0 1 16,0 25-16,0-39 16,0-13-16,0 27 15,0 12-15,0-13 16,0 1-16,0 12 16,0 1-16,0 13 15,0-27-15,0 13 16,0-12-16,0 25 15,0 1-15,0-13 16,0-14 0,0 14-16,0 12 15,0-25-15,-13 26 110,-80 13-110,-52 0 15,65 0-15,-26 0 16,67 0-16,-80 0 16,39 0-16,41 0 15,12 0-15,14 0 16,-14 0-1</inkml:trace>
+  <inkml:trace contextRef="#ctx0" brushRef="#br1" timeOffset="81137.75">11589 9842 0,'0'14'32,"0"-1"-32,0 13 15,0 14-15,0 26 16,-13 14 0,-1-14-16,14-40 0,-13 93 15,13-26 1,-13 39-16,0-52 15,-1 65-15,-12-26 16,13-13-16,-1-40 16,14 66-16,-26 14 15,26-1-15,-13-52 16,13-40-16,-27 53 16,27-27-16,-13 27 15,0-66-15,0 79 16,13-40-16,-14-13 15,14-39-15,0 52 16,0-13-16,0-53 16,0 14-16,0-14 31,-13 14-15,13-1 30,0 1-46,0 12 16,0-26-16,-13 1 16</inkml:trace>
+  <inkml:trace contextRef="#ctx0" brushRef="#br1" timeOffset="82849.27">11549 9803 0,'0'0'0,"13"0"0,1 0 16,12 0-1,14 0 1,-1 0-16,14 0 16,27-13-16,-41 13 15,27 0-15,27 0 16,26 0-16,-66 0 16,26 0-1,41 0-15,38 0 0,-105 0 16,119 0-16,-13 0 15,0 0-15,-80 0 16,53 0-16,1 0 16,-14 0-16,-80 0 15,54 0-15,-40 0 16,-13 0-16,-27 0 16,26 0-16,-25 0 15,-1 0-15,0 0 63,14 0-63,-14 0 15,27 0 1,-14 0-16,0 0 16,1 0-16,-14 0 15,0 0-15,14 0 16,-1 0-16,27 0 15,27 0 1,25 0-16,-65 0 16,79 0-16,-39 0 15,52 0-15,-79 0 16,-40 0-16,0 0 16,-13 26 77,0 27-77,0 53-16,0 39 16,0-39-16,0-40 15,-26 133 1,-14 79-16,-39 39 15,65-224-15,-12 132 16,-14-27-16,27-39 16,0-80-16,0 80 15,-1-40-15,1 13 16,13-79-16,-13 40 16,13-27-16,0-40 15,0 14-15,-53-27 156,0 0-156,-66 1 16,40-14-16,-80 0 16,66 0-1,-92 0-15,-66 0 0,-1 0 16,160 0-16,-93 0 16,13 0-1,13 0-15,79 0 16,-78 0-16,-14 0 15,13 0-15,27 0 16,79 0-16,-132 0 16,26 0-16,40 0 15,79 0-15,-13 0 16</inkml:trace>
+  <inkml:trace contextRef="#ctx0" brushRef="#br1" timeOffset="91749.8">3069 6562 0,'0'-14'78,"0"1"-78,13 13 16,-13-26 0,14 13-1,12 13 1,14 0-16,-14 0 16,-13 0-16,14 0 15,-1 0-15,1 0 16,-14 0-16,14 0 78,-27 13-78,0 0 0,0 0 16,0 27-1,0-27 1,0 27-16,0-27 15,-40 13-15,-26 14 16,39-40-16,14 27 16,-27-14-16,1 0 15,52-13 110,27 0-109,-1 0-16,-26 0 16,27 0-16,0 0 15,-14 13 1,-12-13-16,12 27 0,0-14 15,14 13-15,-27-26 125</inkml:trace>
+  <inkml:trace contextRef="#ctx0" brushRef="#br1" timeOffset="93693.65">2566 10398 0,'-13'0'94,"13"-13"-78,0 0-16,40-40 15,-27 40-15,27-14 16,-27 27-16,40-13 16,0 0-16,-40 13 15,0 0-15,14 0 16,-14 0-1,14 13 1,-27 0-16,26 53 16,-13-26-16,-13-27 15,27 0-15,-27 27 16,0-27 0,0 0-1,-14 27-15,1-27 16,0-13-16,13 14 109,26-14-78,-12 13 1,-14 0-32,13 0 15,-13 1-15,0 12 16,0-13 0,0 14-1,0-1-15,-40 1 16,40-14-16,-39 0 15,-1 14-15,0-14 16,-13 26-16,27-39 16,-14 14-16,-13-14 15,0 0-15,40 0 16,-27 0-16,14 0 16,13 0-16</inkml:trace>
+  <inkml:trace contextRef="#ctx0" brushRef="#br1" timeOffset="-136560.12">13031 6667 0,'119'14'47,"-66"-14"-31,132 39-16,-40-25 15,41-14-15,25 0 16,-105 0-16,132 0 16,0 13-16,-52 13 15,-107-26-15,-13 0 16,-53 0-16,1 0 16,-1 0 77,0 0-77,40 0-16,-27 0 16,14 0-16,13 0 15,-13 0-15,26 0 16,-26 0-16,52 0 15,1 0-15,26 0 16,-66 0-16,145 0 16,40 0-16,14 0 15,-186 0-15,119 0 16,-53 0-16,-52 0 16,-54 0-16,-13 0 140,-13-39-140,0-28 16,0-12-1,0-66-15,0 105 16,0-92-16,0-54 0,0 14 16,0 120-1,0-68-15,0-25 16,0 26-16,0 79 16,0-26-16,-13-27 15,13 41-15,0 38 16,0 1 46,-92 13-46,52 40-16,-40-27 16,-65 13-16,-14 1 15,106-27-15,-92 13 16,-27-13-16,-93 0 15,14 0-15,145 0 16,-211 0 0,25 0-16,-38 0 0,211 0 15,-199 0-15,-79 0 16,106 0 0,185 0-16,-92 0 15,66 0-15,39 0 16,80 0-16,13 27 15,-13-14 126,13 40-141,0 53 16,0-1-16,0 14 15,0-39-15,0 39 16,13-13-16,27 13 16,-40-80-16,13 54 15,13 0-15,-13-40 16,14 13-16,-14-40 15,-13 27-15,13 13 16,-13 14-16,14-54 16,12 40-16,-26-53 15,13 27 1,14 0 0,-14-14-1</inkml:trace>
 </inkml:ink>
 </file>
 
@@ -390,67 +457,25 @@
     <inkml:context xml:id="ctx0">
       <inkml:inkSource xml:id="inkSrc0">
         <inkml:traceFormat>
-          <inkml:channel name="X" type="integer" max="3360" units="cm"/>
-          <inkml:channel name="Y" type="integer" max="1872" units="cm"/>
+          <inkml:channel name="X" type="integer" max="5120" units="cm"/>
+          <inkml:channel name="Y" type="integer" max="1800" units="cm"/>
           <inkml:channel name="T" type="integer" max="2.14748E9" units="dev"/>
         </inkml:traceFormat>
         <inkml:channelProperties>
-          <inkml:channelProperty channel="X" name="resolution" value="114.28571" units="1/cm"/>
-          <inkml:channelProperty channel="Y" name="resolution" value="112.77109" units="1/cm"/>
+          <inkml:channelProperty channel="X" name="resolution" value="174.14966" units="1/cm"/>
+          <inkml:channelProperty channel="Y" name="resolution" value="109.09091" units="1/cm"/>
           <inkml:channelProperty channel="T" name="resolution" value="1" units="1/dev"/>
         </inkml:channelProperties>
       </inkml:inkSource>
-      <inkml:timestamp xml:id="ts0" timeString="2020-09-22T17:54:23.543"/>
+      <inkml:timestamp xml:id="ts0" timeString="2021-10-07T02:12:19.254"/>
     </inkml:context>
     <inkml:brush xml:id="br0">
       <inkml:brushProperty name="width" value="0.05292" units="cm"/>
       <inkml:brushProperty name="height" value="0.05292" units="cm"/>
-      <inkml:brushProperty name="color" value="#FF0000"/>
+      <inkml:brushProperty name="color" value="#00B050"/>
     </inkml:brush>
   </inkml:definitions>
-  <inkml:trace contextRef="#ctx0" brushRef="#br0">2472 2671 0,'0'0'0,"0"0"15,0 0-15,30 0 0,8 0 16,7 0-16,-7 0 16,-8 8-16,-7 0 15,15-1 1,7 1-16,8-1 15,0 1-15,0 0 16,0-8-16,0 7 16,0-7-1,22 8-15,9-8 16,-9 0-16,-29 8 16,14-1-1,16 1-15,7-1 16,-15-7-16,0 0 15,-8 0-15,8 0 16,-7 0 0,-1 0-16,-7 0 15,-7 0-15,-9 0 16,9 0-16,7 0 16,0 0-1,7 0-15,-7 0 16,0-7-16,-8 7 15,1 0-15,-1 0 16,0 0 0,1 0-16,-1 0 15,0 0-15,-7 0 16,-8 0 0,-7 0-16,0 0 15,7 0-15,0 0 16,1 0-16,-1 0 15,0 0 1,0-8-16,1 8 16,-1 0-16,-8-7 15,1 7 1,0-8-16,-1 0 16,1 8-16,-8 0 15,0 0-15,1 0 16,-1 0-1,0 0-15,-8 0 16,1 0-16,-1 0 16,1 0-16,0 0 15,-1 0 1,1 0-16,-1 0 16,-7 0-16,0 0 15,8 0 1,-8 0-16,0 0 15,7-7-15,1-1 16,-8 8-16</inkml:trace>
-  <inkml:trace contextRef="#ctx0" brushRef="#br0" timeOffset="1402.96">5307 2709 0,'0'0'0,"0"0"16,0 0-16,0 0 16,0 0-16,0-15 15,0 0-15,0-8 16,0-8-1,0 1-15,0-1 16,0-7-16,0 0 16,0 0-1,0 0-15,0-8 16,0-7-16,0 7 16,0 0-16,0 8 15,0 0 1,0-1-16,0 9 15,0-1-15,0 1 16,0-1-16,0 8 16,0 1-1,0-1-15,0 7 16,-8 1-16,1 0 16,-1 0-16,1 7 15,-1-7 1,-7-1-16,0 1 15,-8 0-15,1 0 16,-9 7 0,1 0-16,0-7 15,0 8-15,-1-1 16,1 0 0,0-7-16,-8 0 15,-7-1-15,-16 1 16,-7-8-16,0 0 15,0 1 1,-23-1-16,-7 0 16,7 0-16,31 0 15,-31 0-15,-15 8 16,1 7 0,6 0-16,-14 1 15,0-1-15,44 1 16,-14-1-1,-23 0-15,16 1 16,7-1-16,-23 0 16,7-7-16,16 8 15,23-9 1,-8 9-16,0-1 16,0 0-16,15 1 15,0-1-15,8 0 16,7 8-1,8 0-15,7 0 16,0 0-16,0 0 16,1 0-1,7 8-15,0 0 16,-1 7-16,1 23 16,-7 23-16,7 8 15,-1 15-15,-6 15 16,-1 31-1,0-16-15,-7 39 16,0-23-16,7-1 16,-7 47-1,7-16-15</inkml:trace>
-  <inkml:trace contextRef="#ctx0" brushRef="#br0" timeOffset="7116.27">5806 4846 0,'0'0'16,"0"0"-16,0 0 16,0 0-1,-8 8-15,1-8 16,-1 8-16,-7-1 16,0 1-16,7 0 15,-7-1 1,8 1-16,-1 7 15,-7 0-15,0 8 16,7 8-16,1 7 16,-1 0-1,1 8-15,7-8 16,0-7-16,0-1 16,7-7-1,1 0-15,-1 0 16,1-8-16,7 0 15,0 1-15,0-1 16,8-7 0,7-1-16,-7 1 15,7-1-15,0-7 16,-7 0 0,0 0-16,-8 0 15,0 0-15,-7-7 16,7-1-16,-8 1 15,1-1 1,7-7-16,0-1 16,0-7-16,0-7 15,0-1-15,1 1 16,-1-8 0,-8 7-16,1 8 15,-1 8-15,-7 0 16,0 0-16,0 7 15,0 0 1,0 1-16,-7-1 16,-1 0-16,1 1 15,-1-1 1,-7 0-16,0 1 16,0-1-16,-8 1 15,-7 7-15,0 7 16,-8 8-1,-8 1-15,46-16 16</inkml:trace>
-  <inkml:trace contextRef="#ctx0" brushRef="#br0" timeOffset="8220.15">5980 4824 0,'0'0'0,"0"0"16,0 0 0,7-8-16,8-7 15,8-8-15,7-8 16,16-15 0,-1 8-16,0 8 15,1-1-15,-16 1 16,0-1-16,8-7 15,7 0 1,8 0-16,-7 7 16,-1 1-16,0-1 15,-7 1 1,-7 7-16,-9 0 16,-7 8-16,0 7 15,-7 0-15,-8 8 16,0 0-1</inkml:trace>
-  <inkml:trace contextRef="#ctx0" brushRef="#br0" timeOffset="8757.98">6055 4724 0,'0'0'0,"0"0"16,0 0-16,0 0 15,0 0 1,0 0-16,0 0 16,8-7-16,0-9 15,7 1 1,7-8-16,9-7 16,-1 7-16,-8 0 15,-6 8-15,-1 7 16,-8 0-1,1 1-15,-8 7 16,0 0-16,0 0 16,0 0-1,0 0-15,-8 7 16,-7 1-16,0 0 16,0-1-16,0 1 15,7 0 1,1-1-16,7-7 15,0 0-15,0 0 16,0 0-16,0 0 16</inkml:trace>
-  <inkml:trace contextRef="#ctx0" brushRef="#br0" timeOffset="19807.81">6925 4717 0,'0'0'16,"7"-8"-16,1 0 16,7-7-1,0 0-15,8 0 16,0-1-16,-1 1 16,1 0-1,0-8-15,14-8 16,16-7-16,8 0 15,-8 0-15,-8 0 16,-15 7 0,1 1-16,6 7 15,-6 0-15,-1 0 16,-8 8 0,-22 15-16</inkml:trace>
-  <inkml:trace contextRef="#ctx0" brushRef="#br0" timeOffset="20748.53">7008 4595 0,'0'0'0,"0"0"16,0 0-1,0 0-15,0 0 16,0 0-16,0 0 15,0 0-15,0 0 16,0 0 0,0 0-16,0 0 15,0 0-15,0 0 16,0 0-16,0 0 16,0 0-1,0 0-15,0 0 16,0 0-16,0 0 15,0 0 1,0 0-16,0 0 16,0 0-16,0 0 15,-8 7-15,1 1 16,-1-1 0,1 1-16,-1 0 15,1-1-15,-1 1 16,8 0-1,0-8-15,0 0 16,0 0-16,0 0 16,0 0-16,0 0 15,0 0 1,8 0-16,-1 0 16,1-8-16,-1 0 15,-7 8-15,8-7 16,-8 7-1,0 0-15,0 0 16,0 0-16</inkml:trace>
-  <inkml:trace contextRef="#ctx0" brushRef="#br0" timeOffset="21963.27">5352 4663 0,'0'0'0,"0"0"16,0 0 0,0 0-16,0 0 15,8 0-15,-1 0 16,9-7-1,-1-1-15,7-7 16,1-1-16,15-6 16,-8 6-16,-7-7 15,7-7 1,0-1-16,1-14 16,14-1-16,-7 8 15,7-8-15,-7 15 16,7-7-1,-7 8-15,0-1 16,0-7-16,-1 0 16,-6 7-16,-1 1 15,-7 14 1,-8 1-16,0 0 16,-8 7-16,1 8 15,-8 0-15,0 0 16</inkml:trace>
-  <inkml:trace contextRef="#ctx0" brushRef="#br0" timeOffset="22519.64">5451 4595 0,'0'0'0,"0"0"16,0 0-16,0 0 15,0 0 1,0 0-16,0 0 16,0 0-16,0 0 15,0 0 1,0 0-16,7-8 15,1 0-15,-1 1 16,1-1-16,-1 0 16,-7 8-1,0 0-15,0 0 16,0 0-16,0 0 16,0 0-16,0 0 15,0 0 1,0 0-16,0 0 15,0 0-15,0 0 16,0 0 0,0 0-16,0 0 15</inkml:trace>
-  <inkml:trace contextRef="#ctx0" brushRef="#br0" timeOffset="24860.62">4203 4648 0,'0'0'16,"0"0"-16,0 0 15,0 0 1,0 0-16,0 0 15,0 0-15,0 0 16,0 0-16,0 0 16,0 0-1,0 0-15,0 0 16,0 0-16,15-8 16,8-7-1,15-8-15,15-15 16,0-8-16,0-7 15,-8-1-15,0 1 16,8 0 0,8 7-16,7-15 15,-8 0-15,-14 7 16,-16 16 0,0 0-16,0 7 15,-7 8-15,0 1 16,-8 6-16,0 1 15,-15 15 1</inkml:trace>
-  <inkml:trace contextRef="#ctx0" brushRef="#br0" timeOffset="25336.34">4241 4518 0,'0'0'0,"0"0"15,8-7 1,7-16-16,15-15 16,0-1-16,0 9 15,-14 7-15,-1 8 16,-8 7 0,-7 8-16,0 0 15,8 15-15,-8-15 16</inkml:trace>
-  <inkml:trace contextRef="#ctx0" brushRef="#br0" timeOffset="73988.07">20132 5312 0,'0'0'16,"0"8"-16,7 37 0,137 940 0,-152-794 16,1-61-1,-1 45-15,1-45 16,7 22-16,15 9 16,0-31-1,23 45-15,-16-68 16,9 15-16,-9-23 15,-22-99 1</inkml:trace>
-  <inkml:trace contextRef="#ctx0" brushRef="#br0" timeOffset="75219.91">20215 4991 0,'0'0'16,"0"0"0,15 0-16,8 0 15,15 0-15,7 0 16,8-7-16,15-1 16,0 1-1,15-1-15,-15 0 16,23 1-16,37-1 15,8 0 1,16 1-16,-1-1 16,-53-7-16,61 0 15,-8-1-15,8-7 16,-16-7 0,-37 7-16,45 0 15,-14 0-15,-1 0 16,22 0-1,-67 8-15,-8 8 16,46-1-16,-16 0 16,-22 1-16,15 7 15,0 0 1,-23 0-16,-38-8 16,0 8-16,1 0 15,-1 0 1,1 0-16,-9 0 15,-6 0-15,-1 0 16,-8 0-16,1 0 16,-8 0-1,0 8-15,1-1 16,-1 1-16,0 0 16,-8 7-1,8 8-15,1 7 16,-1 16-16,-8 0 15,1 7-15,-1 24 16,1 14 0,-1-7-16,1-8 15,7 16-15,-7 30 16,-1-23 0,1 8-16,-1 31 15,1-32-15,0 1 16,-1 0-16,1-15 15,-1-8 1,-7 0-16,0 7 16,8 1-16,-1-16 15,1 0-15,-1 8 16,1 16 0,0-32-16,-1-7 15,-7 8-15,-7 0 16,7-69-1</inkml:trace>
-  <inkml:trace contextRef="#ctx0" brushRef="#br0" timeOffset="75975.83">20691 7999 0,'0'0'0,"0"0"16,8 0-1,7 0-15,0 0 16,8-8-16,15 0 16,22-7-16,16 0 15,7 0 1,0-1-16,23-7 16,15 0-16,-38 8 15,38 0 1,30 0-16,-22-1 15,14 9-15,-14-1 16,-23 0-16,52 1 16,-22-8-1,23-1-15,-8 9 16,-83-1-16,38 0 16,23 8-1,-39 0-15,-6 0 16,-16 0-16,-68 0 15</inkml:trace>
-  <inkml:trace contextRef="#ctx0" brushRef="#br0" timeOffset="79493.47">20238 5549 0,'0'0'16,"0"0"-16,0 0 15,7 7-15,8 1 16,0 0 0,8-1-16,7-7 15,1 0-15,6 0 16,9 0-16,22-7 15,30-1 1,-37 0-16,14-7 16,76 0-16,-37-1 15,29-6 1,31-1-16,-91 7 16,76 1-16,-8 8 15,8-1 1,15 0-16,-53 8 15,60-7-15,-22 7 16,38-8-16,-84 8 16,31-8-1,30 1-15,-16 7 16,9-8-16,-69 8 16,30 0-16,9 0 15,-47 0 1,-14 8-16,-16-1 15,-22 1-15,-38-8 16</inkml:trace>
-  <inkml:trace contextRef="#ctx0" brushRef="#br0" timeOffset="80396.06">21296 3740 0,'0'0'16,"0"0"-16,0 0 15,0 0 1,0 0-16,0 0 16,0 0-16,0 0 15,0 0 1,0 0-16,0 0 15,-8 7-15,1 9 16,-8 7-16,7 7 16,-7 16-1,8 23-15,-1-8 16,0-8-16,8-15 16,0-7-1,0-1-15,0-7 16,0 0-16,0 8 15,0-8-15,8-8 16,0 0 0,7 0-16,-15-15 15</inkml:trace>
-  <inkml:trace contextRef="#ctx0" brushRef="#br0" timeOffset="81183.21">21394 3801 0,'0'0'0,"0"0"15,0 0-15,0 0 16,0 0-16,0 0 16,-7 0-1,-1 0-15,8 0 16,0 0-16,0 0 15,0 0 1,0 0-16,8-8 16,-1 1-16,8-1 15,1 0 1,-1 8-16,0 0 16,0 8-16,-8 0 15,1-1-15,0 8 16,-1 16-1,1 7-15,-1 0 16,-7 0-16,0-7 16,0-8-1,-7 0-15,-1-8 16,1 0-16,-1-7 16,0 0-16,1-1 15,7-7 1,0 0-16,0 0 15,0 0-15,0 0 16,0 0-16,0 0 16,7-7-1,-7 7-15,0 0 16,8 0-16,0 7 16,7 1-1,0-1-15,0 9 16,0-1-16,0 0 15,8 1 1,0-9-16,-1 1 16,-7-1-16,0 1 15,-7 0-15,0-8 16,-1 7 0,-7-7-16</inkml:trace>
-  <inkml:trace contextRef="#ctx0" brushRef="#br0" timeOffset="81495.87">21923 4137 0,'0'0'0,"0"0"16,0 0-16,8 15 15,0 23-15,-1 38 16,1 1-16,-1-24 15,1 1 1,-8-54-16</inkml:trace>
-  <inkml:trace contextRef="#ctx0" brushRef="#br0" timeOffset="82623.61">21946 8556 0,'0'0'15,"0"0"-15,0 0 16,0 0-16,0 0 16,0 0-1,0 0-15,0 0 16,0 0-16,0 0 15,0 15 1,0 23-16,8 16 16,-1 7-16,-7-16 15,0-14-15,0-1 16,0-7 0,0 0-16,0-7 15,0-1-15,0-8 16,0-7-16,0 0 15,0 0 1,0 0-16</inkml:trace>
-  <inkml:trace contextRef="#ctx0" brushRef="#br0" timeOffset="83275.35">22044 8426 0,'0'0'0,"0"0"16,0 0-16,0 0 15,0 0-15,0 0 16,0 0-16,0 0 15,0 0 1,0 0-16,0 0 16,8-8-16,0 1 15,7-1 1,7-7-16,1 7 16,-8 8-16,0 0 15,8 15 1,0 16-16,-8-1 15,0 1-15,-8 7 16,1 8-16,0 0 16,-8-8-1,0-8-15,-8 1 16,0-8-16,1-8 16,-1 0-1,1 1-15,-1-9 16,8 1-16,0-8 15,0 0-15,0 0 16,0 0 0,0 0-16,0 0 15,8 8-15,7-1 16,0 1 0,8 7-16,-1 0 15,-7-7-15,1 0 16,-9-1-16,8 1 15,-7 0 1,-1-1-16,1 1 16,7-8-16,-15 0 15</inkml:trace>
-  <inkml:trace contextRef="#ctx0" brushRef="#br0" timeOffset="83716.32">22732 8823 0,'0'0'15,"0"0"-15,0 0 16,0 0-1,0 0-15,0 0 16,15-8-16,8 1 16,7-9-16,1 9 15,-9-1 1,-7 8-16,1 0 16,-9 0-16,1 8 15,-1-1 1,1 9-16,-8-1 15,-8 0-15,1 0 16,-1-7-16,8 0 16,0 7-1,0-7-15,8-1 16,7 8-16,7 1 16,16-9-1,8 1-15,7-8 16,-53 0-16</inkml:trace>
-  <inkml:trace contextRef="#ctx0" brushRef="#br0" timeOffset="84461.79">21508 9349 0,'0'0'0,"0"0"16,0 0-1,0 0-15,0 0 16,0 0-16,0 23 16,0 31-16,7 14 15,-7-6 1,0 21-16,0 17 15,0-1-15,0-30 16,-7 7 0,7 8-16,-8 7 15,8-22-15,-7-15 16,-1 7 0,8 7-16,0 1 15,0 0-15,0-16 16,0-7-16,0 7 15,8 1 1,-1-1-16,1 1 16,-1-16-16,-7-15 15,8 0 1,-8-8-16,7-8 16,-7 1-16,8 0 15,-8-8 1,0 0-16</inkml:trace>
-  <inkml:trace contextRef="#ctx0" brushRef="#br0" timeOffset="85248.75">21545 9433 0,'0'0'16,"0"0"-1,0 0-15,8 0 16,15 0-16,30 8 16,15-8-1,0 0-15,0 0 16,22-8-16,9 1 16,-16-1-16,23-7 15,30 7 1,0 1-16,23-9 15,-16 1-15,-60 0 16,46 0-16,15-1 16,-23 1-1,22 0-15,-22 0 16,-38 7-16,31-7 16,7 7-1,-38 0-15,8 1 16,14 7-16,-14-8 15,-23 0-15,-23 1 16,1 7 0,-1-8-16,-7 8 15,-15 0-15,-8 0 16,-8 0 0,-7 0-16,0 0 15,0 8-15,0 7 16,-7 8-16,-8 23 15,0 38 1,-1 15-16,-6-15 16,7 15-16,0 8 15,-8-15 1,0-8-16,0 7 16,1-15-16,-1-15 15,0-7-15,8-16 16,-7 15-1,-1 9-15,-7-1 16,30-61-16</inkml:trace>
-  <inkml:trace contextRef="#ctx0" brushRef="#br0" timeOffset="85747.62">21553 10822 0,'0'0'15,"0"0"-15,23 8 16,45 0-16,7-1 16,9 1-16,21 0 15,24-8 1,-46 0-16,61-16 15,30 1-15,15-8 16,-16 0-16,-6-7 16,44-8-1,-14 15-15,-38 0 16,-23 0-16,53-8 16,-76 16-1,46 0-15,-53 0 16,-38 7-16,0-7 15,7-1 1,-75 16-16</inkml:trace>
-  <inkml:trace contextRef="#ctx0" brushRef="#br0" timeOffset="87249.32">20412 6182 0,'0'0'0,"0"0"16,0 0-16,0 0 16,0 0-1,0 0-15,0 0 16,0 0-16,7 0 16,1-8-1,7 8-15,15-7 16,15-1-16,16 8 15,7 0-15,-23 0 16,1 0-16,22 0 16,30 0-1,0-7-15,-15-1 16,31 0-16,14 1 16,-45-1-1,46-7-15,22 7 16,-15 1-16,15-1 15,-45 0-15,15 1 16,15-1 0,-7 0-16,14 1 15,1-1-15,-68 0 16,7 1 0,23-8-16,-1 7 15,-6 0-15,-9-7 16,9 7-16,-16 1 15,-30-1 1,-15 8-16,-16 0 16,1 0-16,0 0 15,-1 0 1,1 0-16,-8 0 16,0 0-16,0 0 15,1 0 1,-9 0-16,1 0 15,-8 0-15,0 0 16,0 0-16</inkml:trace>
-  <inkml:trace contextRef="#ctx0" brushRef="#br0" timeOffset="88068.01">20419 7045 0,'0'0'0,"0"0"16,0 0-1,0 0-15,0 0 16,0 0-16,8 0 16,7 0-16,7-8 15,16 0 1,8-7-16,7 7 16,-1-7-16,-6 7 15,7 1 1,45-8-16,8-1 15,-15 1-15,29 0 16,32 0 0,-62-1-16,77-14 15,7 7-15,30 0 16,-46 0-16,47 8 16,6-8-1,31 15-15,-136-7 16,128 0-16,-52 7 15,45 0 1,-122 1-16,92-1 16,-68 1-16,52-1 15,-68 8-15,-45 0 16,0 0 0,16 8-16,-84-8 15</inkml:trace>
-  <inkml:trace contextRef="#ctx0" brushRef="#br0" timeOffset="89061.91">21493 9823 0,'0'0'0,"0"0"15,7 0-15,16 0 16,22-8-16,38 8 16,-15 0-1,0-8-15,16 1 16,21 7-16,-14-8 15,-8 0 1,53-14-16,31-1 16,14 0-16,-30 8 15,-22-1-15,60-7 16,-38 16 0,38-9-16,-83 9 15,22-1-15,46-7 16,-60 7-1,29 1-15,-29-1 16,-54 0-16,-15 8 16,1-7-1,-1-1-15,1 1 16,-16-1-16,-15 0 16,-15 8-16</inkml:trace>
-  <inkml:trace contextRef="#ctx0" brushRef="#br0" timeOffset="89861.44">21530 10303 0,'0'0'15,"0"0"1,0 0-16,0 0 16,0 0-16,0 0 15,0 0-15,0 0 16,0 0-1,15 0-15,23 0 16,15 8-16,15-8 16,0-8-1,23 1-15,30-1 16,-15-7-16,-15 0 16,82-16-16,-44 8 15,60-7 1,-61 7-16,-7 8 15,61-1-15,-39 9 16,54-9 0,-91 16-16,15 0 15,38 0-15,-31 0 16,31 0-16,-46 0 16,-45 0-1,15 0-15,8-7 16,0 7-16,-23-8 15,-68 8 1</inkml:trace>
-  <inkml:trace contextRef="#ctx0" brushRef="#br0" timeOffset="100991.53">19724 5358 0,'0'0'0,"0"0"16,0 0-16,0 0 16,0 0-16,0 0 15,0 0 1,0 0-16,0 0 16,0 0-16,0 7 15,-8 9 1,0-1-16,-7 16 15,-7-1-15,-1 8 16,0 0-16,8-15 16,0 8-1,0-8-15,7 7 16,1-7-16,7 8 16,0-1-16,0 8 15,7-7 1,8-1-16,1 1 15,6-8-15,1-8 16,0 0 0,-1-7-16,9 0 15,6-1-15,1 1 16,0-8 0,0 0-16,-8 0 15,-7 0-15,-1 0 16,-7 0-16,1 0 15,-9 0 1,-7 0-16,0 0 16,0 0-16,0 0 15,0 0-15,0 0 16,0 0 0,0 0-16,0 0 15,0 0-15,0 0 16,0 0-1,0 0-15,0 0 16,8-15-16,-1 7 16,8-7-16,-7 7 15,0 0 1,-8 8-16,0 0 16,0 0-16,0 0 15,0 0 1,0 0-16,0 0 15,0 0-15,0 0 16</inkml:trace>
-  <inkml:trace contextRef="#ctx0" brushRef="#br0" timeOffset="115194.21">20941 5617 0,'0'0'16,"0"0"-16,0 0 16,0 0-1,0 0-15,0 0 16,-8 0-16,1 0 16,-9 0-16,1 0 15,0 0 1,0 0-16,-8 8 15,-14 0 1,-1-1-16,-8 1 16,9-1-16,-1 1 15,0 0-15,8-1 16,0 1 0,7 0-16,0-1 15,1 1-15,-1 0 16,0-1-16,8-7 15,0 8 1,7-8-16,1 7 16,-1 1-16,1 0 15,-1-1-15,-7 16 16,7-8 0,1 8-16,-1-7 15,1-1 1,7 0-16,0 0 15,0 1-15,0-1 16,7 0-16,1 0 16,7 1-1,0-1-15,0 0 16,0-7-16,8 0 16,7 7-16,1-8 15,6 1 1,1 0-16,0-1 15,0 1-15,0-8 16,-8 0-16,-8 0 16,1 0-1,7 0-15,8 0 16,8 0 0,-1 0-16,0 0 15,1 0-15,-1 0 16,-7 0-16,7-8 15,0 8 1,8 0-16,0 8 16,0-8-16,0 0 15,-15 0 1,-8 0-16,16 8 16,6-8-16,9 0 15,7 0-15,-8 0 16,1 0-1,7 0-15,8 0 16,7 0-16,-15 0 16,-23-8-16,8 0 15,23 8 1,7-7-16,0-1 16,-7 0-16,-1 8 15,8 0 1,16 0-16,-31 0 15,-23-7-15,8-1 16,15 8 0,0 0-16,0 0 15,0-7-15,-7-1 16,-9 0-16,9 8 16,-1-7-16,1 7 15,-8-8 1,-15 8-16,-8-8 15,-7 1-15,-1-1 16,8 0 0,1 1-16,7-1 15,-1 1-15,1-9 16,0 1-16,-8 0 16,0 0-1,1-1-15,-9 1 16,1 0-16,-8 7 15,0-7 1,0 7-16,0-7 16,1 7-16,-9 1 15,1-9 1,-1 9-16,1-1 16,-1-7-16,1 7 15,-8-7-15,0 7 16,0-7-1,-8 0-15,-7-8 16,0 0-16,-8 0 16,-14 0-16,-9 0 15,-7 8 1,0 0-16,8 0 16,0 7-16,-8 0 15,-8-7 1,-7 7-16,-7 8 15,-1 0-15,1-7 16,-24 7 0,1 0-16,22 0 15,1 0-15,-16 0 16,-15-8-16,8 8 16,15 0-1,-8 0-15,0 0 16,16 8-16,7-1 15,0-7-15,-8 8 16,-22-8 0,15 0-16,-8 0 15,-15 8-15,15-8 16,23 7 0,-7 1-16,-8 0 15,-8-1-15,8 1 16,15 7-1,-16 0-15,9 1 16,-1 7-16,8-1 16,8-6-16,-23 14 15,-8-7 1,8 8-16,7-1 16,-22 8-16,98-38 15</inkml:trace>
-  <inkml:trace contextRef="#ctx0" brushRef="#br0" timeOffset="116008.68">21810 5793 0,'0'0'0,"0"0"16,0 7 0,0 9-16,8 7 15,-1 0-15,1-1 16,-8 1-16,0-7 15,0 6 1,0-6-16,0-1 16,7 0-1,1-7-15,-8 0 16,7-1-16,-7 1 16,8-1-16,-8-7 15,8 8 1,-8-8-16,0 0 15,7 0-15,-7 0 16,0 0-16,0 0 16</inkml:trace>
-  <inkml:trace contextRef="#ctx0" brushRef="#br0" timeOffset="116404.59">21780 5945 0,'0'0'16,"0"0"-16,0 0 15,0 0 1,7 0-16,9 0 15,6-7-15,1-1 16,7 1-16,8-9 16,0 1-1,-38 15-15</inkml:trace>
-  <inkml:trace contextRef="#ctx0" brushRef="#br0" timeOffset="116678.68">22249 5778 0,'0'0'0,"0"0"16,0 0-1,0 0-15,0 22 16,0 17-16,0-39 16</inkml:trace>
-  <inkml:trace contextRef="#ctx0" brushRef="#br0" timeOffset="121663.41">22362 9846 0,'0'0'15,"0"0"-15,0 0 16,0 0-16,0 0 16,0 0-16,-8 0 15,1 0 1,-1-8-16,1 0 15,-1 8-15,1 0 16,-1 0 0,0-7-16,1 7 15,-1-8-15,1 0 16,-8 1-16,0-1 16,-8 0-1,-7 8-15,-8 0 16,0 0-16,0 0 15,8 0-15,0 0 16,0 8 0,-1 0-16,1-1 15,0 1-15,-8 7 16,0 1 0,0-1-16,8 0 15,-8 0-15,8 1 16,7-1-1,8 0-15,0 0 16,0 1-16,8-1 16,-1 0-1,0 0-15,1 1 16,-1-1-16,8 8 16,0 0-16,0 0 15,0 0 1,8-1-16,-1 1 15,9 0-15,-1 0 16,0 0-16,7-8 16,9 1-1,6-1-15,-6 0 16,7-7-16,-1 7 16,9-7-1,-1-1-15,8 1 16,7-8-16,-7 0 15,-15 0-15,-8 0 16,16 0 0,22 0-16,0-8 15,15 8-15,-15-7 16,8-1 0,7 0-16,0 1 15,-15-1-15,-23 0 16,1 1-16,14 7 15,23-8 1,0 1-16,-14-1 16,-17 0-16,16 8 15,1 0-15,14 0 16,-15-7 0,-23 7-16,0 0 15,8 0-15,31 0 16,-1 0-1,-15-8-15,-15 0 16,7 1-16,8-1 16,0 1-16,-7-9 15,-16 1 1,-7 7-16,-8-7 16,8 0-16,7 0 15,8-1 1,-8 1-16,-7 7 15,0 1-15,-8-8 16,-7 7 0,0 0-16,-8 1 15,0-1-15,-8 0 16,1 1-16,0-1 16,-8 0-1,0 1-15,0-8 16,0-8-16,-8 0 15,0-8 1,-7 8-16,-7 0 16,-9-7-16,-6-1 15,-16-7-15,22 15 16,9 0 0,-8 1-16,-16-1 15,-14-8-15,-1 8 16,-7 8-1,15 7-15,-15 1 16,0-1-16,-15 0 16,7 8-16,24-7 15,-1 7 1,-15 0-16,0 0 16,-8 0-16,0 0 15,8 7-15,0-7 16,-7 8-1,-1 0-15,8-1 16,23 1-16,-1-8 16,-7 0-1,-15 0-15,0 0 16,0 8-16,15-1 16,0 1-16,-15-1 15,0 1 1,8 7-16,-1 1 15,16-1-15,7 0 16,-7 8 0,0 0-16,-1 0 15,-14 7-15,60-30 16</inkml:trace>
-  <inkml:trace contextRef="#ctx0" brushRef="#br0" timeOffset="124441.95">22861 9708 0,'0'0'0,"0"0"16,0 0-16,0 0 16,0 0-1,0 0-15,0 0 16,0 0-16,0 0 16,0 0-16,0 8 15,0 7 1,0 16-16,0 14 15,0 9-15,0-1 16,-8 1 0,1-1-16,-1-7 15,8-16-15,0 1 16,0-8-16,0-8 16,0 0-1,0-7-15,8 0 16,-1-1-1,1 1-15,-8-8 16,7 0-16,1 0 16,0 0-16,-1 0 15,1 0-15,7-8 16,0 1 0,8-9-16,-23 16 15</inkml:trace>
-  <inkml:trace contextRef="#ctx0" brushRef="#br0" timeOffset="124997.56">22823 9937 0,'0'0'16,"0"0"-16,0 0 16,0 0-16,0 0 15,15 0-15,0 0 16,0 0 0,1 0-16,-9 0 15,1 0-15,-1 0 16,1 0-16,7-7 15,0-1 1,-15 8-16</inkml:trace>
-  <inkml:trace contextRef="#ctx0" brushRef="#br0" timeOffset="125970.02">23231 9884 0,'0'0'16,"0"0"-16,0 0 16,0 0-1,0 0-15,0 0 16,0 0-1,0 0-15,8 0 16,-1 0-16,9 0 16,-1 0-16,-8 0 15,1 0-15,-1-8 16,1 8 0,-1 0-16,1 0 15,-8 0-15,0 0 16,0 0-1,0 0-15,0 0 16,8 8-16,-8-1 16,0 1-16,0 0 15,0-1 1,0 1-16,0 0 16,0-1-16,0 1 15,0-1 1,0 1-16,0 0 15,0-1-15,0-7 16,0 8 0,0-8-16,0 0 15,7 8-15,1-1 16,-1 1-16,8-1 16,1-7-1,6 8-15,1 0 16,-23-8-16</inkml:trace>
-  <inkml:trace contextRef="#ctx0" brushRef="#br0" timeOffset="131690.04">19194 10647 0,'0'0'0,"0"0"16,0 0-16,0 0 15,0 0-15,0 0 16,0 0 0,0 0-16,0 0 15,0 0-15,0 0 16,0 0-16,0 0 16,0 0-1,0 0-15,0 0 16,-7 8-16,-1 7 15,8 0 1,0 0-16,-7 8 16,-1 0-16,1 8 15,-1-1-15,0 1 16,8 7 0,0-8-16,-7 1 15,-1-8-15,1 0 16,7-8-1,0 0-15,0 1 16,0-1-16,0 0 16,0-7-1,0-1-15,0 1 16,0 0-16,7-1 16,1 1-16,-1-1 15,1 1 1,7 0-16,-7-8 15,-1 0-15,1 0 16,-8 0-16,0 0 16,0 0-1,0 0-15,0 0 16,0 0-16,0 0 16,0 0-1</inkml:trace>
-  <inkml:trace contextRef="#ctx0" brushRef="#br0" timeOffset="131994.45">18975 10990 0,'0'0'0,"0"0"16,0 0-16,0 0 15,0 0-15,15-7 16,8-1-16,15 0 16,0 1-1,-8-1-15,0 1 16,0-1-16,1 0 15,-9 1 1,-22 7-16</inkml:trace>
-  <inkml:trace contextRef="#ctx0" brushRef="#br0" timeOffset="132420.76">19587 11013 0,'0'0'0,"0"0"15,0 0-15,0 0 16,0 0 0,0 0-16,0 8 15,0 7-15,0 0 16,0 1-16,-7-1 15,-1 0 1,1 0-16,-1 8 16,1 0-16,-1 0 15,8-8 1,0-15-16</inkml:trace>
-  <inkml:trace contextRef="#ctx0" brushRef="#br0" timeOffset="133094.95">19958 10601 0,'0'0'15,"0"0"1,0 0-16,0 0 16,0 0-16,0 0 15,0 8-15,-8 7 16,1 0-1,-1 8-15,1 8 16,-1-1-16,1 1 16,-1 7-16,0 8 15,8-8 1,0 0-16,0-7 16,0-9-16,8 1 15,0 0 1,-1-7-16,1-1 15,-1 0-15,8-7 16,-7-1 0,7 1-16,-7 0 15,-1-8-15,1 0 16,-1 0-16,-7 0 16,8-8-1,-1 0-15,1 1 16,-8 7-16</inkml:trace>
-  <inkml:trace contextRef="#ctx0" brushRef="#br0" timeOffset="133343.97">19761 10975 0,'0'0'0,"0"0"15,0 0-15,0 0 16,15-8 0,16-7-16,7 0 15,-1 0-15,-6 7 16,-31 8-16</inkml:trace>
-  <inkml:trace contextRef="#ctx0" brushRef="#br0" timeOffset="133723.04">20109 11029 0,'0'0'0,"0"0"15,0 0-15,8-8 16,14 0 0,16-7-16,0 0 15,0-1-15,-8 9 16,-15-1-1,-7 8-15,-1 0 16,-7 0-16,0 0 16,0 0-16,0 0 15,0 0 1,0 8-16,0-1 16,0 1-16,8 0 15,-1-1 1,8 1-16,-15-8 15</inkml:trace>
+  <inkml:trace contextRef="#ctx0" brushRef="#br0">9128 6707 0</inkml:trace>
 </inkml:ink>
 </file>
 
@@ -460,69 +485,32 @@
     <inkml:context xml:id="ctx0">
       <inkml:inkSource xml:id="inkSrc0">
         <inkml:traceFormat>
-          <inkml:channel name="X" type="integer" max="3360" units="cm"/>
-          <inkml:channel name="Y" type="integer" max="1872" units="cm"/>
+          <inkml:channel name="X" type="integer" max="5120" units="cm"/>
+          <inkml:channel name="Y" type="integer" max="1800" units="cm"/>
           <inkml:channel name="T" type="integer" max="2.14748E9" units="dev"/>
         </inkml:traceFormat>
         <inkml:channelProperties>
-          <inkml:channelProperty channel="X" name="resolution" value="114.28571" units="1/cm"/>
-          <inkml:channelProperty channel="Y" name="resolution" value="112.77109" units="1/cm"/>
+          <inkml:channelProperty channel="X" name="resolution" value="174.14966" units="1/cm"/>
+          <inkml:channelProperty channel="Y" name="resolution" value="109.09091" units="1/cm"/>
           <inkml:channelProperty channel="T" name="resolution" value="1" units="1/dev"/>
         </inkml:channelProperties>
       </inkml:inkSource>
-      <inkml:timestamp xml:id="ts0" timeString="2020-09-22T17:57:20.894"/>
+      <inkml:timestamp xml:id="ts0" timeString="2021-10-07T02:12:30.277"/>
     </inkml:context>
     <inkml:brush xml:id="br0">
       <inkml:brushProperty name="width" value="0.05292" units="cm"/>
       <inkml:brushProperty name="height" value="0.05292" units="cm"/>
-      <inkml:brushProperty name="color" value="#FF0000"/>
-    </inkml:brush>
-    <inkml:brush xml:id="br1">
-      <inkml:brushProperty name="width" value="0.05292" units="cm"/>
-      <inkml:brushProperty name="height" value="0.05292" units="cm"/>
-      <inkml:brushProperty name="color" value="#002060"/>
+      <inkml:brushProperty name="color" value="#00B050"/>
     </inkml:brush>
   </inkml:definitions>
-  <inkml:trace contextRef="#ctx0" brushRef="#br0">4279 4908 0,'0'0'0,"0"0"0,-8 7 0,-249 245 16,219-199-16,8-14 16,0 6-16,0 1 15,0 15-15,-1 0 16,9-7-1,-1-8-15,8 15 16,-8 0-16,8 7 16,0 1-1,0-8-15,0 0 16,0 15-16,-1 8 16,1 0-16,0 0 15,0 8 1,-8 15-16,8-8 15,0-23-15,8-7 16,-1 15-16,8 0 16,0-8-1,8-15-15,-1 0 16,8 8-16,0 7 16,8-15-16,7 0 15,1-7 1,6 7-16,1 0 15,7-8-15,1 1 16,14-8 0,1-8-16,7 0 15,-15-8-15,7 1 16,8 0-16,8 7 16,7-8-1,0 1-15,-7-8 16,7 7-16,-7-7 15,-1 0 1,-22 0-16,23 0 16,-1 0-16,1 0 15,-1-8-15,1 0 16,7 0 0,8 1-16,-8-9 15,-15-7-15,8 8 16,14-8-1,9 0-15,-16 0 16,0-8-16,15 1 16,-7-9-16,-8 1 15,-30 0 1,23-23-16,7 0 16,8-16-16,-16 1 15,1-1-15,-1-7 16,-7-15-1,-7 0-15,-1-8 16,-14 7-16,-8-7 16,-8-15-16,-8 7 15,1 9 1,0-32-16,-16-7 16,-7 23-16,0-23 15,-7-8 1,-8 23-16,-8-7 15,-7-24-15,-8 31 16,-15-7-16,-7-16 16,-1 23-1,-15-15-15,-7 0 16,0 30-16,0 8 16,7-15-16,-14 0 15,-9 15 1,-14 8-16,0-1 15,-1 9-15,1 7 16,-1 7 0,-14 16-16,7 0 15,-23 15-15,1 15 16,37 1-16,-60 22 16,7 23-1,-8 16-15,-22 30 16,61-16-16,-16 9 15</inkml:trace>
-  <inkml:trace contextRef="#ctx0" brushRef="#br0" timeOffset="2578.9">5375 8525 0,'0'0'16,"-8"0"-16,-7 0 15,-7 0 1,-9 0-16,-6-7 16,-1-1-16,0 0 15,-7 1 1,-1 7-16,1 0 15,15 0-15,-1 0 16,-6 7-16,-9 9 16,-7-1-1,0 8-15,1 0 16,-1 0-16,0 7 16,0 8-16,-8 8 15,1 7 1,-1-7-16,8 0 15,8 0-15,0 15 16,-1 23 0,1-8-16,0 0 15,-1-7-15,-7 7 16,8 8-16,0-7 16,14-9-1,-6 9-15,-1 7 16,0-8-16,8-7 15,0-1 1,7 9-16,0 7 16,1 0-16,-1-8 15,8-15-15,0 15 16,-1 8 0,9-15-16,-1 0 15,8 7-15,0 8 16,8 0-16,7 0 15,0-15 1,0 7-16,16 15 16,-1 1-16,-8-31 15,9 8-15,-1-1 16,8 9 0,7 7-16,0-16 15,1-14-15,7-1 16,0 1-1,-8 7-15,0 0 16,16-8-16,-1 1 16,8-16-16,0 0 15,8 8 1,-8-8-16,0 0 16,-7-7-16,7-1 15,-23-7-15,8 0 16,7 8-1,8-9-15,-7 1 16,7-7-16,0-1 16,0 0-1,8 0-15,-1-7 16,1 0-16,-23-1 16,0 1-1,15 0-15,0-1 16,7-7-16,-7 0 15,-15 0-15,8 0 16,-1 0 0,8-7-16,0-9 15,-15 9-15,-15-9 16,22-7-16,8-7 16,16-23-1,-1-9-15,-15 9 16,-15 7-16,15-15 15,0-23 1,0 0-16,-8 0 16,-14 8-16,-8-8 15,-1-15-15,-22 22 16,8-29 0,0-24-16,-8 31 15,-8 15-15,1-31 16,0-7-16,-8 31 15,0-16 1,-8-8-16,0 16 16,-7 15-16,0-23 15,0-7 1,0 30-16,-8 7 16,-7-14-16,-15-1 15,-1 8-15,-7 8 16,-7-8-1,7 0-15,-15-8 16,-8 16-16,8 15 16,0-8-1,15-7-15,-15-8 16,0 15-16,-15 8 16,8 8-16,-1 0 15,-7-1 1,-8 1-16,16 7 15,14 15-15,-7 1 16,-23-1-16,-7 16 16,7 0-1,-22 7-15,-23 16 16,-23-1-16</inkml:trace>
-  <inkml:trace contextRef="#ctx0" brushRef="#br0" timeOffset="6358.96">5466 6075 0,'0'0'15,"-23"0"-15,-7 8 16,0 0 0,-1-8-16,1 0 15,0 0-15,0 0 16,-1 0 0,1 0-16,0 0 15,-8 0-15,0 0 16,8-8-16,0 8 15,7 0 1,0 0-16,-14 0 16,-1 0-16,0 8 15,-15-1 1,-7 8-16,7 8 16,0 0-16,0 8 15,0 7-15,8-8 16,-1 9-1,8-9-15,8 1 16,8-8-16,6-1 16,1 1-16,8 0 15,7 15 1,0 1-16,7-9 16,16 8-16,0-7 15,7-1 1,8 1-16,7-1 15,0 1-15,16-1 16,-1 1-16,1-1 16,-8-7-1,7 0-15,16 0 16,-1-8-16,9-7 16,6 0-16,-6-8 15,14-16 1,0 1-16,-15 0 15,8 0-15,7-1 16,8 1 0,-15 0-16,-8 0 15,8-1-15,-8-7 16,-23 8-16,-7-8 16,23 0-1,-1 0-15,-7-7 16,-7-1-16,-16 1 15,-7-1 1,-8 1-16,-15 7 16,-7 0-16,-8 0 15,-15-7-15,-23-24 16,-30 1 0,-8-1-16,24 16 15,-17 0-15,-29 0 16,7 7-1,-14 8-15,-9 8 16,1 8-16,15-1 16,-16 8-16,-14 0 15,14 8-15,-14 7 16,-1 0 0,46 8-16,-8 0 15,1 7-15,90-30 16</inkml:trace>
-  <inkml:trace contextRef="#ctx0" brushRef="#br0" timeOffset="7790.1">5655 7228 0,'0'0'0,"0"0"16,0 0-16,-15-8 15,-8-7-15,-15 0 16,0-1 0,-15 1-16,-7 0 15,7-8-15,-7 0 16,-8 0-16,-8 8 15,0 0 1,23-1-16,-7 1 16,-8 7-16,0 8 15,-8 8 1,1 0-16,7 7 16,7 0-16,-7 16 15,15-8-15,0 7 16,8 16-1,7 0-15,8-8 16,7 8-16,8-16 16,7 1-16,1-8 15,7 0 1,7-1-16,9 9 16,-1-1-16,15 1 15,15 7 1,8 0-16,0 0 15,8 1-15,14-1 16,8-8-16,1 1 16,-24-8-1,16 0-15,14 7 16,9 1-16,-9-8 16,1 0-16,15-1 15,0-6 1,-23-1-16,23 0 15,7-7-15,-7-1 16,0-7 0,7 0-16,-7 8 15,-38-8-15,23 0 16,15-15-16,-16 0 16,-6-1-1,-9-7-15,-14 1 16,-8-1-16,-8 7 15,-7-7-15,-16 8 16,1 0 0,-8-8-16,-7 8 15,-8-8-15,-8-8 16,-7-7 0,-15-8-16,-16 1 15,-6-1-15,-17 0 16,-14 0-16,0 8 15,0 0 1,15 7-16,-30-7 16,-1 8-16,9-1 15,-16 8 1,-8 0-16,9 8 16,29 0-16,-37 0 15,-1-1-15,16 9 16,0-1-1,-8 8-15,0 0 16,38 15-16,-30 23 16,98-38-16</inkml:trace>
-  <inkml:trace contextRef="#ctx0" brushRef="#br0" timeOffset="10394.87">6358 9815 0,'0'0'0,"0"0"16,0 0-16,-8-8 15,-14-7 1,-1 0-16,-7 0 15,-8-1-15,-8 1 16,1 0 0,0-8-16,-8 0 15,-15 0-15,0 8 16,-8 0-16,16 7 16,7 0-1,-8 1-15,-7-1 16,0 8-16,-7 0 15,7 0-15,-8 0 16,-7 0 0,-15 0-16,30 8 15,15-1-15,-15 1 16,7 0-16,1-1 16,7 1-1,0-1-15,0 1 16,0 0-16,0-1 15,0 1 1,8 0-16,7-1 16,8 1-16,-1 7 15,9 0-15,7 1 16,0-1 0,-1 0-16,1 8 15,0 0-15,0 8 16,7-1-1,1-7-15,-1 0 16,1 0-16,7-8 16,0 8-16,0 0 15,0 0 1,0 0-16,7 7 16,1 8-16,-1-7 15,9 7-15,6 0 16,1 0-1,0-7-15,7-1 16,0 1-16,8-1 16,0 1-16,7-1 15,0 1 1,16 0-16,-1-1 16,8 1-16,0-1 15,8-7 1,15 0-16,7-8 15,-7-7-15,0-1 16,14 1-16,-14 0 16,-23-1-1,15-7-15,23 0 16,-8 0-16,1 0 16,6-7-16,9-1 15,-23 0 1,-23-7-16,15 0 15,8-16-15,-8 9 16,-15-1 0,0-8-16,-15 1 15,0 7-15,-16-8 16,1 8 0,-15 0-16,0-7 15,-8-8-15,0-8 16,-15-8-16,-8 9 15,1 6 1,-16-6-16,-15-1 16,-15-8-16,-45-14 15,-38-9-15,45 39 16,-45-8 0,0 16-16,15 15 15,-23 15-15,31 15 16,22 8-16,-37 15 15,14 8 1,114-46-16</inkml:trace>
-  <inkml:trace contextRef="#ctx0" brushRef="#br0" timeOffset="12239.58">5405 10662 0,'0'0'16,"-22"0"-16,-9-7 15,-14-1 1,-8 0-16,-7 1 15,7-1-15,0 0 16,7 1-16,9-1 16,-9 1-1,-14-1-15,-8 16 16,0 7-16,0 0 16,7 8-1,1 7-15,-1 1 16,1 0-16,7 7 15,7 0-15,1 8 16,15 7 0,7-7-16,8-16 15,7 9-15,1-1 16,-1 7 0,8 1-16,8 8 15,15-1-15,14 1 16,16-16-16,8 0 15,7-8-15,23 1 16,14-8 0,-6 0-16,-9 0 15,31-8-15,8 0 16,-23 8 0,7 0-16,1 0 15,-39-8-15,23 8 16,16 0-1,-8-15-15,-1-1 16,16-7-16,0-15 16,-53 0-16,23-8 15,7-8-15,-7 1 16,-15 7 0,-16 0-16,8-8 15,-7 1-15,-8-8 16,-8-8-1,-15 0-15,0-7 16,-14 7-16,-1 0 16,-8 0-16,-14 0 15,-8-7 1,-16-16-16,-14 1 16,-15 7-16,-16 0 15,-15 15 1,-30-15-16,38 15 15,-30-7-15,-8 14 16,0 1-16,-8 8 16,1 14-1,22 16-15,-53 8 16,16 7-16,-9 23 16,-22 24-1,91-24-15,-30 23 16,113-61-16</inkml:trace>
-  <inkml:trace contextRef="#ctx0" brushRef="#br0" timeOffset="13532.33">5791 11540 0,'0'0'0,"-8"-8"16,-7 1-16,-8-9 15,1 1 1,-8-8-16,-16 0 16,-14-7-16,-8-1 15,0 1 1,0-1-16,7 8 15,-14 0-15,-1 8 16,0 8-16,23-1 16,-15 8-1,-7 8-15,-8 7 16,-8 8 0,15 15-16,1 0 15,-8 8-15,-1 7 16,24 1-16,-1 14 15,16 1-15,7-16 16,8 1 0,7-8-16,1 7 15,7-7-15,7 0 16,8-1 0,8-6-16,7-9 15,7 8-15,9-7 16,21 7-16,24 0 15,7 0 1,16 0-16,6 1 16,1-1-16,-30-15 15,22 7-15,15-7 16,-7-8 0,0 1-16,23-1 15,-16-7-15,-30-1 16,38-7-1,15-7-15,-30-1 16,0-7-16,22-8 16,-37 0-16,-15 0 15,22-15 1,-7 7-16,-1 1 16,-29 7-16,-1 0 15,-7-8 1,-15 1-16,0-1 15,-8-7-15,-7-15 16,-8 7-16,-7-7 16,-8-1-16,-16 1 15,-14-16 1,-15-7-16,-16 7 16,-29 8-16,-24 15 15,46 16 1,-53-1-16,-38 16 15,-14 7-15,-24 23 16,1 8-16,37 0 16</inkml:trace>
-  <inkml:trace contextRef="#ctx0" brushRef="#br1" timeOffset="22414.39">6282 9578 0,'0'0'16,"0"0"-16,0 0 15,-15 0-15,0 0 16,-8-7-16,-15-1 15,1-7 1,-1 0-16,-7-1 16,-1-7-16,-7 1 15,0-1-15,-7 0 16,-1 0 0,8 8-16,-7-1 15,-23 1-15,0 7 16,0 1-1,-8 7-15,-7 0 16,7 7-16,8 1 16,-1 7-16,-21 8 15,-16 8 1,15 7-16,15 8 16,8-8-16,7 0 15,16-7-15,15-1 16,7 1-1,0 14-15,0 9 16,8-8-16,7-8 16,8 0-1,0 0-15,7 0 16,8 0-16,8 8 16,0-8-16,7 8 15,7 0 1,9 0-16,21-8 15,9 0-15,22-7 16,8-1 0,15-7-16,7 0 15,-15-8-15,1 0 16,22 8-16,0-7 16,0-9-1,7 1-15,-7-8 16,-8-8-16,8 1 15,0-9-15,0-7 16,15 1 0,-30 6-16,-15-7 15,0-7-15,-1-1 16,-7 1-16,-30-1 16,-7 1-1,-16-1-15,-7 1 16,-8-1-1,-8 8-15,-14-22 16,-23-17-16,-23-21 16,-38-1-16,15 15 15,-45-7-15,-68-24 16,-15 9 0,8 14-16,7 24 15,45 22-15,23 16 16,0 15-1,15 15-15,16 31 16,-46 31-16,-1 7 16</inkml:trace>
-  <inkml:trace contextRef="#ctx0" brushRef="#br1" timeOffset="23568.75">6290 10761 0,'0'0'0,"-8"0"15,-14-7 1,-24-8-16,-22-8 16,-7 7-16,-16-7 15,-7-7-15,7-1 16,-23-7-1,-14 0-15,-1 8 16,16-1-16,15 8 16,15 8-1,15 0-15,-8 7 16,-30 0-16,0 8 16,8 8-16,15 0 15,-8 14 1,8 9-16,15 7 15,15 0-15,8 8 16,14-8-16,-6 8 16,6 8-1,9 7-15,14-8 16,8-7-16,8 0 16,7-16-16,0 1 15,15-1 1,31 8-16,22 0 15,15-7-15,23 7 16,0-7 0,-15-1-16,0-7 15,22 8-15,-14-8 16,14-8-16,8-8 16,-22-7-1,14 0-15,31 0 16,-16-7-16,9-1 15,-31-7-15,-16 7 16,32-7 0,-17-8-16,-14 0 15,0 0-15,-23 0 16,-22 1-16,-23 6 16,-8 1-1,-15 0-15,0-1 16,0 1-1,-7 0-15,-1-8 16,-7-15-16,-7-8 16,-23-15-16,-39 0 15,-14 0 1,-30-23-16,-23 8 16,30 22-16,-30 1 15,-61 7-15,-14 15 16,14 16-1,-67 15-15,44 8 16,16 22-16,-7 16 16,-1 31-16,15-16 15,99-23 1,98-38-16</inkml:trace>
-  <inkml:trace contextRef="#ctx0" brushRef="#br1" timeOffset="24700.52">6093 11532 0,'0'0'16,"0"0"-16,-15-7 15,-8-1 1,-22-7-16,-23-1 16,-8 1-16,8 8 15,15-1 1,-15-7-16,-7-1 16,-16 1-16,0 8 15,-14-1-15,-16 8 16,7 0-1,39 0-15,-1 8 16,0-1-16,8 8 16,0 1-1,8-1-15,-1 8 16,8 0-16,1 15 16,6 15-16,8 8 15,8-15 1,15-8-16,0-7 15,7 7-15,8 0 16,15 0-16,8 8 16,7 8-1,8-9-15,8 1 16,6-8-16,16 8 16,8-8-1,0-7-15,-8-8 16,22 0-16,16-8 15,-7-8 1,-1-7-16,8-7 16,0-1-16,-38 1 15,0-9-15,22 1 16,9 0-16,-9 0 16,-7-8-1,8 0-15,0 0 16,-8-8-16,-30-7 15,-8 8 1,1-9-16,-9 9 16,-6-1-16,-9 9 15,-6 6-15,-9 1 16,-7-16 0,-7-14-16,-16-16 15,0 0-15,-15-1 16,-30 1-1,-22 8-15,-1 0 16,-23-8-16,-14 7 16,30 16-16,-8 7 15,-38 24 1,38 7-16,106 0 16</inkml:trace>
-  <inkml:trace contextRef="#ctx0" brushRef="#br0" timeOffset="36204.35">5496 5198 0,'0'0'16,"0"0"-16,0 0 15,0 0-15,0 0 16,0 0-16,0 0 16,-8 0-1,1 0-15,-8 0 16,0 7-16,15-7 16</inkml:trace>
-  <inkml:trace contextRef="#ctx0" brushRef="#br0" timeOffset="38781.12">4861 5312 0,'0'0'15,"0"0"-15,0 0 16,0 0-16,0 0 16,0 0-1,8-8-15,-1-7 16,1 0-16,7-8 16,7-8-16,9-7 15,14-8 1,8 1-16,0-1 15,-8 8-15,1 0 16,-1-8 0,8-8-16,7-14 15,-7 14-15,15 1 16,-22 15-16,-16 7 16,-7 8-1,-1-7-15,-7 14 16,-7 1-16,0 8 15,-8 7-15,0 0 16,0 0 0,0 0-16,-23 7 15,-15 1-15,-15 15 16,0 0 0,0 7-16,8 8 15,7 0-15,8 1 16,0-9-16,7 1 15,0-8 1,8-1-16,0-6 16,7-9-16,1 1 15,7-8-15,0 0 16,0 0 0,0 0-16,0 0 15,0 0-15,0 0 16,0 0-1,0 0-15,0 8 16,0 7-16,0-15 16</inkml:trace>
-  <inkml:trace contextRef="#ctx0" brushRef="#br0" timeOffset="39486.83">5987 5167 0,'0'0'16,"0"0"-16,0 0 16,0 0-16,0 0 15,8-8 1,7-7-16,15-15 16,8-9-16,15-14 15,15-8-15,0-15 16,-7-8-1,7 7-15,22 1 16,-29 23-16,-8-1 16,0 1-16,-8 7 15,-15 15 1,-7 1-16,0 7 16,-16 8-16,1 7 15,-8 8 1</inkml:trace>
-  <inkml:trace contextRef="#ctx0" brushRef="#br0" timeOffset="39837.86">5980 5190 0,'0'0'16,"0"0"-16,0 0 16,0 0-16,0 0 15,0 0 1,7-8-16,8-7 16,8-8-16,7-15 15,1 7 1,-9 16-16,-7 0 15,-7 7-15,-8 8 16,0 0-16,0 0 16,0 8-1,0 7-15,0 8 16,0 8-16,0-1 16,0-30-1</inkml:trace>
-  <inkml:trace contextRef="#ctx0" brushRef="#br1" timeOffset="42849.14">4763 8838 0,'0'0'0,"0"0"16,0 0-16,7 0 16,8-8-1,8-7-15,0-8 16,-1 0-16,9 1 16,14-17-16,8 1 15,15 0 1,-8 0-16,1-8 15,-8 0-15,0 0 16,-8 1 0,-7 14-16,0 1 15,0-1-15,-8 8 16,0 0-16,-7 8 16,-8 7-1,-15 8-15</inkml:trace>
-  <inkml:trace contextRef="#ctx0" brushRef="#br1" timeOffset="43288.9">4816 8876 0,'0'0'0,"0"0"16,0 0-1,0-7-15,7-9 16,1-14-16,7-1 15,0 1-15,-7-1 16,-1 8 0,1 8-16,-8 7 15,0 8-15,0 0 16,0 0-16,0 8 16,0 0-1,0-1-15,0 9 16,0-9-16,0 1 15,0-8 1,7 8-16,1-1 16,-8-7-16</inkml:trace>
-  <inkml:trace contextRef="#ctx0" brushRef="#br1" timeOffset="43966.96">6373 8678 0,'0'0'0,"0"0"16,0 0 0,7-8-16,16-15 15,7-7-15,16-1 16,7-7-16,0-15 16,7-1-1,8-7-15,0 8 16,15-1-16,-15 16 15,-15 0 1,-7-8-16,-9 8 16,-6 8-16,-9 7 15,-7 7-15,-7 9 16,-8 7 0,0 0-16,0 0 15</inkml:trace>
-  <inkml:trace contextRef="#ctx0" brushRef="#br1" timeOffset="44369.55">6320 8769 0,'0'0'0,"0"0"16,0 0-16,0 0 15,0 0-15,0 0 16,8-7 0,-1-8-16,8-8 15,8-8-15,7-7 16,0 7-1,-7 9-15,-8 6 16,-7 9-16,-8 7 16,0 0-16,0 0 15,0 0 1,0 0-16,0 7 16,0 1-16,0 0 15,0-1-15,0 1 16,0-8-1</inkml:trace>
-  <inkml:trace contextRef="#ctx0" brushRef="#br1" timeOffset="56922.09">15543 5572 0,'0'0'16,"-8"7"-16,-7 1 15,0-1-15,0 1 16,0 0 0,0-1-16,0 1 15,0 0-15,-1-1 16,1 1-1,-7-1-15,-1 1 16,-7 7-16,0-7 16,-8 7-16,7 1 15,1-1 1,0 15-16,0 1 16,7-1-16,0 9 15,8-9 1,0 8-16,0 0 15,0 1-15,0 6 16,0 9-16,0-1 16,7-7-1,0-8-15,1-7 16,7-1-16,0-7 16,0 0-1,0 0-15,7 15 16,1-7-16,7 7 15,-7-8-15,7 1 16,0-1 0,8-7-16,7 0 15,8 0-15,7-8 16,0 1 0,1-9-16,-8 1 15,7-1-15,8-7 16,0 0-16,7 0 15,-7-7 1,0-1-16,-15 1 16,0-1-16,7-7 15,8-8-15,0 0 16,-8-8 0,1 1-16,-1-1 15,-7 1-15,-1 7 16,-6 0-1,-1 0-15,-7-7 16,-8-1-16,0 8 16,0-7-1,-7-9-15,-1 9 16,-7-1-16,0 1 16,0 7-1,-7 0-15,-1 0 16,0 0-16,1 0 15,-8 0-15,0-7 16,-8-1-16,-7-7 16,-16-8-1,-7 8-15,1 8 16,6-1-16,16 8 16,-8 0-1,-7 8-15,-16 0 16,-14 7-16,7 8 15,0 0-15,-31 16 16,-6 14 0,29-7-16,76-23 15</inkml:trace>
-  <inkml:trace contextRef="#ctx0" brushRef="#br1" timeOffset="58461.01">14023 5785 0,'0'0'15,"0"0"-15,0 0 16,-7-7-16,7 7 15,-8-8 1,1 0-16,-1 1 16,-7-1-16,0 0 15,0 1-15,-8-1 16,1 1-16,-1-1 16,0 0-1,0 8-15,1 0 16,-8 0-1,-1 0-15,1 0 16,7 0-16,1 0 16,-1 0-16,0 0 15,-14 0-15,-1 8 16,-30 7 0,22 0-16,16 1 15,-8-1-15,16 0 16,-9 0-1,9 8-15,-1 0 16,0 0-16,8 0 16,0 0-1,0-8-15,0 8 16,0 0-16,7 0 16,1 7-16,-1 1 15,8 15 1,0-8-16,8 8 15,-1-8-15,1-8 16,-1 1-16,8-1 16,8 9-1,0-1-15,7 8 16,38 7-16,-7-7 16,-9-8-1,-14-8-15,0 1 16,7-8-16,1 0 15,7-8-15,0 0 16,0-7 0,-1 0-16,1-1 15,8-7-15,7 0 16,-8-7 0,1-1-16,-23-7 15,-1-8-15,9-8 16,7-7-1,-15 0-15,-1 0 16,-6 0-16,-1-1 16,0 1-16,-7 0 15,-8 0 1,0-8-16,-7 0 16,-8 8-16,-8 0 15,0 8-15,-7-9 16,-15 1-1,0 8-15,-8-16 16,8 0-16,-8-7 16,-15-1-16,-7 16 15,-8 8 1,0 14-16,-16 16 16,84 0-1</inkml:trace>
-  <inkml:trace contextRef="#ctx0" brushRef="#br0" timeOffset="110170.24">6418 5404 0,'0'0'0,"0"0"16,0 0-1,0 0-15,0 0 16,-7-8-16,-1 0 16,1 1-16,-9-1 15,-14-7 1,0 0-16,-8-1 15,-7 1-15,-1 7 16,1 1 0,0-1-16,-1 0 15,-7 1-15,-7-1 16,-8 1-16,0 7 16,15 0-1,-15 0-15,-8 0 16,1 0-16,7 0 15,0 0-15,0 0 16,0 0 0,0 7-16,7 1 15,1-1-15,22 1 16,-8 0-16,-6-8 16,-1 7-1,-8 1-15,8 0 16,0-1-16,8 1 15,0 7 1,-1 0-16,8 1 16,-7 7-16,7 0 15,8-1-15,0 1 16,7 0 0,0 0-16,1 0 15,7-8-15,0 1 16,7-1-16,0 0 15,1 8 1,7 0-16,0 0 16,7 0-16,1 0 15,7-1 1,8 1-16,-1 0 16,1 0-16,7 8 15,8-8-15,0-1 16,0-6-1,0-1-15,7 0 16,0 0-16,1 1 16,7-9-16,-8 9 15,-7-9 1,7 9-16,0-1 16,8-8-16,8 9 15,-1-9 1,1 1-16,-8 0 15,7-1-15,8 1 16,0-8-16,0 0 16,-15 0-1,15-8-15,8 1 16,15-9-16,-8 1 16,0-8-1,0-7-15,-15-1 16,15-15-16,-22 1 15,-16-1-15,0 8 16,-7-1 0,8-6-16,-16 6 15,0-6-15,-7-9 16,-8 8-16,-15 8 16,-15-7-1,-8 6-15,-7 1 16,-23-8-16,-23 16 15,-22 15 1,-23 22-16,-23 16 16,31 8-16,113-31 15</inkml:trace>
-  <inkml:trace contextRef="#ctx0" brushRef="#br0" timeOffset="112487.73">14424 5846 0,'0'0'0,"0"0"16,0 0-16,0 0 16,0 0-16,0 0 15,0-7 1,-7-1-16,-1 0 16,0-7-16,1 0 15,-1 0 1,-7-1-16,8 1 15,-8 0-15,-8 0 16,-15-8 0,0-8-16,-15 8 15,0-7-15,-7-1 16,7 8-16,-15-7 16,0 7-1,-15 0-15,7 0 16,1 0-16,-69-7 15,53 14-15,16 9 16,-1-1 0,-52 0-16,22 8 15,30 0-15,-30 0 16,16 8 0,-16 0-16,15-1 15,0 9-15,-7-1 16,22 0-1,-7 8-15,-7 8 16,-1-1-16,0 1 16,8-1-16,7-7 15,8 0 1,0 7-16,15-7 16,16 8-16,-1-1 15,0 9-15,8-1 16,7 8-1,0-8-15,1 0 16,7 0-16,-8 8 16,8 7-16,0 8 15,7-7 1,0-1-16,8-7 16,0 0-16,8 0 15,0-1-15,-1 9 16,8-1-1,8 1-15,0-9 16,14 1-16,16 0 16,15 0-1,8 0-15,7-1 16,15-6-16,1-9 16,-9 1-16,16-9 15,8 1 1,29-7-16,-14-9 15,7 1-15,-23 0 16,91-1-16,-90-7 16,-8 0-1,98-7-15,-106-1 16,38-7-16,8-1 16,-23-7-1,7 1-15,-7-9 16,-53 8-16,8-7 15,-1-1 1,-7 1-16,-15-1 16,0-7-16,-15 0 15,-8-8-15,-7 0 16,0 0 0,-16 1-16,1 6 15,-8-14-15,-8 0 16,-14-9-16,-16-6 15,-23-1 1,1 8-16,7 8 16,-30-31-16,-23 0 15,-15 7 1,-23 16-16,-45 8 16,46 22-16,-69 16 15,8 30-15,45-7 16</inkml:trace>
-  <inkml:trace contextRef="#ctx0" brushRef="#br1" timeOffset="115984.96">6524 8579 0,'0'0'0,"-23"-8"16,-7 0-16,0-7 15,-15 0-15,-16 0 16,1-8-1,7 0-15,0 0 16,0 8-16,0-1 16,-15 1-16,-8 7 15,1 8 1,7 0-16,0 8 16,-8 0-16,-7-1 15,7 1-15,1 0 16,-1 7-1,-7 8-15,-23 0 16,31 0-16,-1-1 16,-15 9-16,8 7 15,0 0 1,15 0-16,-15 8 16,7 8-16,8-9 15,8-14 1,14 0-16,16-9 15,0 9-15,7-8 16,0 7-16,8 1 16,8-1-1,7 9-15,0 6 16,7-14-16,16 7 16,7 0-16,23 8 15,23 0 1,-8-8-16,22 8 15,9-8-15,-9-8 16,1 1 0,38-8-16,-1-15 15,8-8-15,8-8 16,-23-7-16,7-8 16,1-15-1,-1 7-15,8-7 16,1 7-16,-47 8 15,1-7 1,22-16-16,1 0 16,-31 1-16,-15-1 15,-15 0-15,-8 8 16,-7 7 0,-15 1-16,-8-1 15,-8 1-15,-14-16 16,-23-15-16,-54-23 15,-82 0 1,15 31-16,-114 7 16,23 30-16,61 9 15,22 22-15,46 0 16,22 1 0,-7 22-16,0 30 15,22-14-15,76-54 16</inkml:trace>
-  <inkml:trace contextRef="#ctx0" brushRef="#br1" timeOffset="117910.63">16874 5808 0,'0'0'0,"-8"-8"16,-15-7-1,-15-8-15,-22-7 16,-16-8-16,16-1 15,-1 9-15,-22-8 16,-23 0 0,23 7-16,15 16 15,0 7-15,-15 8 16,0 0 0,15 0-16,0 8 15,-15-1-15,-8 9 16,15-1-16,-7 8 15,8 0 1,-1 0-16,8 0 16,7-1-16,9 1 15,14 8-15,0-1 16,0 9 0,0 6-16,8-6 15,0-1-15,0 0 16,-1-8-1,9 9-15,-1-1 16,0 0-16,8 0 16,8 0-1,7 0-15,0 1 16,7-1-16,8-8 16,8 8-16,7 1 15,1-1 1,-1-8-16,8 16 15,14-8-15,1 0 16,15 0 0,16-7-16,-1-8 15,7 0-15,24 0 16,-31-8-16,0-7 16,23 7-1,0 0-15,-15-7 16,7-1-16,8 1 15,0-8-15,-38 0 16,37 0 0,16 0-16,-7-8 15,-8 1-15,22-1 16,-22 8 0,-8-15-16,8 7 15,0-7-15,-8 0 16,-7-1-16,7-14 15,-22 7 1,-16-8-16,-22 1 16,0-1-16,-8 1 15,0-1 1,1 1-16,-9-1 16,1-7-16,-8-8 15,-7 1 1,-16-9-16,-7 8 15,0 1-15,-8 6 16,-15-22-16,-30 0 16,-15-7-1,-15 7-15,0 7 16,-38 8-16,22 8 16,-37 8-16,7 7 15,-30 0 1,-15 8-16,31 15 15,-92 15-15,-14 8 16,120-16 0</inkml:trace>
-  <inkml:trace contextRef="#ctx0" brushRef="#br0" timeOffset="129901.07">5745 6365 0,'0'0'0,"0"0"16,0 0-16,-7-7 16,-1-1-16,-7-7 15,0-8 1,8 8-16,-1-8 15,0 0-15,1 0 16,7 23 0</inkml:trace>
-  <inkml:trace contextRef="#ctx0" brushRef="#br0" timeOffset="130798.41">5761 6068 0,'0'0'15,"0"0"-15,0 0 16,0 0-16,0 0 16,0 0-1,0 0-15,-8-8 16,-7 0-16,0 1 16,0-1-1,-8-7-15,-15 0 16,-15-1-16,0 9 15,-15-1 1,15 0-16,-7 8 16,-8 0-16,0 0 15,0 0-15,0 0 16,22 0 0,1 0-16,-23 8 15,8 0-15,-9 7 16,1 0-16,8 0 15,7 1 1,8-1-16,-1 8 16,1 0-16,7 7 15,8 1-15,0-1 16,-1 1 0,9-1-16,7 1 15,7-8-15,1 7 16,7 1-1,7 7-15,1 0 16,7 0-16,7 8 16,1-8-1,7 0-15,8 1 16,8-9-16,6 1 16,24-1-16,0-7 15,-1-8-15,-14 8 16,29 0-1,9-8-15,-1 1 16,0-9-16,16-7 16,7 0-1,-23-15-15,15-8 16,8 0-16,-15 0 16,15-7-16,-8-1 15,-22-7 1,-30 0-16,14-15 15,1-1-15,-16 8 16,1 1 0,-23 6-16,-8 1 15,-7 8-15,-16-8 16,-14-1-16,-24 1 16,-29-15-1,-1 7-15,-67 8 16,-39 15-16,-37 31 15,15 37-15,-15 62 16,23 0 0,-1 23-16,54-39 15</inkml:trace>
-  <inkml:trace contextRef="#ctx0" brushRef="#br0" timeOffset="133217.88">14167 7106 0,'0'0'15,"0"0"-15,0 0 16,0 0 0,-7-8-16,-9-7 15,-6-1-15,-1-6 16,0-1-1,-7-8-15,0 1 16,0-1-16,-1 1 16,1-1-1,-8 8-15,-15 0 16,1 0-16,6 8 16,8 7-16,-7-7 15,-23 0 1,-30 7-16,30 1 15,15 7-15,7 0 16,-7 0-16,1 0 16,-54 0-1,30 7-15,23-7 16,-7 0-16,-16 0 16,1 8-1,6-8-15,1 0 16,0 8-16,-7-1 15,-8 1-15,0-1 16,22 1 0,-7 7-16,0 1 15,-8-1-15,1 15 16,14-7-16,8 0 16,8 0-1,0 8-15,-1-9 16,1 1-16,0 0 15,-1 0 1,8 0-16,8-8 16,7 1-16,-7 14 15,0 1 1,7-8-16,-7 7 16,7 1-16,1-1 15,-1 1-15,8-8 16,0-1-1,7-6-15,8-1 16,0 8-16,8 0 16,-1-8-16,1 8 15,7 0 1,8 7-16,-1 9 16,9-1-16,6 0 15,16 0-15,8-7 16,-1 7-1,16-8-15,0-7 16,7 0-16,15-8 16,-30-7-16,8 0 15,29 7 1,9-8-16,-1-7 16,1 8-16,-1-8 15,-30 0 1,23 0-16,38 0 15,-61-8-15,0 1 16,45-1 0,-7-7-16,-53 0 15,38-8-15,23-8 16,-31-7-16,-22 0 16,7 0-1,-8 0-15,1-1 16,-15 9-16,-24 7 15,-6 0-15,-1-7 16,0-9 0,-7 1-16,-8 0 15,-15 0-15,0-8 16,-8 16 0,1-1-16,-16-15 15,-30-15-15,-30 0 16,0 0-1,-15 8-15,-31-1 16,31 24-16,-8 7 16,-68 8-16,68 7 15,0 8 1,-75 8-16,83-1 16,-46 16-16,-15 0 15</inkml:trace>
-  <inkml:trace contextRef="#ctx0" brushRef="#br1" timeOffset="140530.01">17388 7098 0,'0'0'0,"0"0"16,0 0 0,0 0-16,-8-15 15,0-1-15,-7-6 16,-7-9-16,-9 0 16,1 1-1,-8-8-15,-7 7 16,-8 8-1,-7-7-15,7 15 16,-8-1-16,-7 9 16,-7-1-16,-16 0 15,8 1-15,15-1 16,-38-7 0,-30 7-16,30-7 15,-7 7-15,7 8 16,30 0-1,23 8-15,-7 0 16,-16-1-16,-7 1 16,0 7-1,-8 8-15,0 0 16,1 0-16,6 7 16,24 1-16,7-8 15,0 7 1,-7 8-16,-1 1 15,8-9-15,8 1 16,7-1 0,0 8-16,8 1 15,0 6-15,7-7 16,0 8-16,8-15 16,8-1-1,-1-7-15,8 8 16,0-1-16,8 8 15,14 1 1,1 6-16,15 9 16,7-8-16,1-8 15,7-8-15,-8 1 16,0-8 0,16 7-16,14 1 15,24-1-15,-9-14 16,24-1-1,7 0-15,-31-7 16,1-1-16,23-7 16,-1 0-16,-7 0 15,7-7 1,8 7-16,-45-8 16,7-7-16,23 0 15,-8-1-15,-7-7 16,-1 1-1,1-1-15,0-8 16,-23 1-16,-15 7 16,-8-8-1,8 1-15,0-9 16,-15 9-16,-8-1 16,-7 9-1,-1-9-15,-6 0 16,-9-14-16,-7-9 15,-7 1-15,-9 7 16,1 8 0,0 0-16,-7 7 15,-9-7-15,1 0 16,-15-8-16,-38-15 16,-31-8-1,-7 16-15,-60-8 16,75 38-16,-106-15 15,16 23 1,-46 15-16,91 0 16</inkml:trace>
-  <inkml:trace contextRef="#ctx0" brushRef="#br0" timeOffset="155822.78">14235 8021 0,'0'0'0,"0"0"16,0 0-1,0 0-15,0 0 16,0 0 0,0 0-16,-7-7 15,-1-1-15,0 1 16,1-9-16,-8 1 16,-8 0-1,-7 0-15,-15-1 16,-1 1-16,-7 0 15,-15-1 1,0 1-16,0 0 16,15 7-16,15 1 15,-15-1-15,-22-7 16,-31-1 0,30 9-16,8-1 15,8 1-15,-46-1 16,8 8-16,30 0 15,0 0 1,-8 0-16,1 0 16,-1 0-16,8 0 15,0 0 1,0 8-16,0-1 16,0 1-16,15-1 15,15 1-15,8 0 16,-8 7-1,-7 0-15,-1 8 16,1 0 0,-8 15-16,15-7 15,0 7-15,8-8 16,7 1-16,1-8 16,7 0-1,0 0-15,-1 0 16,9-8-16,-1 0 15,1 8-15,7 8 16,0-1 0,0 8-16,7 0 15,1-7-15,7-1 16,8 9-16,-1-9 16,9 1-1,-1-1-15,8 1 16,7-1-16,-7-7 15,0 0-15,7 8 16,23-1 0,15 1-16,-7-16 15,-1 0-15,24 0 16,-1 1 0,-15-16-16,-15 7 15,38-7-15,15 0 16,-38-7-16,-7-9 15,75 1 1,-45-8-16,-46 8 16,23-8-16,8-7 15,0-1 1,-16 8-16,-7-7 16,0-1-16,8-15 15,-8 0-15,-15 1 16,-23 7-1,-7-1-15,0 9 16,-8-1-16,0-7 16,-8-8-1,-7-7-15,-15 0 16,-7-1-16,-9 8 16,-6 1-16,-9 6 15,-7 1 1,-22-15-16,-39-8 15,-7 15-15,31 23 16,-107 0 0,91 23-16,-83 15 15,53 8-15,-8 0 16,-14 0-16</inkml:trace>
-  <inkml:trace contextRef="#ctx0" brushRef="#br0" timeOffset="157217.42">14039 8930 0,'0'0'16,"0"0"-16,0 0 15,-8 0 1,-7-8-16,-8-7 16,-7-8-16,-23-15 15,-23-16 1,1 9-16,14 6 15,16 9-15,-15-8 16,-39 0 0,24 7-16,7 0 15,7 1-15,-7 7 16,-83-15-16,75 23 16,-30-1-1,-37 16-15,22 0 16,-23 23-16,1 0 15,59 0 1,-21 15-16,-9 0 16,8 1-16,38-1 15,-15 15-15,0 8 16,23-15-16,14-8 16,16 0-1,0 8-15,7 7 16,8 9-16,15-1 15,7-8 1,9-7-16,14 0 16,15 7-16,8 0 15,0-14 1,8 6-16,22 1 16,23-8-16,-38-15 15,-16-7-15,62 6 16,22-6-1,-23-1-15,39-7 16,-47-8-16,1 0 16,68-8-16,-61 0 15,39-7 1,-1 0-16,-53-8 16,46-23-16,-1 0 15,-29 1-15,29-9 16,-37 1-1,-30 7-15,-1-23 16,9 8-16,-16 8 16,-8-1-1,-22 1-15,-8 7 16,-7-15-16,-23-8 16,-30 1-16,-31-1 15,-7 0 1,-23-22-16,-128-31 15,-15 53-15,37 31 16,-143 15 0,121 23-16,30 15 15,-53 16-15,30 14 16,23 16-16,-38-7 16,76-16-1</inkml:trace>
-  <inkml:trace contextRef="#ctx0" brushRef="#br1" timeOffset="162276.82">17304 7915 0,'0'0'0,"0"0"15,-7-8-15,-8-7 16,-8-1 0,-22-14-16,-38-16 15,-8-7-15,8 7 16,-16-8-16,-14 16 15,22 8 1,38 15-16,0-1 16,-15 1-16,-30 7 15,-8 8-15,8 0 16,-23 0 0,0 0-16,45 0 15,-52 0-15,7 8 16,15 7-1,15 1-15,-14 14 16,21 8-16,24-7 16,7 7-16,0 0 15,-7 0 1,7 0-16,7 8 16,1 0-16,7 0 15,16 0 1,-1-1-16,15-14 15,1-1-15,7 1 16,7 7 0,1 0-16,7 0 15,15 8-15,8 0 16,7 0-16,-7-8 16,-8-8-1,23 1-15,15 0 16,16-1-16,-9-7 15,1 0-15,7 0 16,8-8 0,-1 8-16,-14-15 15,15-1-15,14-7 16,1 0 0,-7-15-16,14 0 15,-7-1-15,-38 1 16,15-8-16,23 0 15,-8 0 1,-7-7-16,-8-1 16,8-14-16,-1-1 15,-21 8 1,-9-1-16,8 1 16,0 8-16,-7-1 15,-1-7 1,-15 8-16,-7-1 15,-8 1-15,-14-1 16,-1 0-16,-15 1 16,-8-8-1,-30-16-15,-37-14 16,-16-1-16,-30 8 16,-23 15-16,8 23 15,-60 8 1,60 23-16,-84 22 15,69 8-15,-45 8 16,44-15 0</inkml:trace>
-  <inkml:trace contextRef="#ctx0" brushRef="#br1" timeOffset="163816.35">17531 8846 0,'0'0'15,"0"0"1,-15-8-16,-23-15 15,-22-15-15,-8 0 16,7 7 0,-29-7-16,-24-8 15,16 16-15,-31-1 16,-7 1-16,46 7 16,14 8-1,-30-1-15,0 1 16,23 7-16,8 1 15,-39-1-15,8 1 16,31 7 0,-8 0-16,-31 0 15,1 7-15,30 8 16,-16 8-16,-6 0 16,14 0-1,45 0-15,-14 8 16,-16 14-16,-14 16 15,14 1 1,16-17-16,7 1 16,7 0-16,1 7 15,7 8-15,0 0 16,16-7 0,7-8-16,7-1 15,8-6-15,8 6 16,14 1-1,8 0-15,1 0 16,22 7-16,22 1 16,16-9-1,-23-22-15,23 8 16,22-1-16,0-7 16,8-7-16,23-9 15,-38 1 1,22-8-16,39 7 15,-24-7-15,31-15 16,-60 8 0,22-1-16,30-15 15,-30 0-15,30 0 16,-52 8-16,-16-8 16,53-15-1,-30 0-15,-15-8 16,23 0-16,-39 8 15,-29 0-15,-16 7 16,8-7 0,-8-8-16,-7 1 15,-15 6-15,-8 1 16,-15 0 0,-8 0-16,-14-16 15,-39-22-15,-97-46 16,-16 30-1,-53 16-15,30 23 16,-52-1-16,-54 16 16,54 30-16,-76 39 15,60 0 1,122-16-16</inkml:trace>
-  <inkml:trace contextRef="#ctx0" brushRef="#br0" timeOffset="169595.55">7114 7480 0,'0'0'0,"0"0"15,7 0-15,24-8 16,29-7-1,8-1-15,0 1 16,8 0-16,-1 0 16,-7-1-16,-7 1 15,-23 7 1,-16 1-16,-7-1 16,-7 1-16,-8 7 15</inkml:trace>
-  <inkml:trace contextRef="#ctx0" brushRef="#br0" timeOffset="169941.47">6955 7548 0,'0'0'15,"0"0"-15,0 0 16,0 0-16,0 0 15,0 0-15,0 0 16,0 0-16,0 0 16,0 0-1,8 0-15,7-7 16,0-1-16,0 0 16,-7 1-1,-1 7-15,1 0 16,-1 0-16,-7 0 15,0 0-15,0 0 16,0 0 0,8 0-16,-1 0 15,8 7-15,-15-7 16</inkml:trace>
-  <inkml:trace contextRef="#ctx0" brushRef="#br0" timeOffset="171755">14258 9891 0,'0'0'16,"0"0"-16,0 0 16,0 0-16,0 0 15,0 0 1,0 0-16,0-7 16,-8-9-16,-7 1 15,-8-8 1,-7 0-16,-15-7 15,0 7-15,-1 8 16,-14-1-16,-23-6 16,-16-1-1,31 7-15,8 1 16,-39-8-16,-29 0 16,52 16-1,-14-9-15,-77 1 16,61 23-16,-45-1 15,8 1-15,22 7 16,-15 8 0,22 0-16,46-8 15,-23 16-15,-14 7 16,6 8 0,24 0-16,14-8 15,1 0-15,7 0 16,7-7-1,9-1-15,6 1 16,1 7-16,15 8 16,8 7-16,7-7 15,7 0-15,8-8 16,8 0 0,7 0-16,15-7 15,16 7-15,30-8 16,15 1-1,-23-8-15,45 7 16,16-7-16,-16 0 16,39 0-16,-54-8 15,46 1 1,30-9-16,-68-7 16,106 8-16,-122-16 15,69-7 1,-45-8-16,-1-7 15,1-1-15,-54 8 16,-14-7-16,7-1 16,-8 8-1,1 0-15,-8 0 16,-8-7-16,-15 7 16,-7-8-1,-8 1-15,-7-1 16,-16-7-16,-14-15 15,-31-1-15,-8-7 16,-7-7 0,-76-32-16,-14 24 15,-31 15-15,60 30 16,1 9 0,-39 14-16,62 8 15,-84 15-15,52 23 16,-29 8-16,7-8 15</inkml:trace>
-  <inkml:trace contextRef="#ctx0" brushRef="#br0" timeOffset="174292.04">13562 10677 0,'0'0'15,"-15"-7"-15,-53-24 16,0 1 0,8-1-16,-1 8 15,-52 0-15,-16 8 16,54 8-1,-61-1-15,-31 23 16,1 0-16,-8 1 16,83-1-1,-37 23-15,22-15 16,23 0-16,15 0 16,0 7-16,15-7 15,7 8 1,1 7-16,7 8 15,8 15-15,15-8 16,7 1 0,8 7-16,16 7 15,14 16-15,0-23 16,8-7-16,0-8 16,-1-16-16,16 8 15,0-7 1,15-1-16,0-7 15,-15-7-15,23-1 16,30 0-16,7-7 16,-7-1-1,15-7-15,-8 0 16,-37 0-16,7 0 16,46-15-1,-46 7-15,-15-7 16,15 0-16,38-8 15,-30 8-15,-23-1 16,0-6 0,15-9-16,8 1 15,-8-1-15,-23 0 16,1-7 0,7 8-16,-8-1 15,-14 1-15,-1-1 16,-15 8-16,-7 0 15,-1-7 1,-14-16-16,-16-15 16,-22-8-16,-53-15 15,-38 0 1,-83-38-16,91 54 16,-114-9-16,98 47 15,-120-1 1,128 31-16,-61 8 15,61 15-15,-7 23 16,-16 30-16,69-30 16,75-46-16</inkml:trace>
-  <inkml:trace contextRef="#ctx0" brushRef="#br0" timeOffset="175369.39">13585 11540 0,'0'0'15,"-8"-8"-15,-14-7 16,-31 0-1,-38-8-15,23 8 16,-15-8-16,-76 0 16,76 8-16,7 7 15,-22 0 1,-15 8-16,30 0 16,-23 16-16,-38-1 15,53 0 1,16 0-16,-23 8 15,22-8-15,-7 16 16,15 0-16,22-1 16,9 8-1,6 0-15,1 1 16,7-1-16,16 0 16,-1 15-1,16 8-15,-1 8 16,16 7-16,7-7 15,16 0-15,14 7 16,23 8 0,-30-31-16,15 9 15,31 6-15,22-14 16,-8-9-16,15-6 16,-7-17-1,0-6-15,53-9 16,-30-14-16,30-1 15,-53-15 1,0 0-16,53-7 16,-61-1-16,38-7 15,-37 0 1,-24-8-16,-7-23 16,1 1-16,14-9 15,-30 16-15,-15-23 16,-23 16-1,-15 7-15,-7 7 16,-16-22-16,-45-23 16,-38-8-16,-7 8 15,-113-39 1,14 47-16,-52 14 16,-46 32-16,-15 29 15,60 24 1,99 0-16</inkml:trace>
-  <inkml:trace contextRef="#ctx0" brushRef="#br1" timeOffset="179379.45">17365 9907 0,'0'0'0,"0"0"16,-8-16 0,1 1-16,-16-15 15,-7-1-15,7 0 16,1 1-16,-16-1 16,-15-7-1,-8 0-15,-14-8 16,7 16-16,-31-8 15,-29-1 1,22 1-16,-22 15 16,-46 1-16,15 14 15,0 8-15,53 0 16,16 15 0,-16 8-16,0 0 15,15 7-15,-22 16 16,-1 0-1,24-8-15,29 0 16,-7 8-16,0 15 16,15-7-1,15-1-15,8-7 16,15-8-16,7 0 16,1 8-16,14 7 15,24 1 1,7 7-16,-1-8 15,1-15-15,23 8 16,29 8 0,9-1-16,-9-7 15,39 0-15,-1-8 16,-29-8-16,59 1 16,1-16-1,15 0-15,-30-15 16,-16 0-16,38-7 15,-45-8-15,23-16 16,-8-7 0,-53 0-16,31-8 15,-1 8-15,-22 0 16,-8-8 0,-7-8-16,-8 1 15,-15 7-15,-16 8 16,-14 7-16,-8 1 15,-22-16 1,-46-38-16,-61-38 16,-105-15-16,30 53 15,-68 15 1,-30 31-16,128 38 16,-60 15-16,7 23 15,76 8-15,-8 23 16,8-1-1,-7 1-15</inkml:trace>
-  <inkml:trace contextRef="#ctx0" brushRef="#br1" timeOffset="180446.46">17168 10884 0,'0'0'0,"0"0"16,-7-8-16,-16-7 15,-22-16 1,-31-15-16,8 16 16,-7-8-16,-46-8 15,7 8 1,46 7-16,-23 1 15,-14 14-15,6 1 16,-7 7 0,-37 8-16,29 8 15,-7 15-15,-52 8 16,52-9-16,-31 9 16,24 7-1,52-15-15,-14 15 16,-16 8-16,0 23 15,30-1-15,8-7 16,15 0 0,8 0-16,15 1 15,15 6-15,7-7 16,16-7-16,14 7 16,9 0-1,14-8-15,53 24 16,16-24-16,-46-22 15,90 7 1,1-23-16,23 0 16,-16-7-16,8-16 15,15-7 1,7 0-16,-37-16 16,7-7-16,39-15 15,-16 14-15,-38 1 16,-45 0-1,60-15-15,-30-1 16,-15 1-16,15-16 16,-60 23-16,-16 1 15,-22 14 1,0-15-16,-16 0 16,-14-7-16,-23-16 15,-68-30 1,-99-38-16,-90-16 15,68 77-15,-114 7 16,69 31 0,-61 30-16,15 16 15,144 22-15,-8 9 16</inkml:trace>
-  <inkml:trace contextRef="#ctx0" brushRef="#br1" timeOffset="181545.93">17554 11708 0,'0'0'0,"0"0"15,0 0-15,-15-15 16,-31-16 0,-29-15-16,-1 0 15,1 1-15,-69-39 16,-22-16-16,14 24 16,9 23-1,67 30-15,-22 8 16,-8 7-16,0 8 15,-22 8-15,-23 14 16,45 1 0,-53 23-16,0 8 15,16-9-15,-16 9 16,61-16 0,7 8-16,-15 15 15,0 15-15,38-15 16,8-7-16,14-1 15,16 0 1,15 9-16,7-9 16,16-7-16,-1-8 15,16 0 1,23 8-16,22-8 16,15 0-16,0-7 15,45 7 1,24-8-16,37 16 15,-31-15-15,-6-8 16,52-8-16,-8 0 16,-37-7-16,7-16 15,23-7 1,-30-8-16,15-15 16,-68 7-16,22-15 15,8 8 1,-15 0-16,8 8 15,-23-1-15,-38-7 16,-15 0 0,-16 0-16,-6-1 15,-9 9-15,-14 7 16,-8-7 0,-15-16-16,-53-38 15,-83-31-15,-69 8 16,16 31-16,-181-31 15,52 31 1,-105 7-16,44 62 16,-157 37-16,513-30 15</inkml:trace>
+  <inkml:trace contextRef="#ctx0" brushRef="#br0">10054 6548 0,'13'0'172,"80"0"-156,26 0-16,-13 0 15,26 0-15,0 0 16,-79 0-16,80 0 16,12 14-16,-12 12 15,-94-26-15,54 0 16,13 0-16,-40 13 15,-13-13-15,26 0 16,-26 0 0,0 0-16,-40 0 0,14 0 15,-1 0 32,-13 0-47,53 0 16,27 27-1,-40-27-15,-27 0 16,54 13-16,-41-13 16,-12 0-16,-14 0 15</inkml:trace>
+  <inkml:trace contextRef="#ctx0" brushRef="#br0" timeOffset="3866.55">2686 2540 0,'52'0'219,"41"0"-204,-40 0-15,-27 0 16,67 0-16,0 0 15,12 0 1,54 13-16,-106-13 16,119 13-16,13-13 15,-66 0-15,-52 0 16,157 0-16,-12 0 16,-40 0-16,-93 0 15,80 0-15,0 0 16,-53 0-16,13 0 15,-93 0-15,27 0 16,27 0-16,-41 0 16,-25 0-16,12 0 15,-13 0-15,0 0 16,1 0 0,-1 0-16,0 0 312</inkml:trace>
+  <inkml:trace contextRef="#ctx0" brushRef="#br0" timeOffset="11338.83">4987 6522 0,'14'0'187,"65"-26"-187,14 12 16,26 14-1,-13-26-15,-1 26 16,-65 0-16,79 0 16,13 0-16,27 0 15,-106 0-15,106 0 16,-14 0-16,14 0 16,-106 0-16,93 0 15,-27 0-15,-14 0 16,-78 0-16,26 0 15,13 0-15,-26 0 16,-1 0-16,1 0 16,26 0-16,-26 0 15,26 0-15,-53 0 16,53 0-16,-13 0 16,27 0-16,-27 0 15,13 0-15,53 0 16,-13 0-16,39 0 15,-92 0-15,53 0 16,-14 0 0,14 0-16,-53 0 0,53 0 15,0 0-15,-53 0 16,0 0 0,26 0-16,-26 0 0,13 0 15,27 0 1,-67 0-16,93 0 15,-13 0-15,13 0 16,-53 0-16,67 0 16,-1 0-16,0 0 15,-66 0-15,53 0 16,-13 0-16,0 0 16,0 0-16,-66 0 15,65 0-15,28 0 16,-41 0-16,-26 0 15,27 0-15,0 0 16,-40 0-16,-27 0 16,-13 0-1</inkml:trace>
+  <inkml:trace contextRef="#ctx0" brushRef="#br0" timeOffset="14187.3">5027 7673 0,'13'-13'266,"93"-1"-266,26 14 16,-52 0-16,26 0 15,26 0-15,0 0 16,-79 0-16,66 0 15,-13 0-15,0 0 16,-80 0-16,54 0 16,26 0-16,-40 0 15,26 0 1,-52 0-16,39 0 16,27 0-16,0-13 15,-80 13-15,54 0 16,12 0-16,14 0 15,-13-13-15,-67 13 16,67-13-16,13 13 16,39 0-16,-65 0 15,92 0-15,13 0 16,27 0-16,-107 0 16,120 0-16,27 0 15,-67 0-15,-106 0 16,80 0-16,0 0 15,-27 0-15,27 0 16,-80 0-16,53 0 16,1 0-16,-14 0 15,-93 0-15,40 0 16,-26 0-16,-13 0 16,-14 0-1</inkml:trace>
+  <inkml:trace contextRef="#ctx0" brushRef="#br0" timeOffset="38115.99">6826 7488 0,'13'0'63,"14"0"-48,13 0-15,26 0 16,-13 0-16,13 0 16,-26 0-16,39 0 15,0 0-15,27 0 16,-79-14-16,12 14 15,27 0-15,-39 0 16,-1 0 0,-12 0-16,-1 0 15,0 0-15,13-13 250,-26-13-250,14-27 16,-1-27-16,0 54 16,-13 0-1,0-1-15,0-13 16,0 27-1,0-13-15,0 13 16,0-1-16,13-12 16,-13-1-16,0 1 15,14-1-15,-1-39 16,-13 40-16,13-14 16,-13-13-16,0 14 15,13 25-15,-13 1 16,0-13 171,-79 26-171,66 0-16,-67-27 16,-12 14-16,39 0 15,26 13-15,-39 0 16,-53-14-16,79 14 15,14 0-15,-40 0 16,26 0 0,14 0-16,12 0 0,1 0 15,0 0 1,-13 0-16,12 0 31,1 0 47,13 40-62,-13-13-16,0 39 16,13 40-16,-27-14 15,14-12-15,13-54 16,0 40-16,-13 14 15,13-14-15,0-40 16,0 67-16,-14-40 16,14 0-16,0-40 15,0 0-15</inkml:trace>
+  <inkml:trace contextRef="#ctx0" brushRef="#br0" timeOffset="62896.37">11695 10914 0,'26'0'63,"1"0"-63,39 0 15,66 0-15,-13-26 16,40 12-16,-106 1 16,119 13-1,-67 0-15,28 0 16,-54 0-16,106 0 0,-39 0 16,13 0-1,-133 0-15,27 0 0,-40 0 16</inkml:trace>
+  <inkml:trace contextRef="#ctx0" brushRef="#br0" timeOffset="71161.75">14552 9962 0,'53'0'125,"13"0"-109,0 13-16,-39-13 15,52 0-15,-13 0 16,-39 0-16,12 13 15,-12-13 1,-14 0 0,-13-13 77,0-14-77,0 1-16,0-27 16,0 0-1,0 0-15,0 13 0,0 1 16,0-1-16,0-13 16,0-26-1,0 66-15,0-40 16,-13-14-16,13 28 15,-27 12-15,14 1 16,13 13-16,-26-40 16,13 40-16,13-14 31,-14 14-31,1 0 16,13-1-16,0 1 15,0-13-15,-93 26 141,-26 0-126,93 0-15,-106 0 16,39 0-16,27 0 16,39 0-1,1 0-15,0 0 16,12 0 0,1 0 109,13 53-110,0 13-15,0-27 16,0 54-16,0 39 15,0-66-15,0 1 16,13-1-16,1-27 16,-1 28-16,-13-41 15,0-13-15,13 0 16,-13 14-16,0-14 16,0 0-1,13 1 141</inkml:trace>
+  <inkml:trace contextRef="#ctx0" brushRef="#br0" timeOffset="75313.4">12171 10147 0</inkml:trace>
 </inkml:ink>
 </file>
 
@@ -532,38 +520,31 @@
     <inkml:context xml:id="ctx0">
       <inkml:inkSource xml:id="inkSrc0">
         <inkml:traceFormat>
-          <inkml:channel name="X" type="integer" max="3360" units="cm"/>
-          <inkml:channel name="Y" type="integer" max="1872" units="cm"/>
+          <inkml:channel name="X" type="integer" max="5120" units="cm"/>
+          <inkml:channel name="Y" type="integer" max="1800" units="cm"/>
           <inkml:channel name="T" type="integer" max="2.14748E9" units="dev"/>
         </inkml:traceFormat>
         <inkml:channelProperties>
-          <inkml:channelProperty channel="X" name="resolution" value="114.28571" units="1/cm"/>
-          <inkml:channelProperty channel="Y" name="resolution" value="112.77109" units="1/cm"/>
+          <inkml:channelProperty channel="X" name="resolution" value="174.14966" units="1/cm"/>
+          <inkml:channelProperty channel="Y" name="resolution" value="109.09091" units="1/cm"/>
           <inkml:channelProperty channel="T" name="resolution" value="1" units="1/dev"/>
         </inkml:channelProperties>
       </inkml:inkSource>
-      <inkml:timestamp xml:id="ts0" timeString="2020-09-22T18:04:51.326"/>
+      <inkml:timestamp xml:id="ts0" timeString="2021-10-07T02:14:14.796"/>
     </inkml:context>
     <inkml:brush xml:id="br0">
       <inkml:brushProperty name="width" value="0.05292" units="cm"/>
       <inkml:brushProperty name="height" value="0.05292" units="cm"/>
-      <inkml:brushProperty name="color" value="#002060"/>
-    </inkml:brush>
-    <inkml:brush xml:id="br1">
-      <inkml:brushProperty name="width" value="0.05292" units="cm"/>
-      <inkml:brushProperty name="height" value="0.05292" units="cm"/>
-      <inkml:brushProperty name="color" value="#C00000"/>
+      <inkml:brushProperty name="color" value="#00B050"/>
     </inkml:brush>
   </inkml:definitions>
-  <inkml:trace contextRef="#ctx0" brushRef="#br0">2533 2595 0,'0'0'0,"0"0"0,0 0 0,68 0 16,-38 0-16,-8 0 16,1 0-16,7 0 15,8 0-15,8 0 16,14 8-1,-7-1-15,-8 1 16,1-8-16,-9 0 16,9 0-1,-1 0-15,8 0 16,15-8-16,-15 1 16,-8-1-1,-14 0-15,6 1 16,16-1-16,15 0 15,0 8-15,-7 0 16,-8 0 0,-8 0-16,1-7 15,-1 7-15,8 0 16,7-8-16,-7 8 16,-7-7-1,-16 7-15,0 0 16,0 0-16,16-8 15,-1 0-15,8 8 16,0 0 0,-8 0-16,-7 0 15,0 0-15,-8 0 16,8 0 0,7 0-16,8 0 15,0 0-15,0 0 16,-8 0-16,-7 0 15,0 0 1,15-7-16,7-1 16,8 0-16,-7 1 15,-1-1-15,-7 0 16,15 1 0,-7 7-16,-8 0 15,7 0-15,-14-8 16,-16 8-1,0 8-15,0-8 16,1 7-16,-1 1 16,8 7-1,7 1-15,-45-16 16</inkml:trace>
-  <inkml:trace contextRef="#ctx0" brushRef="#br0" timeOffset="12649.2">6721 4663 0,'0'0'0,"0"0"15,0 0-15,0 0 16,0 0-16,0 0 16,7-7-1,1-1-15,7 0 16,0 1-16,0-9 16,8 1-16,7-8 15,8 0 1,0 1-16,-1-1 15,-6-8-15,-1 1 16,-7-1-16,-1 1 16,1-1-1,0 8-15,7-7 16,0 7-16,0 0 16,-7 8-1,0-1-15,-8 1 16,0 7-16,0-7 15,0 7-15,0 1 16,-7-1 0,-1 1-16,1-1 15,-8 8-15,0 0 16,0 0-16,0 0 16</inkml:trace>
-  <inkml:trace contextRef="#ctx0" brushRef="#br0" timeOffset="21315.97">5700 4259 0,'0'0'0,"0"0"15,0 0-15,0 0 16,0 0-16,0 0 16,0 0-16,0 0 15,8 0 1,7-8-16,15-7 15,15 0-15,8-8 16,-7 0 0,-9 0-16,9-8 15,-1 1-15,23-16 16,-7 8-16,-8 0 16,-16 15-1,-6 0-15,-1 8 16,0-8-16,-30 23 15</inkml:trace>
-  <inkml:trace contextRef="#ctx0" brushRef="#br0" timeOffset="22333.96">7688 4175 0,'0'0'15,"0"0"1,0 0-16,0 0 16,0 0-16,0 0 15,0 0-15,0 0 16,0 0-1,0 0-15,8 0 16,7-8-16,0 1 16,0-1-16,0-7 15,8-8 1,7-15-16,16-8 16,-9 8-16,1 7 15,8 1 1,-9-1-16,-6 8 15,-9 0-15,-22 23 16</inkml:trace>
-  <inkml:trace contextRef="#ctx0" brushRef="#br0" timeOffset="23118.91">5738 4274 0,'0'0'0,"0"0"16,0 0-1,0 0-15,0 0 16,0 0-16,0 0 16,0 0-16,0 0 15</inkml:trace>
-  <inkml:trace contextRef="#ctx0" brushRef="#br0" timeOffset="49180.88">7446 7380 0,'0'0'15,"0"0"-15,0 0 16,0 0-16,0 8 15,-7 0 1,-1-1-16,1 1 16,-1 0-16,8-1 15,-7 1-15,7 7 16,0 8 0,0 0-16,0 0 15,0 0-15,7 0 16,1-1-1,-1-6-15,1-1 16,7-7-16,0-1 16,8 1-16,7-8 15,8 0 1,0-8-16,-1 1 16,-6-1-16,-9 0 15,1-7 1,-8 7-16,-7-7 15,-1 0-15,1 0 16,-8-8-16,0 0 16,-8 0-1,-7 0-15,0 8 16,0 0-16,-8 7 16,1 8-16,-16 8 15,7 7 1,31-15-16</inkml:trace>
-  <inkml:trace contextRef="#ctx0" brushRef="#br0" timeOffset="51656.4">7741 7647 0,'0'0'16,"0"0"-16,0 0 15,0 0 1,0 0-16,0 0 16,0 0-16,8 0 15,-1 8 1,8 0-16,8 15 16,15 7-16,7 1 15,16 7 1,-1 0-16,8 0 15,-7 0-15,14 1 16,16-9-16,-15-7 16,-23 0-1,15-8-15,38-7 16,-16-1-16,-22-7 16,15 8-16,46-16 15,-23 8 1,-38 0-16,7-7 15,46-9-15,-15 1 16,-30 8 0,30-9-16,-1-7 15,-21 8-15,-31 8 16,22-9-16,16-7 16,0 0-1,-16 8-15,8 8 16,1-9-16,6 1 15,-14 0-15,-23-1 16,15-6 0,15-9-16,23-7 15,-23 7-15,-15-7 16,23-8 0,7 8-16,-22 8 15,-16-1-15,8-7 16,23-8-16,15-15 15,-31 8 1,1-1-16,-1 9 16,1-17-16,7-21 15,-22-9-15,-24 23 16,1-15 0,0-38-16,-8 23 15,1 7-15,-16-14 16,0-17-16,-8 32 15,-7-8 1,-15-24-16,0 17 16,-8 22-16,8-23 15,-7 0 1,-9 23-16,-14 15 16,-31-22-16,1-1 15,-1 16-15,-22 0 16,-15 14-1,22 17-15,8-1 16,-69 0-16,47 8 16,-24 7-1,-30 8-15,69 8 16,-62 8-16,1 7 16,15 0-1,-38 7-15,76-7 16,-38 0-16,-30 15 15,52-7-15,-37 7 16,30 1 0,45-1-16,-60 8 15,8 0-15,30-8 16,-8 0-16,0 8 16,23-8-1,15-7-15,-23 7 16,-7 8-16,22-8 15,8 1-15,-15 7 16,0 0 0,7-1-16,8 1 15,23-7-15,7-1 16,-15 8 0,-7-8-16,-1 8 15,1-8-15,7 0 16,7-7-16,1 0 15,7-1 1,0-7-16,1 8 16,-1-8-16,0 0 15,8 8-15,0-8 16,-1 0 0,9 0-16,-1 0 15,8 0-15,0 0 16,7 0-1,1 0-15,-1 0 16,0 0-16,1 0 16,-1 0-16,8 0 15,0 0 1,0 0-16,0 0 16,0 0-16,0 0 15,0 0 1,0 0-16,-7 7 15,7-7-15,0 0 16,0 0-16,0 0 16,0 0-16,0 0 15,0 0 1,0 0-16,0 0 16,0 0-16,0 0 15,0 0 1,0 0-16,0 0 15,0 0-15,0 0 16,0 0 0,0 0-16,0 0 15,0 8-15,0 7 16,0 0-16,0 1 16,0-1-1,0-7-15,0-8 16,0 0-16,0 0 15,0 0-15,0 0 16,0 0 0,0-8-16,0 0 15,0 1-15,0 7 16,0 0 0,22 0-16,-22 0 15</inkml:trace>
-  <inkml:trace contextRef="#ctx0" brushRef="#br0" timeOffset="70437.11">14961 9197 0,'0'0'0,"0"0"15,0 0-15,0 0 16,0 0-16,0 0 16,-8 7-1,1 1-15,-8 0 16,0 7-16,-8 8 16,0 0-16,0 0 15,1 0 1,-8 30-16,7 0 15,8 1-15,7-1 16,1 1-16,-1-1 16,8 8-1,8 8-15,7-16 16,7-7-16,1 0 16,7-8-1,1-7-15,-1-9 16,0-6-16,-7-1 15,7-7 1,0-8-16,8-8 16,7-7-16,1-8 15,-8 0-15,-1-8 16,-6-14 0,-9 6-16,-14-6 15,-8-1-15,-8 0 16,-14-7-1,-9-16-15,-14 0 16,7 8-16,16 15 16,-1 8-16,0 8 15,0-8 1,1 15-16,-1 0 16,0 15-16,-7 8 15,-8 31 1,-15 45-16,53-76 15</inkml:trace>
-  <inkml:trace contextRef="#ctx0" brushRef="#br1" timeOffset="20374.37">4014 11983 0,'0'0'15,"0"0"-15,8 0 16,7 0-16,8 7 16,-1-7-16,1 8 15,15-1 1,15 1-16,30 0 16,0-1-16,-7 1 15,7 0 1,30-1-16,-7-7 15,-38-7-15,30-1 16,31-7-16,-23 7 16,0 0-1,52-7-15,-59 0 16,44 0-16,31-1 16,-23 9-1,31-8-15,-84 7 16,61 0-16,7 1 15,0-1-15,-7 16 16,-53-8 0,75 7-16,-37-7 15,15 8-15,-8-8 16,-38 0-16,54 0 16,-16 0-1,23-8-15,-38 8 16,30-7-16,16-1 15,-1 0 1,-15 1-16,-14 7 16,37-8-16,0 8 15,-8-8-15,-30 8 16,38 0 0,0 0-16,0-7 15,-53 7-15,46-8 16,-24 8-1,31 0-15,-53 0 16,53-7-16,-22-9 16,22 9-16,-53-1 15,38 0-15,0 1 16,15 7 0,-31-8-16,-22 8 15,69-7-15,-84 7 16,105-8-1,-127 0-15,90-7 16,-23 0-16,23-1 16,-53 1-1,38-8-15,15 0 16,-23-7-16,16 7 16,-31 8-16,53-1 15,-23 1 1,1 0-16,-16 7 15,23 1-15,-15 7 16,0 0 0,-46 0-16,46 7 15,-38-7-15,16 0 16,-24 0-16,-52 0 16,7 8-1,15-8-15,-22 0 16,-8 0-16,-15 0 15,0 0 1,-8-8-16,-7 1 16,-16-1-16,1 0 15,-23 8-15</inkml:trace>
+  <inkml:trace contextRef="#ctx0" brushRef="#br0">6839 4643 0</inkml:trace>
+  <inkml:trace contextRef="#ctx0" brushRef="#br0" timeOffset="6783.92">13110 5980 0,'0'13'47,"-53"26"-47,40-39 16,-80 80-16,-39 52 15,53-39-15,13-27 16,-120 93-1,94-54-15,-14 15 16,79-81-16,-12 1 16,26 26-16,-1-26 15</inkml:trace>
+  <inkml:trace contextRef="#ctx0" brushRef="#br0" timeOffset="7279.49">12171 5887 0,'0'13'16,"40"40"-1,-1 40-15,-12-40 16,79 66-16,-1 13 15,1 14-15,-66-107 16,79 120-16,-13-53 16,-40 13-16,-26-79 15,39 65-15,0-12 16,-52-40-16,-14-53 16,-13 13-16</inkml:trace>
+  <inkml:trace contextRef="#ctx0" brushRef="#br0" timeOffset="55494.5">13375 7104 0,'26'0'62,"93"0"-46,53 0-16,-13 0 15,-119 0 1,79 0-16,66 0 0,-13 0 16,-93 0-1,54 0-15,-41 0 16,-26 0-16,-52 0 15,-1 0-15</inkml:trace>
+  <inkml:trace contextRef="#ctx0" brushRef="#br0" timeOffset="56350.46">16801 7210 0,'13'0'78,"133"0"-62,-27 0-16,79 0 16,67 0-16,26 0 15,-198 0-15,92 0 16,-66 0-16,-106 0 15</inkml:trace>
+  <inkml:trace contextRef="#ctx0" brushRef="#br0" timeOffset="172630.55">2355 5173 0,'13'-14'110,"40"41"-95,92-27-15,1 26 16,-67-26-16,14 0 16,105 0-16,14 0 15,39 0-15,-145 0 16,106 0-16,39 0 16,-26 0-16,-13 0 15,-133 0-15,54 0 16,-28 0-1,-65 0-15,-27 0 0,27 0 16,-14 0-16</inkml:trace>
+  <inkml:trace contextRef="#ctx0" brushRef="#br0" timeOffset="177430.63">13520 5106 0,'119'0'79,"-66"14"-64,93-14 1,12 0-16,14 0 15,-66 0-15,-13 0 16,119 0-16,-27 0 16,13 0-16,-132 0 15,133 0-15,-67 0 16,-26 0-16,-80 0 16,27 0-16,-26 0 15,-14 0 32,0 0 0</inkml:trace>
 </inkml:ink>
 </file>
 
@@ -573,43 +554,42 @@
     <inkml:context xml:id="ctx0">
       <inkml:inkSource xml:id="inkSrc0">
         <inkml:traceFormat>
-          <inkml:channel name="X" type="integer" max="3360" units="cm"/>
-          <inkml:channel name="Y" type="integer" max="1872" units="cm"/>
+          <inkml:channel name="X" type="integer" max="5120" units="cm"/>
+          <inkml:channel name="Y" type="integer" max="1800" units="cm"/>
           <inkml:channel name="T" type="integer" max="2.14748E9" units="dev"/>
         </inkml:traceFormat>
         <inkml:channelProperties>
-          <inkml:channelProperty channel="X" name="resolution" value="114.28571" units="1/cm"/>
-          <inkml:channelProperty channel="Y" name="resolution" value="112.77109" units="1/cm"/>
+          <inkml:channelProperty channel="X" name="resolution" value="174.14966" units="1/cm"/>
+          <inkml:channelProperty channel="Y" name="resolution" value="109.09091" units="1/cm"/>
           <inkml:channelProperty channel="T" name="resolution" value="1" units="1/dev"/>
         </inkml:channelProperties>
       </inkml:inkSource>
-      <inkml:timestamp xml:id="ts0" timeString="2020-09-22T18:09:13.140"/>
+      <inkml:timestamp xml:id="ts0" timeString="2021-10-08T01:59:10.525"/>
     </inkml:context>
     <inkml:brush xml:id="br0">
       <inkml:brushProperty name="width" value="0.05292" units="cm"/>
       <inkml:brushProperty name="height" value="0.05292" units="cm"/>
-      <inkml:brushProperty name="color" value="#002060"/>
-    </inkml:brush>
-    <inkml:brush xml:id="br1">
-      <inkml:brushProperty name="width" value="0.05292" units="cm"/>
-      <inkml:brushProperty name="height" value="0.05292" units="cm"/>
-      <inkml:brushProperty name="color" value="#C00000"/>
+      <inkml:brushProperty name="color" value="#FF0000"/>
     </inkml:brush>
   </inkml:definitions>
-  <inkml:trace contextRef="#ctx0" brushRef="#br0">13691 9983 0,'0'0'0,"0"0"0,0 8 16,-15 457-16,0-350 16,-1-31-16,9 0 15,-1 15-15,1-15 16,7-16 0,0 9-16,15 30 15,0-8-15,8-8 16,7 31-16,-7 8 15,-8-23 1,0 15-16,-8-15 16,-7-38-16,0-16 15,0-15-15,-7 0 16,-1-15 0,1 0-16,7-7 15,0-1-15,-8-8 16,8 1-1,0 0-15,-7-1 16,-1 9-16,1-1 16,-1 15-1,0 1-15,8 7 16,0 0-16,0-7 16,0-1-16,-7-7 15,-1-8 1,1 1-16,7-16 15</inkml:trace>
-  <inkml:trace contextRef="#ctx0" brushRef="#br0" timeOffset="1628.65">12413 11120 0,'0'0'0,"0"0"15,0 0 1,0 0-16,0 8 15,8 7-15,-1 8 16,1 0 0,-1 7-16,1 1 15,0-8-15,-1 0 16,1-8-16,-1 0 16,-7-7-1,0-1-15,0 1 16,0-8-16,0 0 15</inkml:trace>
-  <inkml:trace contextRef="#ctx0" brushRef="#br0" timeOffset="2170.98">12602 11029 0,'0'0'0,"0"0"16,0 0 0,0 0-16,0 0 15,0 0-15,15-8 16,8-7-1,0-1-15,7-7 16,0 8-16,-7 0 16,0 0-16,-8 7 15,-8 8 1,1 0-16,-1 8 16,1 7-16,-1 15 15,1 1-15,0-8 16,-8 0-1,0 0-15,0 0 16,0-1-16,0 1 16,0 0-1,0-7-15,7-1 16,1 0-16,-1-7 16,1-1-16,-1 1 15,8 0 1,-7-8-16,0 0 15,-1 0-15,1 0 16,-1 0 0,1 0-16,-8 0 15</inkml:trace>
-  <inkml:trace contextRef="#ctx0" brushRef="#br0" timeOffset="3326.46">14205 10067 0,'0'0'16,"7"0"-16,9 0 16,6 0-1,24 0-15,37 0 16,15 0-16,-22 0 16,7 0-1,23-8-15,-8 1 16,-30-1-16,30 0 15,16 1-15,14-1 16,-7 8 0,30 0-16,-45-8 15,38 1-15,30-8 16,-8-1-16,8 1 16,-46-8-1,84-7-15,-53-1 16,68-7-16,-122 15 15,100 0 1,-39 0-16,38 0 16,-83 16-16,60-1 15,-22 8-15,15-8 16,-38 8 0,-45 0-16,52-7 15,-14 7-15,-23 0 16,15 0-1,-15 7-15,-38 1 16,-8 0-16,8-8 16,15 0-16,0 7 15,-22-7 1,-16 0-16,1 0 16,-9 0-16,-6 0 15,-9 0 1,1 0-16,-8 0 15,0 0-15,0 0 16,1 0-16,-9 0 16,1 0-1,7 8-15,-8 0 16,8 22-16,1 16 16,-1 15-1,7 31-15,1 37 16,0-7-16,-1 39 15,-14 7 1,0 76-16,-16-46 16,-7 1-16,7-8 15,1-62-15,-1-45 16,8-84 0</inkml:trace>
-  <inkml:trace contextRef="#ctx0" brushRef="#br0" timeOffset="3932.86">13661 10662 0,'0'0'15,"0"0"-15</inkml:trace>
-  <inkml:trace contextRef="#ctx0" brushRef="#br0" timeOffset="4484.97">13502 10769 0,'0'0'0,"0"0"0,0 0 16,0 0 0,0 0-16,7 0 15,9 0-15,6 0 16,8 0-16,23 0 16,31 8-1,-1-8-15,15 7 16,15-7-16,-7 8 15,-23-8 1,23 0-16,60-8 16,-37 1-16,37-9 15,-52 1-15,29 0 16,39-8 0,-23 8-16,37-1 15,-90 1-15,106-15 16,-61 7-1,83-8-15,-120 16 16,120 0-16,-83 7 16,83-15-16,-128 8 15,121 0 1,-68-1-16,45 1 16,-91 0-1,76 7-15,-30 8 16,7 0-16,-37 0 15,-31 0-15,38 0 16,0 8 0,-7 7-16,15 0 15,-61 1-15,-23-9 16,-14 1-16,-9-8 16,-14 0-1,-8 0-15,-15 0 16</inkml:trace>
-  <inkml:trace contextRef="#ctx0" brushRef="#br0" timeOffset="25524.87">13184 10731 0,'0'0'0,"0"0"16,0 0-16,0 0 16,0 0-1,0 0-15,0 0 16,0 0-16,0 0 15,0 0 1,0 0-16,0 0 16,0 0-16,0 0 15,0 0-15,0 0 16,0 0 0,0 0-16,0 0 15,0 0-15,0 0 16,0 0-16,0 0 15,0 0 1,0 0-16,0-8 16,0 8-16,0-7 15,8-1 1,-8 8-16,7-8 16,9 1-16,-1-1 15,0 0 1,38-7-16,0 0 15,0 7-15,-8 1 16,-15-1-16,-7 0 16,0 1-1,-1-1-15,1 1 16,0 7-16,-8 0 16,0 0-16,-8 0 15,-7 0 1,0 0-16,0 0 15,0 0-15,0 0 16,0 0 0,0 0-16,0 0 15,0 0-15,-7-8 16,7 8-16,-8 0 16,1-8-1,7 8-15,0 0 16,0 0-16,0 0 15,0 0 1,0 16-16,7-1 16,1 0-16,7 0 15,8 1-15,-8-1 16,-8-8 0,1 1-16,-1 0 15,-7-8-15,0 0 16,0 0-1,0 0-15,0 0 16,0 0-16</inkml:trace>
-  <inkml:trace contextRef="#ctx0" brushRef="#br0" timeOffset="26389.12">13668 10677 0,'0'0'16,"0"0"0,0 0-16,15 8 15,16 0-15,21-1 16,1-7-16,-7 8 15,22 0 1,30-1-16,-15 1 16,-15 0-16,23 7 15,53-8 1,-16 1-16,38 7 16,-30-7-16,-30-8 15,68 8 1,-23-8-16,23-8 15,-23 8-15,8 0 16,30 8-16,23-1 16,-46 24-1,61 7-15,-30 8 16,29-23-16,-82-23 16,30 0-16,38-8 15,-39-15 1,9 8-16,45-8 15,-61 8-15,23-1 16,-83 1 0,98 7-16,-68 1 15,53-1-15,-83 1 16,0-9-16,22-7 16,1-7-1,-39 7-15,31-23 16,-37 8-16,-16 0 15,-68 38 1</inkml:trace>
-  <inkml:trace contextRef="#ctx0" brushRef="#br0" timeOffset="83667.87">11960 5831 0,'0'0'0,"0"0"0,0 0 15,90 0-15,-67 0 16,-8 0-16,8 0 15,7 0-15,0 0 16,16-8-16,-1 1 16,0-1-1,-7 8-15,0 0 16,0 0-16,0-8 16,-1 8-16,9-7 15,-8-1 1,-1 8-16,1 0 15,-8 0 1,1 0-16,-9 0 16,1 8-16,0-8 15,-8 0-15,0 0 16,0 0-16,0 0 16,0 0-1,0 0-15,-7 0 16,-1 0-1,1 0-15,-8 0 16,0 0-16,0 0 16,0 0-16,0 0 15,0 0-15,0 0 16,0 0 0,0 0-16,0 0 15,0 0-15,0 0 16,0 0-1,0 0-15,0 0 16,0 0-16,0 0 16,0 0-16,0 0 15,8 0 1,7-8-16,7 1 16,-6-1-16,14 0 15,-8 8 1,-6 0-16,-9 0 15,-7 0-15,0 0 16,0 0 0,0 0-16</inkml:trace>
-  <inkml:trace contextRef="#ctx0" brushRef="#br0" timeOffset="85246.16">11831 6029 0,'0'0'0,"0"0"16,0 0-16,0 0 15,8 0-15,7 8 16,0 0-1,0-1-15,8 1 16,-1 0-16,9-1 16,-1 1-16,0 0 15,-7 7 1,-1 0-16,1 0 16,0 1-16,0 6 15,7 1 1,-8 0-16,9 0 15,-1 0-15,0 0 16,-7 0-16,7-8 16,0 0-1,-7 8-15,0-7 16,-1 6-16,1 1 16,0-7-16,-8-1 15,0 0 1,0 0-16,0 1 15,0-1-15,0 0 16,1 0 0,6 1-16,-7-1 15,8 8-15,0 0 16,-1-8 0,9 0-16,-9 1 15,1-1-15,0 0 16,-8-7-16,0-1 15,8 9-15,7-1 16,0 0 0,31 8-16,-24-8 15,-6 1-15,-1-1 16,0 0 0,-7 0-16,-1 1 15,-6-1-15,-1 0 16,0-7-16,-8-1 15,1 1 1,-1 0-16,-7-8 16,0 0-16,0 0 15,0 0 1,0 0-16,0 0 16,0 0-16,0 0 15,0-8 1,-7-7-16,-1 0 15,-7-1-15,8 1 16,-8 0-16,-8-1 16,8 1-1,7 8-15,1-1 16,-1 8-16,8 0 16,0 0-16,0 0 15,0 0 1,0 0-16</inkml:trace>
-  <inkml:trace contextRef="#ctx0" brushRef="#br0" timeOffset="86280.2">12058 6297 0,'0'0'15,"0"0"1,7 15-16,9 8 15,-1 7-15,0 8 16,0 8 0,15 15-16,-7-15 15,0 0-15,-1-8 16,1 0-16,0 0 16,7 1-1,0-1-15,0 0 16,1 8-16,6 7 15,-6-15 1,-9 8-16,9-8 16,-9 8-16,1 0 15,0 7-15,-1 1 16,8-1 0,-7-7-16,0-8 15,-1 8-15,9 7 16,-1 8-16,0 0 15,-7-15 1,-8-8-16,0 8 16,8-8-16,-1 0 15,-6 1 1,6-1-16,1 0 16,0 0-16,14 0 15,-6-7-15,-9-1 16,1-7-1,-8 0-15,8 8 16,-8-9-16,0 1 16,0-7-1,0-1-15,-7 0 16,-1-7-16,1-1 16,0 1-16,-8-8 15,0 0 1,0 0-16,0 0 15,0 0-15,0 0 16,0 0-16,0 0 16,0 0-1,0 0-15,0 0 16,0 0-16,0 0 16,0 0-1,0 0-15,0 0 16,0 0-16,0 0 15,0 0-15,0 0 16,0 0 0</inkml:trace>
-  <inkml:trace contextRef="#ctx0" brushRef="#br1" timeOffset="94482.27">11846 6968 0,'0'0'16,"0"0"-16,0 0 15,0 0-15,0 0 16,8 0-1,7 0-15,8-7 16,7-1-16,0 8 16,0-8-1,1 1-15,-1 7 16,-8 0-16,9-8 16,22 0-16,15 1 15,0-1 1,0 8-16,-15 0 15,7 0-15,16-7 16,-8-1-16,0 0 16,-23 1-1,-7 7-15,-8 0 16,8-8-16,-8 0 16,0 1-1,1-1-15,-9 0 16,16 1-16,-15 7 15,-8 0 1,-7 0-16,-8 0 16,0 0-16,0 0 15,0 0-15,-8 0 16,0 0 0,1 7-16,-1-7 15,8 0-15,0 0 16,0 0-16,0 0 15,15 8 1,8 0-16,0-1 16,-8 1-16,0 0 15,-7-8 1,-1 7-16,-7-7 16,0 8-16,-15 7 15,15-15-15</inkml:trace>
-  <inkml:trace contextRef="#ctx0" brushRef="#br1" timeOffset="95464.1">11687 7083 0,'0'0'0,"0"0"16,0 0-16,0 0 15,0 0 1,0 0-16,8 0 16,7 7-16,0 1 15,0 0-15,8 7 16,7 0-1,8 16-15,15 14 16,0 9-16,0-8 16,-15-8-16,-1 0 15,-6 0 1,14 8-16,16 7 16,14 8-16,-14-7 15,-8-16 1,-16-7-16,16 7 15,-7-8-15,-1 1 16,0-1-16,1 8 16,7 1-1,-23-9-15,0 1 16,-7-8-16,-1-1 16,1 9-16,0-8 15,-1 7 1,9 1-16,-9-8 15,9 15-15,14 8 16,0 0 0,-14-8-16,-1 0 15,0-8-15,0 1 16,-7-8-16,0 0 16,7 7-1,0 1-15,0-8 16,-7-8-16,0 0 15,-8 1 1,0-9-16,-7 1 16,-8-8-16,0 0 15,0 0-15,0 0 16,-16-23 0,-6 0-16,-8-8 15,7 9-15,0 6 16,8 1-1,0 7-15,0 1 16,7-1-16,1 8 16,-1 0-16,1-8 15,-1 1 1,0-8-16,-7-8 16,15 23-16</inkml:trace>
-  <inkml:trace contextRef="#ctx0" brushRef="#br1" timeOffset="96357.29">11945 6915 0,'0'0'0,"0"0"16,0 0-16,0 0 15,0 0 1,0 0-16,7 0 15,8-8-15,0-7 16,8 0-16,0-1 16,-1-7-1,1 1-15,0-1 16,22-15-16,8-16 16,15 1-16,0-8 15,-15 15 1,0 8-16,7-8 15,16 0-15,7-7 16,-22-1-16,-16 8 16,-7 8-1,7 0-15,-7 8 16,0-1-16,15 8 16,-16 0-1,-14 8-15,0 0 16,-8-1-16,0 1 15,0 0-15,0 7 16,0-7 0,1 7-16,-9 1 15,1-1-15,-1 0 16,-7 8 0,0 0-16,0 0 15,0 0-15,0 0 16,0 0-16,0 0 15,-7 8 1,7-8-16,0 0 16,0 0-16,0 0 15,0 0 1,0 0-16,0 0 16,0 0-16,0 0 15,0 0-15</inkml:trace>
+  <inkml:trace contextRef="#ctx0" brushRef="#br0">10795 3638 0,'-93'79'47,"-26"27"-32,66-79-15,-119 79 16,0-1-16,40-12 16,0 13-1,105-80 1,-39 27-16,-13-13 0,66-14 16,-1-26-16</inkml:trace>
+  <inkml:trace contextRef="#ctx0" brushRef="#br0" timeOffset="527.99">9657 3651 0,'53'106'16,"-106"-212"-16,133 239 0,-1-54 15,-13-13-15,0 13 16,-39-39-16,52 13 16,1 0-16,25 26 15,-65-52-15,-27-27 16,14 13-16,-14 13 78,27 1-78,-14-14 16,-13 0-1,1 1-15,12 12 16,1 1-16,-1-1 16</inkml:trace>
+  <inkml:trace contextRef="#ctx0" brushRef="#br0" timeOffset="33166.58">2527 2765 0,'13'0'16,"53"0"-16,-53 0 15,93 0-15,-26 0 16,105 0 0,-119 0-16,304 0 15,239 0-15,105 0 16,-65 0-16,-464 0 15,251-13-15,-92-27 16,-119 14-16,-212 26 16,1 0-16</inkml:trace>
+  <inkml:trace contextRef="#ctx0" brushRef="#br0" timeOffset="72719.71">14592 4061 0,'0'40'0,"0"-13"16,0-1-16,0 40 16,0 0-16,0 0 15,0-39-15,0 26 16,0 0-16,0-27 15,0-13-15,0 1 16,0-1 15,0 0-31,0 14 16,0-14 0,13 13-16,-13-13 203,-40-65-203,14-1 15,13 53-15,-14-27 16,1-13-16,26 27 16,26 53 109,-13-14-110,-13-12-15,27-1 16,-27 0-1,13-13 17,-13 13-32,13-13 15,1 0 1,-1 0 0,0 0-16,40 0 0,-27 0 15,-12 0-15,12-26 16,1-1-1,-14 1-15,0 13 16,13-14-16,-12-12 16,-1 25-16,-13 1 15,-27 13 110,-25 0-109,25 0-16,-52 0 16,39 0-16,14 0 15,-14 0-15,0 0 16,14 0-16</inkml:trace>
+  <inkml:trace contextRef="#ctx0" brushRef="#br0" timeOffset="74759.5">3810 4048 0,'-13'13'31,"13"27"-31,0 13 16,0-27-16,-13 14 15,13 13-15,-14-13 16,14-14-16,0 1 16,0 12-16,-13-12 15,13-14 1,0 0-16,0 14 16,0-14-16,0 0 15,0 0 1,0 1 78,-13-14 249,0-27-343,-1 1 16,1-1-16,13 14 16,0-27-16,0 27 15,-13-13-15,13 39 141,40 27-141,-27-27 15,0 13 1,0 1 0,1-14-1,-14 0 1,26-13 31,-13-40-32,0 27 1,1 0-16,-14 0 16,13-14-16,0 1 15,-13 13 79,-26 26-78,-14-13-1,27 13-15,-14 0 16,-12-13-16</inkml:trace>
+  <inkml:trace contextRef="#ctx0" brushRef="#br0" timeOffset="104345.9">13573 4842 0,'106'-13'375,"-40"13"-375,93 13 16,-27 0-16,27-13 15,-80 0-15,-26 13 16,79 1-16,-12-1 15,-28 0-15,-65-13 16,-1 13-16,1-13 16,39 40 296,-13-14-312,-27-26 16,14 40-16,-14-40 15,27 27-15,-40-27 16,14 0-16,-14 0 16</inkml:trace>
+  <inkml:trace contextRef="#ctx0" brushRef="#br0" timeOffset="113987.96">15756 4895 0,'0'-13'47,"0"-1"0,0 1-31,-27 0 15,27 0 0,-13-1-15,-13 14-16,13 0 15,-1 0-15,1 0 16,0 0 0,0 0-1,-1 14 1,14-1 0,0 0-16,-13 0 15,13 1-15,-13 38 16,0-25-16,13-14 15,0 0-15,0 1 16,0 12-16,0 1 16,0-1-1,0-13-15,0 14 16,13-14-16,-13 13 16,13-26-16,0 14 15,1-1 16,12 0 1,1-13 77,12 0-93,-26-13-16</inkml:trace>
+  <inkml:trace contextRef="#ctx0" brushRef="#br0" timeOffset="114850.21">15782 5027 0,'-13'0'62,"0"0"16,0 0-62,13 27-16,0-14 16,0 0-1,0 0-15,0 27 16,0-27-16,13-13 15,0 27-15,14-14 16,12 13-16,-39-12 16,14-1-1,-1-13 32,-13-27-31,0 14-16,0-27 15,0 14-15,0 13 16,0-1-16,0 1 16,0 0 62</inkml:trace>
+  <inkml:trace contextRef="#ctx0" brushRef="#br0" timeOffset="115277.21">15968 4855 0,'0'27'15,"0"-1"-15,0 27 16,0 0-16,0-13 16,0 12-16,0-25 15,0-1-15,0 14 16,13-27-16,-13 1 31</inkml:trace>
+  <inkml:trace contextRef="#ctx0" brushRef="#br0" timeOffset="115610.47">16113 4776 0,'0'106'0,"0"52"32,0-131-17,0-1 1,0 14-16</inkml:trace>
+  <inkml:trace contextRef="#ctx0" brushRef="#br0" timeOffset="116369.91">16245 5080 0,'14'0'15,"12"0"1,-13 0 15,1 0-31,-1 0 16,-13-13 15,0-14-15,0 14-1,0 0 1,0 0 15,-13 13 0,-14 0-31,1 0 16,-14 26-16,0 14 16,14-27-16,26 0 15,-40 14-15,14-1 16,26-13 15,0 1-31,0-1 16,0 27-1,26-27 1,1 13-16,-1-26 16,-13 13-1,14 14 1,-1-27-1,-26-13 1</inkml:trace>
+  <inkml:trace contextRef="#ctx0" brushRef="#br0" timeOffset="117642.48">12806 4643 0</inkml:trace>
+  <inkml:trace contextRef="#ctx0" brushRef="#br0" timeOffset="-109177.77">11126 10874 0,'0'27'15,"0"52"-15,-13 67 16,13 12-16,0-52 15,0-26-15,0 118 16,0-13-16,0 1 16,0-120-1,-27 132-15,14-26 16,-14-40-16,27-79 16,0 0-16,-13 27 15,13-27 1,0 13-16,0-40 0,0 27 15,0 26-15,0-39 16,0 0 0,0-14-16,0-13 15,0 1-15,0-1 16</inkml:trace>
+  <inkml:trace contextRef="#ctx0" brushRef="#br0" timeOffset="-108066.28">11179 10914 0,'0'-13'31,"39"13"-15,-12 0-16,39 0 15,0 0-15,27-13 16,-54 13-16,41 0 16,65-14-16,14 1 15,0 13-15,-93 0 16,93 0 0,-14 0-16,1 0 0,-107 0 15,41 0 1,-27 0-16,-40 0 15,0 0-15,-13 53 79,0 40-79,0-27 15,0 40-15,0 13 16,0-40-16,0 53 15,0 14-15,0-54 16,0-25-16,0 78 16,0 14-16,0 0 15,0-27 1,0-79-16,0 132 0,0-26 16,0-40-16,0-79 15,0 65-15,0-52 16,0-13-16,0-14 15,0 27-15,0-39 16</inkml:trace>
+  <inkml:trace contextRef="#ctx0" brushRef="#br0" timeOffset="-107355.98">10967 13216 0,'0'-13'47,"53"13"-31,-13 0-16,39 0 15,66 0-15,27 0 16,-66 0-16,106 0 16,39 0-1,14 0-15,-80 0 0,-119 0 16,67 0-16,-28 0 16,-78 0-16,-14 0 15,0 0-15,1 0 16</inkml:trace>
+  <inkml:trace contextRef="#ctx0" brushRef="#br0" timeOffset="-105209.25">13097 12039 0,'13'0'110,"66"0"-95,-52 0 1,52 0-16,14 0 16,13 0-16,-53 0 15,53 0-15,-1 0 16,-12 0-16,0 0 16,-54 0-16,160 39 15,-120-39 1,-52 0-16,39 0 15,26 0-15,-52 27 16,-27-27-16,67 13 16,-67-13 15,0 0 141,-13-27-157,-13 27 1,0-13-16,-14 0 16,27 0-16,-13 0 15,0-1 1,39 14 156,1 0-172,12 14 15,-26-1-15,40 0 0,-26 40 16,-1-40 0,-12-13-16,-14 13 31,-53 40 63,26-39-79,14-14-15,0 0 0,-1 0 16,1 13 0,0-13-16,0 13 31,0-13 78,-1-40-93,14 1-1,-13-28-15,13 54 16,-13-13-16,13 13 16,0-1-16</inkml:trace>
+  <inkml:trace contextRef="#ctx0" brushRef="#br0" timeOffset="-51116.44">5543 6138 0,'0'14'172,"26"-14"-157,1 0 1,-1 0-16,27 0 15,-13 0-15,39 0 16,14-14-16,39 1 16,14 13-16,-80 0 15,79 0-15,27 0 16,27 0-16,-93 0 16,132 0-16,-26 0 15,-14 0-15,-132 0 16,80 0-16,-41 0 15,-78 0 1</inkml:trace>
+  <inkml:trace contextRef="#ctx0" brushRef="#br0" timeOffset="-11701.96">10120 3625 0</inkml:trace>
 </inkml:ink>
 </file>
 
@@ -619,38 +599,26 @@
     <inkml:context xml:id="ctx0">
       <inkml:inkSource xml:id="inkSrc0">
         <inkml:traceFormat>
-          <inkml:channel name="X" type="integer" max="3360" units="cm"/>
-          <inkml:channel name="Y" type="integer" max="1872" units="cm"/>
+          <inkml:channel name="X" type="integer" max="5120" units="cm"/>
+          <inkml:channel name="Y" type="integer" max="1800" units="cm"/>
           <inkml:channel name="T" type="integer" max="2.14748E9" units="dev"/>
         </inkml:traceFormat>
         <inkml:channelProperties>
-          <inkml:channelProperty channel="X" name="resolution" value="114.28571" units="1/cm"/>
-          <inkml:channelProperty channel="Y" name="resolution" value="112.77109" units="1/cm"/>
+          <inkml:channelProperty channel="X" name="resolution" value="174.14966" units="1/cm"/>
+          <inkml:channelProperty channel="Y" name="resolution" value="109.09091" units="1/cm"/>
           <inkml:channelProperty channel="T" name="resolution" value="1" units="1/dev"/>
         </inkml:channelProperties>
       </inkml:inkSource>
-      <inkml:timestamp xml:id="ts0" timeString="2020-09-22T18:11:55.054"/>
+      <inkml:timestamp xml:id="ts0" timeString="2021-10-07T02:16:37.692"/>
     </inkml:context>
     <inkml:brush xml:id="br0">
       <inkml:brushProperty name="width" value="0.05292" units="cm"/>
       <inkml:brushProperty name="height" value="0.05292" units="cm"/>
-      <inkml:brushProperty name="color" value="#C00000"/>
+      <inkml:brushProperty name="color" value="#00B050"/>
     </inkml:brush>
   </inkml:definitions>
-  <inkml:trace contextRef="#ctx0" brushRef="#br0">9072 8289 0,'0'0'0,"0"0"0,0 0 0,98-23 15,-75 23-15,-1-8 16,16 8-16,8-8 16,6 1-16,1-1 15,0 1 1,-7-1-16,7 0 16,15 1-16,0-1 15,0 0 1,-15 1-16,-16-1 15,1 0-15,8 1 16,7-1-16,15 1 16,0-9-1,-8 9-15,-7-1 16,0 0-16,0 1 16,7-8-1,8 7-15,-15 0 16,-7 1-16,-9 7 15,1 0-15,8-8 16,7 8 0,-8 8-16,8-1 15,-8-7-15,0 8 16,-7 0-16,0-1 16,7 1-1,1-1-15,-8 1 16,7 0-16,0-1 15,-7 1-15,-8 0 16,1-1 0,-1 1-16,15-1 15,1-7-15,6 0 16,1 0 0,0 0-16,0 0 15,-7 0-15,-1 0 16,8 0-1,0-7-15,0 7 16,0 0-16,-8 0 16,-7 0-16,0 0 15,7 0 1,0 0-16,8-8 16,-7 8-16,-1 0 15,-7 0-15,0 0 16,-1 0-1,-6 0-15,-9 0 16,1 0-16,0 0 16,-1-7-16,-7 7 15,1 0 1,-1 0-16,0 0 16,-8 0-16,1 0 15,-1 0 1,1 0-16,0 0 15,-8 0-15,7 0 16,-7 0 0,8 0-16,-8 0 15,0 0-15,0 0 16,0 0-16,7 0 16,-7 0-1,0 0-15,0 0 16,8 0-16,-1 0 15,1 0-15,7 0 16,0 0 0,-15 0-16</inkml:trace>
-  <inkml:trace contextRef="#ctx0" brushRef="#br0" timeOffset="2935.86">13426 8357 0,'0'0'0,"0"0"16,0 0-16,0 0 16,8 0-1,-1 0-15,8 0 16,1 0-16,-1 0 16,-8 0-1,1 0-15,7 0 16,-7 0-16,7 0 15,0 0-15,7 0 16,9 0 0,14 0-16,0 8 15,1 0-15,-1-8 16,0 0-16,-7 0 16,8-8-1,14 0-15,8 1 16,0-1-16,-15 0 15,-15 1 1,7-1-16,23 0 16,0 8-16,0 0 15,-15 0 1,0 0-16,-15 0 16,7 0-16,1 0 15,-1 8 1,0-8-16,8 0 15,-7 0-15,-8 0 16,-8 0-16,8 0 16,7 0-16,8 0 15,0 0 1,0 0-16,0 0 16,0 0-16,-1 0 15,16 0 1,1 0-16,-9 0 15,0 0-15,-14 0 16,7 0 0,15 0-16,0 0 15,7 0-15,1 0 16,-8 0-16,15 0 16,0 0-1,-7 0-15,-23 0 16,15 0-16,8 0 15,7 0 1,0 0-16,-8-8 16,9 1-16,-1 7 15,0 0-15,-15 0 16,-15 0 0,22 0-16,1 0 15,-8 0-15,-15 0 16,0 0-16,-8 0 15,1 0 1,-1 0-16,0 0 16,-7 7-16,0-7 15,-8 0 1,0 0-16,-7 0 16,0 0-16,-8 0 15,0 0 1,-7 0-16,-1 0 15,-7 0-15,0 0 16,0 0-16,0 0 16,0 0-1,0 0-15,0 0 16,0 0-16,0 0 16,0 0-16,0 0 15</inkml:trace>
-  <inkml:trace contextRef="#ctx0" brushRef="#br0" timeOffset="-126937.71">11718 8640 0,'0'0'0,"0"0"15,0 0-15,0 0 0,0 0 16,0 0-16,0 0 15,7 15 1,-7 0-16,0 8 16,0 0-16,0 0 15,0 7-15,0-7 16,-7 0 0,-1 0-16,1 8 15,-1-1-15,8 1 16,0 7-1,0 0-15,0 0 16,-8 0-16,1 0 16,-1-7-16,1 0 15,-1-1 1,1-7-16,-1 0 16,1 0-16,-1 0 15,0 0 1,1-1-16,-1 1 15,1-7-15,-1 7 16,1-8-16,7-8 16,0 1-1,0 0-15,0-1 16,0-7-16,0 0 16,0 0-16,0 0 15</inkml:trace>
-  <inkml:trace contextRef="#ctx0" brushRef="#br0" timeOffset="-126189.68">11551 8731 0,'0'0'16,"0"0"-16,0 0 15,-7 8-15,-1 0 16,1-1-16,-8 8 16,7-7-1,0 0-15,1-1 16,-1 1-16,8-8 16,0 0-16,0 0 15,0 0 1,0 0-16,0 0 15,15-8-15,8-7 16,0-8 0,-8 8-16,0 0 15,0-1-15,0 1 16,0 7-16,-7 1 16,0-1-1,-1 1-15,1 7 16,-1 0-16,1 7 15,-1 1 1,8 7-16,1 0 16,-1 8-16,-8-7 15,1-1-15,-1-8 16,1 1 0,0 0-16,-8-1 15,0 1-15,0-8 16,0 0-1,0 0-15,0 0 16,0 0-16,-8 8 16,0-8-16,1 0 15,-1 0-15,1 0 16,-8 0 0,-8 0-16,23 0 15</inkml:trace>
-  <inkml:trace contextRef="#ctx0" brushRef="#br0" timeOffset="-124031.42">11824 9617 0,'0'0'0,"0"0"15,0 0-15,0 0 16,15 7 0,0 1-16,7-1 15,1 1-15,7 0 16,8-1 0,0 1-16,-8-8 15,0 0-15,16 0 16,14 0-16,8 0 15,8 0 1,-16 0-16,1-8 16,22 1-16,-15-1 15,15 0-15,-30 8 16,0-7 0,15-1-16,46 8 15,-39-7-15,-22-1 16,8 0-16,7 1 15,45-1 1,-30 0-16,-30 1 16,15-1-16,15 1 15,16-9 1,-24 9-16,-7-1 16,15 0-16,0 1 15,1-1 1,-16 0-16,-15 1 15,22-1-15,16 1 16,0-1-16,-8 8 16,7 0-1,16-8-15,-7 8 16,-31-7-16,30-1 16,8 0-1,-8 1-15,-15-1 16,8 8-16,0-7 15,-8-1-15,-23 8 16,8 0 0,8 8-16,7-1 15,-7 1-15,-1-1 16,1 9 0,-1-9-16,1 1 15,-8 0-15,-23-1 16,1-7-1,7 0-15,0 0 16,-8 0-16,0 0 16,-7 0-16,-8-7 15,-7 7 1,0-8-16,-8 8 16,0 0-16,-7 0 15,-1-8-15,1 1 16,-1-1-1,1 0-15,-1 1 16,1-1-16,-1 1 16,1-1-1,0 0-15,-1 1 16,-7-1-16,8 0 16,-8-7-16,0 0 15,0-8 1,0-8-16,0-7 15,0-8-15,0 1 16,0 6 0,0 1-16,0 0 15,0 8-15,0-1 16,0-7-16,0 0 16,0 0-1,0-1-15,0 9 16,0 7-16,0 0 15,0 8-15,0 0 16,0-1 0,0 9-16,0-1 15,0 0-15,0 1 16,0 7 0,0 0-16,0 0 15,0 0-15,0 0 16,0 0-16,0 0 15,0 0 1,0 0-16,0 0 16,-8 0-16,1 0 15,-9 0 1,1 0-16,8 0 16,-1 0-16,1 0 15,-1 0-15,8 0 16,0 0-1,0 0-15,0 0 16,0 0-16,0 0 16,0 0-1,0 0-15,0 0 16,0 0-16,0 0 16,0 0-16,0 0 15,0 0 1,0 23-16,8 0 15,-8 0-15,7-1 16,-7 1 0,0-7-16,0-9 15,0 1-15,0-8 16,0 7-16,0-7 16,0 0-1,0 0-15,-30 8 16,-46 7-16,76-15 15</inkml:trace>
-  <inkml:trace contextRef="#ctx0" brushRef="#br0" timeOffset="-122723.98">11824 9197 0,'0'0'0,"0"0"15,0 0-15,0 0 16,0 7-16,0 9 16,0-1-1,0 0-15,0 8 16,0 0-16,0 0 16,0 0-1,0 7-15,0 9 16,0-1-16,0 0 15,7-8-15,1-7 16,-1 0 0,-7-8-16,8 1 15,-8-9-15,0 1 16,0 0-16,0-1 16,0-7-1,0 0-15,0 0 16,0 0-16,0 0 15,7 8-15,-7-8 16,8 7 0,-1-7-16,9 0 15,6 0-15,1 0 16,7 0 0,8 0-16,-8 0 15,0 8-15,16 0 16,14-1-1,16 1-15,7 0 16,-15-1-16,0 1 16,15 0-16,-15 7 15,-68-15 1</inkml:trace>
-  <inkml:trace contextRef="#ctx0" brushRef="#br0" timeOffset="-65283.16">11551 6701 0,'0'0'0,"0"0"0,0 0 0,129-8 0,-76 1 16,0 7-16,-8 0 15,0 0 1,1 0-16,-8 0 16,-16 0-16,-7 0 15,-15 0 1,0 0-16,0 0 15</inkml:trace>
-  <inkml:trace contextRef="#ctx0" brushRef="#br0" timeOffset="-64816.1">11740 6831 0,'0'0'0,"0"0"16,0 0-1,0 15-15,8 8 16,0 8-16,-1 7 16,1-8-1,-1-7-15,1 0 16,-1 0-16,-7-8 16,0 0-16,0 1 15,0-9 1,0 1-16,0 0 15,-7 7-15,-1-8 16,1 1 0,-1 0-16,1-1 15,7-7-15,0 0 16,0 0-16,0 0 16,0 0-1,0 0-15,7 8 16,16 0-16,15-1 15,7 1 1,-7-8-16,-8 0 16,-7 0-16,-8 0 15,0 0-15,-8 0 16,1 0 0,0 0-16,-8 0 15</inkml:trace>
-  <inkml:trace contextRef="#ctx0" brushRef="#br0" timeOffset="-64230.67">12481 6541 0,'0'0'15,"0"0"1,0 0-16,0 0 16,0 7-16,-7 16 15,-1 15-15,1 1 16,-9 6 0,9 1-16,-1 8 15,1-9-15,-1-6 16,1-16-16,7-8 15,-8 0 1,8-7-16,-7-1 16,7-7-16,0 0 15,0 0 1,-8-7-16,0-9 16,8-6-16,0-1 15,8-8 1,7 8-16,8 0 15,-1 0-15,9 8 16,-1 0-16,8 7 16,0 16-1,7 0-15,-7 7 16,-1 8-16,-14 0 16,-8-1-16,-7 1 15,-8 16 1,-15-1-16,-16 0 15,-14 0-15,-8-7 16,0-1-16,-15 1 16,-7 7-1,75-38-15</inkml:trace>
-  <inkml:trace contextRef="#ctx0" brushRef="#br0" timeOffset="-62264.01">14129 6625 0,'0'0'15,"0"0"-15,0 0 16,0 0 0,15 0-16,8 0 15,15 0-15,15 0 16,30 0-16,23 0 16,-23-8-1,-15 8-15,-8 0 16,-14 0-16,-1 0 15,-22 0-15,-23 0 16</inkml:trace>
-  <inkml:trace contextRef="#ctx0" brushRef="#br0" timeOffset="-61910.48">14469 6625 0,'0'0'0,"0"0"16,0 0 0,0 0-16,0 0 15,0 0-15,0 0 16,0 15-16,8 0 15,0 8 1,-1 8-16,1-1 16,7 8-16,0 1 15,0-9 1,0 1-16,-7-8 16,-1-8-16,-7 0 15,-7 0-15,-16 1 16,23-16-1</inkml:trace>
-  <inkml:trace contextRef="#ctx0" brushRef="#br0" timeOffset="-61714.9">14651 7037 0,'0'0'0,"0"0"16,0 0-16,7 8 16,1-1-16,-8-7 15,0 0 1,0 0-16</inkml:trace>
-  <inkml:trace contextRef="#ctx0" brushRef="#br0" timeOffset="-61308.22">15097 6594 0,'0'0'0,"0"0"15,0 0 1,0 0-16,0 0 16,0 0-16,0 0 15,0 0-15,8 8 16,-1 7-1,8 16-15,0 14 16,0 24-16,1 0 16,-9 0-1,1-24-15,-8-14 16,0-8-16,0-16 16,0-7-1,0 0-15</inkml:trace>
-  <inkml:trace contextRef="#ctx0" brushRef="#br0" timeOffset="-60822.49">15089 6594 0,'0'0'16,"0"0"-16,0 0 16,0 0-16,0 0 15,0 0 1,8-7-16,7-1 15,15-7-15,1-1 16,6 1 0,1 0-16,0 7 15,0 8-15,0 8 16,7 15 0,0 7-16,-7 8 15,-8 1-15,-7-9 16,-8 1-16,-7-8 15,-8 7 1,0-7-16,-8 8 16,-7-9-16,0 1 15,0-7 1,0-1-16,-8 8 16,23-23-16</inkml:trace>
+  <inkml:trace contextRef="#ctx0" brushRef="#br0">3757 8043 0,'66'0'94,"0"0"-94,80 0 16,-14 0-16,27 0 15,-133 0-15,133 0 16,106 0-16,65 0 16,-250 0-1,118 0-15,-39 0 0,-80 14 16,-65-14 0,-1 0 249,-26-53-265,-1-40 16,1 0-16,0-12 15,13 65-15,-13-66 16,-1-13 0,14 13-16,0 66 15,0-39-15,0 0 16,0 39-16,0-39 16,0 65-16,0-25 15,0 26 1,-13-1 109,-79 14-125,65 0 15,-65 40-15,-14-14 16,-40-12-16,67-14 16,-53 0-16,-27 0 15,0 0-15,40 0 16,66 0-16,-79 0 16,79 0-16,-40 0 15,80 0 1,-13 0-1,12 0 48,-12 0-63,13 0 16,-40 13-16,26-13 15,1 13-15,13-13 16,-14 0-16,-26 0 15,27 0-15,-1 0 16,14 0-16,0 0 16,0 13 140,13 40-140,0-26-16,0 26 15,0-27-15,0 40 16,0 27-16,13-67 15,0 54-15,-13-41 16,13 28-16,1-67 16,-1 26-16,26 0 15,-39 1-15,14-14 16</inkml:trace>
+  <inkml:trace contextRef="#ctx0" brushRef="#br0" timeOffset="26162.69">8983 8321 0,'13'0'297,"66"0"-297,-52 0 16,79 0-16,13 0 15,-27-13-15,-52 13 16,66-13-16,26-1 15,-13 14-15,-79 0 16,66 0 0,-1-26-16,28 0 15,-41 26-15,-52 0 16,66-14-16,53 1 16,-27-13-16,-66 26 15,93 0-15,-14-14 16,-26 1-16,-79 13 15,66 0-15,39-13 16,-65 13-16,-27 0 16,-40 0-16,27 0 15,-27 0-15,40-27 16,-40 27 0,27-13-16,-1 13 15,-25 0-15,25 0 16,14 0-16,27 0 15,-1-13-15,-53 13 16,27 0-16,-13 0 16,-27 0-16</inkml:trace>
 </inkml:ink>
 </file>
 
@@ -660,32 +628,32 @@
     <inkml:context xml:id="ctx0">
       <inkml:inkSource xml:id="inkSrc0">
         <inkml:traceFormat>
-          <inkml:channel name="X" type="integer" max="3360" units="cm"/>
-          <inkml:channel name="Y" type="integer" max="1872" units="cm"/>
+          <inkml:channel name="X" type="integer" max="5120" units="cm"/>
+          <inkml:channel name="Y" type="integer" max="1800" units="cm"/>
           <inkml:channel name="T" type="integer" max="2.14748E9" units="dev"/>
         </inkml:traceFormat>
         <inkml:channelProperties>
-          <inkml:channelProperty channel="X" name="resolution" value="114.28571" units="1/cm"/>
-          <inkml:channelProperty channel="Y" name="resolution" value="112.77109" units="1/cm"/>
+          <inkml:channelProperty channel="X" name="resolution" value="174.14966" units="1/cm"/>
+          <inkml:channelProperty channel="Y" name="resolution" value="109.09091" units="1/cm"/>
           <inkml:channelProperty channel="T" name="resolution" value="1" units="1/dev"/>
         </inkml:channelProperties>
       </inkml:inkSource>
-      <inkml:timestamp xml:id="ts0" timeString="2020-09-22T18:12:31.250"/>
+      <inkml:timestamp xml:id="ts0" timeString="2021-10-08T01:58:57.579"/>
     </inkml:context>
     <inkml:brush xml:id="br0">
       <inkml:brushProperty name="width" value="0.05292" units="cm"/>
       <inkml:brushProperty name="height" value="0.05292" units="cm"/>
-      <inkml:brushProperty name="color" value="#C00000"/>
+      <inkml:brushProperty name="color" value="#FF0000"/>
     </inkml:brush>
   </inkml:definitions>
-  <inkml:trace contextRef="#ctx0" brushRef="#br0">4196 5434 0,'0'0'0,"0"15"16,-8 24-16,1 6 16,-1 16-16,0 23 15,-7 16 1,8-16-16,-1-1 16,1 24-16,7 15 15,0-15-15,0 31 16,0 22-1,0-30-15,-15 38 16,15-54-16,-8 31 16,8 0-16,0-38 15,0 30 1,0-7-16,0-31 16,0 8-16,8 15 15,-1-15 1,1 0-16,-1 30 15,1-30-15,-1 0 16,1 38-16,-1-53 16,-7 15-1,0 38-15,8-39 16,-8 1-16,0 31 16,0-32-1,0-14-15,0 30 16,0-7-16,0-31 15,0 22-15,0 9 16,0-23-16,0-16 16,0 23-1,-8 8-15,8-31 16,0-7-16,-7 0 16,-1 15-1,1-16-15,7-14 16,0-9-16,0-14 15,0 0 1,0-9-16,0 1 16,0 8-16,0-8 15,0-8-15,0 8 16,0 0 0,0-8-16,0 0 15,7-7-15,1 0 16,-1 7-16,1 0 15,0-7 1,-1-1-16,1 9 16,7-1-16,15 0 15,0 0-15,16-7 16,-1 0 0,0-1-16,8 1 15,15 0-15,15-1 16,-7-7-1,0 0-15,-8 0 16,15 0-16,8-7 16,-1-1-1,1 8-15,15 0 16,7 0-16,-30 0 16,16 0-16,14 0 15,-7 0 1,0 0-16,7 8 15,-7-1-15,-23 1 16,-15 0-16,15-1 16,1 1-1,-1-1-15,-15 1 16,0 0-16,15-1 16,-15 1-16,0 0 15,-15-1 1,-15 1-16,-8-1 15,0 1-15,0 0 16,-7-1 0,0 1-16,-8-8 15,0 0-15,0 0 16,-7 0-16,-1 0 16,1 0-1,-1 0-15,9-8 16,-1 1-16,0-9 15,0 1 1,0-23-16,0-8 16,-7-7-16,-1-1 15,1 1-15,-1 7 16,-7 0 0,0-7-16,-7 0 15,-1-16-15,8 8 16,0 0-16,8-8 15,-1-23 1,-7 9-16,8 6 16,-8 8-16,0 1 15,0-1 1,0 0-16,0 16 16,7 7-16,-7 8 15,8 0-15,-8-8 16,8-15-1,-8 0-15,0-8 16,0 16-16,0-8 16,0-16-1,0-6-15,0 14 16,0 8-16,0 0 16,7-8-16,-7 0 15,0 1 1,0 7-16,0 7 15,0 1-15,0-8 16,0-8-16,0-7 16,0 7-1,0 8-15,0-15 16,8-24-16,-8 24 16,0 7-1,0 8-15,0-7 16,0-9-16,0 1 15,0 7-15,0 1 16,0-24-16,0-7 16,0 15-1,0 8-15,7-24 16,1-7-16,-1 31 16,1-8-1,7-30-15,0 7 16,-7 23-16,7-8 15,0-22 1,0 7-16,0 8 16,0-8-16,0 0 15,1 15 1,-9-7-16,1-8 16,-1 16-16,1 22 15,-1-7-15,-7-8 16,0 0-16,0 15 15,0 16 1,-7-1-16,-1 1 16,1 7-16,-1 0 15,1 16 1,-9-1-16,9 8 16,-8 0-16,0 8 15,0 0-15,-1 7 16,1 1-1,-7-1-15,-9 0 16,-6 8-16,-9 0 16,1 8-16,7 0 15,-7 7 1,-8 0-16,-8 0 16,-7 1-16,-7-1 15,-1 0 1,-7-7-16,0 7 15,-16 0-15,31 1 16,0-9-16,-22 9 16,-16-1-1,8-8-15,-1-7 16,-14 8-16,0 0 16,14-1-1,-22 9-15,0-9 16,0 1-16,-15 7 15,15-7-15,23-1 16,-38 9 0,15-9-16,-15-7 15,-8 8-15,31 0 16,-23 7-16,-8 8 16,31 0-1,-46 7-15,0 1 16</inkml:trace>
-  <inkml:trace contextRef="#ctx0" brushRef="#br0" timeOffset="18150.33">19792 6060 0,'0'0'0,"0"0"15,0 0 1,15 0-16,15 0 15,15-8-15,1 1 16,-1-1 0,8 0-16,30 1 15,23-1-15,-15 1 16,15 7-16,-1 0 16,1 7-1,-23 1-15,23 7 16,38 0-16,-23-7 15,15 0 1,-23-1-16,-30 1 16,23 0-16,8-8 15,-16 7 1,-15 1-16,-7-1 16,7 1-16,-15 0 15,-23-1-15,-15-7 16,-7 0-1,0 0-15,-8 0 16,-7 0-16,-1 0 16,1-7-16,-1-1 15,1 0 1,-1-7-16,1 0 16,-1-8-16,-7-8 15,8-22 1,-8-16-16,8 8 15,-8 0-15,7 8 16,1-24 0,-1 9-16,1-1 15,-8 23-15,0 8 16,0 8-16,0 7 16,0-8-1,0 8-15,-8 0 16,8 0-16,-7 1 15,7 6 1,-8 1-16,1 7 16,-9 1-16,-6-1 15,-8 1-15,-16-1 16,-7 0 0,-7 1-16,-8-1 15,-15 8-15,-16 0 16,9 8-16,-9-1 15,-37 9 1,-7-1-16,-1 0 16,-15 0-16,61-15 15,-31 0 1,8 0-16,-7 0 16,-1-7-16,8 7 15,31 0 1,-16 15-16,-8 0 15,114-15-15</inkml:trace>
-  <inkml:trace contextRef="#ctx0" brushRef="#br0" timeOffset="19435.2">20207 5457 0,'0'0'0,"0"0"15,0 0 1,0 0-16,0 0 16,8 8-16,0 7 15,-1 15-15,1 9 16,-1-1 0,1 15-16,-1 1 15,8 7-15,1-16 16,-1-6-16,0-9 15,0-15 1,0 1-16,0-9 16,0 1-16,0-8 15,8-15 1,7-16-16,-7-15 16,0 1-16,-8 6 15,0-6 1,0-1-16,0 0 15,0 8-15,-7 7 16,-1 1-16,1 15 16,-8 15-1</inkml:trace>
-  <inkml:trace contextRef="#ctx0" brushRef="#br0" timeOffset="19799.34">20805 5770 0,'0'0'15,"0"0"1,0 0-16,0 0 15,0 0-15,0-8 16,0 8-16,7-7 16,-7 7-1,0 0-15,0 0 16,0 0-16,8 7 16,-1 9-16,1-1 15,-1 8 1,-7-8-16,0-7 15,0-1-15,0-7 16,0 0 0</inkml:trace>
-  <inkml:trace contextRef="#ctx0" brushRef="#br0" timeOffset="20176.84">21054 5671 0,'0'0'15,"0"0"-15,0 7 16,8 24-16,7 22 16,0 1-1,0-8-15,-7-1 16,-1-14-16,1-8 15,-1-8 1,1 0-16,-8-7 16,0-8-16,0 0 15,0 0-15,0 0 16,0 0 0,0 0-16,7-8 15,1 1-15,-1-9 16,1 1-1,7-15-15,0 7 16,-7 0-16,-8 23 16</inkml:trace>
-  <inkml:trace contextRef="#ctx0" brushRef="#br0" timeOffset="20571.84">21553 5961 0,'0'0'16,"0"0"-16,0 0 16,8 0-16,-1 0 15,8 0-15,0 0 16,-7 0-1,0-8-15,-1 0 16,1-7-16,-1 0 16,-7 0-1,0-1-15,0 9 16,-7-1-16,7 8 16,-8 0-16,-7 8 15,0 7 1,0 0-16,0 8 15,-1 0-15,9-8 16,-1 1 0,8-16-16,0 0 15,0 0-15</inkml:trace>
-  <inkml:trace contextRef="#ctx0" brushRef="#br0" timeOffset="20789.21">21719 6205 0,'0'0'16,"0"0"-16,8-8 16,-1-7-1,1 0-15,7-8 16,0-8-16,0 9 15,1-1-15,-16 23 16</inkml:trace>
-  <inkml:trace contextRef="#ctx0" brushRef="#br0" timeOffset="20985.25">22067 6121 0,'0'0'16,"0"0"-16,0 0 15</inkml:trace>
+  <inkml:trace contextRef="#ctx0" brushRef="#br0">5940 7197 0,'0'0'0,"0"26"0,0 1 16,0 52-16,0 14 15,0-54-15,0 41 16,0 39-16,0-27 16,0 14-16,0-53 15,0 53-15,0 0 16,0-53-16,0-27 16,0 40-16,0-39 15,0 12-15,0 1 16,0-27-1,0 1-15,40-14 282,26 0-282,40 0 15,26 0-15,-92 0 16,39 0-16,80 0 16,26 0-16,13 0 15,-105 0 1,119 0-16,-40 0 15,26 0-15,-132 0 16,106 0-16,0 0 16,-26 0-16,-80 0 15,79 0-15,-26 0 16,40 0-16,-80 0 16,54 0-16,12 0 15,14 0-15,0 0 16,-106 0-16,66 0 15,40 0-15,-14 0 16,-92 0 0,225 0-1,-119 0-15,-107 0 0,107 0 16,0 0-16,0 0 16,-14 0-16,-79 0 15,53 0-15,27 0 16,-40 0-16,-67 0 15,67 0-15,0 0 16,26 0-16,-79 0 16,66 0-16,-13 0 15,27 0-15,-94 0 16,54 0-16,13 0 16,13 0-1,13-14-15,-92 14 16,79-39-16,40 25 15,-14 14-15,-92-13 16,92 0-16,-25 0 16,38-1-16,-25 1 15,-81 13-15,68-13 16,25 0-16,1-14 16,-93 27-16,79 0 15,0-13-15,27 0 16,-93 0-16,93 13 15,-40-27-15,79 14 32,-52 0-32,-14-14 15,14 27-15,-1 0 0,-79 0 16,93 0-16,13 0 16,-13 0-16,-80 0 15,106 0-15,-13 0 16,-13 0-16,-80 0 15,80 0 1,0 0-16,0 0 16,-1 0-16,-91 0 15,105 0-15,26 0 16,-13 0-16,-92 0 16,66 0-16,13 0 15,-14 0-15,-105 0 16,119 0-16,-13 0 15,0 0-15,-80 0 16,53 0-16,27 0 16,0 0-16,-27 0 15,-79 0-15,79 0 16,-26 0-16,0 0 16,-66 0-16,-14 0 15,54 0-15,-54 0 16,14 0-16,-14 0 15,1 0 1,12-13-16,-12 13 16,-14-26 93,-13-27-109,13 26 16,-13-39-1,13 13-15,1-13 16,-14 0-16,0 53 16,26-54-16,-26-12 15,0 39-15,0 14 16,0-40-16,0-14 15,0 27-15,0 14 16,0 26-16,0-54 16,13 28-16,-13-14 15,0 40-15,0-1 16,0-25-16,0 25 16,0 1-16,0 0 15,-26 13 157,-120 26-172,41 1 16,25-14-1,-145 14-15,-13 12 16,-93 1-16,199-27 0,-212 0 16,-132-13-16,79 0 15,40 0-15,238 0 16,-225 0-16,-53 0 15,0 0-15,278 0 16,-265 0-16,-118 0 16,39 0-16,291 0 15,-305 0-15,-131 0 16,26 0-16,158 0 16,292 0-16,-106 0 15,-13 0-15,79 0 16,92 0-16,-78 14 15,-1-14-15,-13 13 16,119-13-16,-119 26 16,-185 1 15,264-27-31,-119 0 0,-39 0 16,-40 0-16,0 0 15,185 0-15,-105 0 16,-1 0-16,-53 0 15,186 0-15,-106 0 16,26 0-16,-13 0 16,40 0-16,66 0 15,-80 0-15,0 0 16,1 0-16,92 0 16,-79 0-16,52 0 15,14 0-15,40 0 16,-27 0-16,-13 0 15,26 0-15,27 0 16,-40 0-16,0 0 16,27 0-16,-27 0 15,26 0-15,1 0 16,-1 0-16,14 0 31,0 0-15,0 0-1,-14 0-15,-13 0 16,14 0-16,13 0 16,-14 0-16,14 0 15,-13 0-15,12 0 16,1 0 15,0 0-15,0 0-1,-14 0-15,1 0 16,-14 0-16,-13 0 16,27 0-16,-27 0 15,-53 0-15,40 0 16,53 0-16,-27 0 16,27 0-16,-27 0 15,27 0-15</inkml:trace>
+  <inkml:trace contextRef="#ctx0" brushRef="#br0" timeOffset="1150.93">8440 7329 0,'0'26'32,"0"14"-17,-13 0-15,13-27 16,0 27-16,0-1 15,-13-12-15,0 13 16,13-14 0,0 0-16,0 14 15,0-13-15,0 12 16,0-12-16,0-14 16,0 0-16,0 0 15</inkml:trace>
+  <inkml:trace contextRef="#ctx0" brushRef="#br0" timeOffset="2719.34">8401 7818 0,'0'14'62,"0"12"-62,0 14 16,0-14-16,0 14 15,0 0-15,0-14 16,0-13 0,0 14-16,0-14 15,0 0-15,0 0 16,79-13 234,14-52-250,-14 25 15,80-39-15,-14 0 16,-13-14-16,-52 41 16,65-14-16,-52 26 15,13 1-15,-67-1 16,1 27 0,0 0-1,-27 0-15,14 0 0,-1 0 16,0 0-16,-12 0 15,-1 0-15,-26 14 157,-14-14-142,1 0 1,13 0-16,-40 13 16,26-13-16,-13 0 15,27 13-15,-26-13 16,12 0-16,1 0 15,12 0-15,1 0 16,0 0-16,-14-40 16,1 1-16,26 26 15,-13-14-15,-14-13 16,27 27 0,-13-27-16,0 1 15,13-1-15,0-13 16,-13 13-1,13 27-15,0-13 16,0 13-16,-14 13 156,1 92-156,0-12 16,0 52-16,0-92 16,-1 52-16,1-39 15,0 40-15,13-40 16,-27 13-16,-12 0 15,25-13-15,1-27 16,13 1-16,0-14 16,-13-13-1</inkml:trace>
+  <inkml:trace contextRef="#ctx0" brushRef="#br0" timeOffset="139525.26">15597 8321 0,'-13'0'156,"-13"0"-140,12 0-16,1 0 15,-13 0-15,-1 13 16,-26 14-16,27-14 16,-27 27-16,53-14 15,-13-26-15,13 27 16,0 12-16,0-12 15,0-14-15,0 40 16,0-27-16,13 14 16,0-27-16,0 14 15,14-14-15,-14 0 16,0 0 0,14 1-1,-27-1-15,13-13 31,13-13 79,1-1-95,-1 1-15</inkml:trace>
+  <inkml:trace contextRef="#ctx0" brushRef="#br0" timeOffset="142977.72">15624 8493 0,'-14'0'141,"-12"27"-141,0-14 16,26 0-16,-27 0 15,14 27-15,13-14 16,0-12-16,0-1 15,0 13-15,0-12 16,0-1 0,0 0-16,13-13 31,0 0-15,14 0 15,-14-26 0,-13 12-15,0-12-16,0 13 15,0-14 1,0 14-16,0 0 16,-13-14-16,13 14 15,-27-13 1,27 12-1</inkml:trace>
+  <inkml:trace contextRef="#ctx0" brushRef="#br0" timeOffset="143438.76">15677 8334 0,'13'0'46,"0"67"-46,-13-54 16,13 26-16,0 28 16,27-28-16,-40 1 15,0-27 1,0 27-16,0-14 0,0 1 16,0-14-16,0 0 15,0 14 1</inkml:trace>
+  <inkml:trace contextRef="#ctx0" brushRef="#br0" timeOffset="143839">15849 8334 0,'13'53'32,"13"40"-17,-26-53-15,0 12 16,27 41-16,-1-14 16,-26-52-1,27-1-15,-27 1 16,0-14-1</inkml:trace>
+  <inkml:trace contextRef="#ctx0" brushRef="#br0" timeOffset="144607.37">16034 8771 0,'13'0'94,"0"0"-63,14 0-16,-14 0 1,-13-27-16,13 14 16,-13 0-16,0-13 15,0-14-15,0 0 16,0 27-16,0-27 16,0 27-16,0-13 15,0-14 1,-26 40-16,-1 26 47,-12 14-32,-14 39-15,39-52 16,-39 52-16,27-39 16,26 26-16,-13-53 15,0 40 1,13-26-16,0-1 15,0 1-15,0-1 16,13-13 0,13 1-1,-13-14-15,27 0 16,0 0 0,0-14-16,26 1 15,-40-27-15,-13 27 16,1 0-16</inkml:trace>
 </inkml:ink>
 </file>
 
@@ -3984,7 +3952,7 @@
           <a:p>
             <a:fld id="{00DBF6A6-50B5-43C4-86A5-B2443BF00A40}" type="datetimeFigureOut">
               <a:rPr lang="en-US" smtClean="0"/>
-              <a:t>9/22/2020</a:t>
+              <a:t>10/7/2021</a:t>
             </a:fld>
             <a:endParaRPr lang="en-US"/>
           </a:p>
@@ -6516,14 +6484,14 @@
           </a:p>
         </p:txBody>
       </p:sp>
-      <mc:AlternateContent xmlns:mc="http://schemas.openxmlformats.org/markup-compatibility/2006">
-        <mc:Choice xmlns:p14="http://schemas.microsoft.com/office/powerpoint/2010/main" Requires="p14">
+      <mc:AlternateContent xmlns:mc="http://schemas.openxmlformats.org/markup-compatibility/2006" xmlns:p14="http://schemas.microsoft.com/office/powerpoint/2010/main">
+        <mc:Choice Requires="p14">
           <p:contentPart p14:bwMode="auto" r:id="rId2">
             <p14:nvContentPartPr>
-              <p14:cNvPr id="5" name="Ink 4">
+              <p14:cNvPr id="6" name="Ink 5">
                 <a:extLst>
                   <a:ext uri="{FF2B5EF4-FFF2-40B4-BE49-F238E27FC236}">
-                    <a16:creationId xmlns:a16="http://schemas.microsoft.com/office/drawing/2014/main" id="{675F4DB2-0276-49F3-8F20-9FDC219F185B}"/>
+                    <a16:creationId xmlns:a16="http://schemas.microsoft.com/office/drawing/2014/main" id="{0A89FC92-3833-4624-8DE9-74B8602FF386}"/>
                   </a:ext>
                 </a:extLst>
               </p14:cNvPr>
@@ -6531,18 +6499,18 @@
               <p14:nvPr/>
             </p14:nvContentPartPr>
             <p14:xfrm>
-              <a:off x="740160" y="466920"/>
-              <a:ext cx="8159760" cy="3564000"/>
+              <a:off x="1257480" y="1638360"/>
+              <a:ext cx="2824200" cy="776520"/>
             </p14:xfrm>
           </p:contentPart>
         </mc:Choice>
-        <mc:Fallback>
+        <mc:Fallback xmlns="">
           <p:pic>
             <p:nvPicPr>
-              <p:cNvPr id="5" name="Ink 4">
+              <p:cNvPr id="6" name="Ink 5">
                 <a:extLst>
                   <a:ext uri="{FF2B5EF4-FFF2-40B4-BE49-F238E27FC236}">
-                    <a16:creationId xmlns:a16="http://schemas.microsoft.com/office/drawing/2014/main" id="{675F4DB2-0276-49F3-8F20-9FDC219F185B}"/>
+                    <a16:creationId xmlns:a16="http://schemas.microsoft.com/office/drawing/2014/main" id="{0A89FC92-3833-4624-8DE9-74B8602FF386}"/>
                   </a:ext>
                 </a:extLst>
               </p:cNvPr>
@@ -6557,8 +6525,8 @@
             </p:blipFill>
             <p:spPr>
               <a:xfrm>
-                <a:off x="730800" y="457560"/>
-                <a:ext cx="8178480" cy="3582720"/>
+                <a:off x="1248120" y="1629000"/>
+                <a:ext cx="2842920" cy="795240"/>
               </a:xfrm>
               <a:prstGeom prst="rect">
                 <a:avLst/>
@@ -7570,14 +7538,14 @@
           </a:graphicData>
         </a:graphic>
       </p:graphicFrame>
-      <mc:AlternateContent xmlns:mc="http://schemas.openxmlformats.org/markup-compatibility/2006">
-        <mc:Choice xmlns:p14="http://schemas.microsoft.com/office/powerpoint/2010/main" Requires="p14">
+      <mc:AlternateContent xmlns:mc="http://schemas.openxmlformats.org/markup-compatibility/2006" xmlns:p14="http://schemas.microsoft.com/office/powerpoint/2010/main">
+        <mc:Choice Requires="p14">
           <p:contentPart p14:bwMode="auto" r:id="rId2">
             <p14:nvContentPartPr>
-              <p14:cNvPr id="3" name="Ink 2">
+              <p14:cNvPr id="11" name="Ink 10">
                 <a:extLst>
                   <a:ext uri="{FF2B5EF4-FFF2-40B4-BE49-F238E27FC236}">
-                    <a16:creationId xmlns:a16="http://schemas.microsoft.com/office/drawing/2014/main" id="{EB07D9C1-B130-409B-A925-45B351A3057F}"/>
+                    <a16:creationId xmlns:a16="http://schemas.microsoft.com/office/drawing/2014/main" id="{5D737A36-BE0E-460E-8D4A-1A89C4601759}"/>
                   </a:ext>
                 </a:extLst>
               </p14:cNvPr>
@@ -7585,18 +7553,18 @@
               <p14:nvPr/>
             </p14:nvContentPartPr>
             <p14:xfrm>
-              <a:off x="1273680" y="1560600"/>
-              <a:ext cx="5214960" cy="3008880"/>
+              <a:off x="885960" y="1752480"/>
+              <a:ext cx="5610600" cy="2796120"/>
             </p14:xfrm>
           </p:contentPart>
         </mc:Choice>
-        <mc:Fallback>
+        <mc:Fallback xmlns="">
           <p:pic>
             <p:nvPicPr>
-              <p:cNvPr id="3" name="Ink 2">
+              <p:cNvPr id="11" name="Ink 10">
                 <a:extLst>
                   <a:ext uri="{FF2B5EF4-FFF2-40B4-BE49-F238E27FC236}">
-                    <a16:creationId xmlns:a16="http://schemas.microsoft.com/office/drawing/2014/main" id="{EB07D9C1-B130-409B-A925-45B351A3057F}"/>
+                    <a16:creationId xmlns:a16="http://schemas.microsoft.com/office/drawing/2014/main" id="{5D737A36-BE0E-460E-8D4A-1A89C4601759}"/>
                   </a:ext>
                 </a:extLst>
               </p:cNvPr>
@@ -7611,8 +7579,8 @@
             </p:blipFill>
             <p:spPr>
               <a:xfrm>
-                <a:off x="1264320" y="1551240"/>
-                <a:ext cx="5233680" cy="3027600"/>
+                <a:off x="876600" y="1743120"/>
+                <a:ext cx="5629320" cy="2814840"/>
               </a:xfrm>
               <a:prstGeom prst="rect">
                 <a:avLst/>
@@ -7730,6 +7698,57 @@
           </a:p>
         </p:txBody>
       </p:sp>
+      <mc:AlternateContent xmlns:mc="http://schemas.openxmlformats.org/markup-compatibility/2006" xmlns:p14="http://schemas.microsoft.com/office/powerpoint/2010/main">
+        <mc:Choice Requires="p14">
+          <p:contentPart p14:bwMode="auto" r:id="rId2">
+            <p14:nvContentPartPr>
+              <p14:cNvPr id="5" name="Ink 4">
+                <a:extLst>
+                  <a:ext uri="{FF2B5EF4-FFF2-40B4-BE49-F238E27FC236}">
+                    <a16:creationId xmlns:a16="http://schemas.microsoft.com/office/drawing/2014/main" id="{68EAE44B-D469-4A4B-AC89-944A42F3B2C8}"/>
+                  </a:ext>
+                </a:extLst>
+              </p14:cNvPr>
+              <p14:cNvContentPartPr/>
+              <p14:nvPr/>
+            </p14:nvContentPartPr>
+            <p14:xfrm>
+              <a:off x="3286080" y="2414520"/>
+              <a:ext cx="360" cy="360"/>
+            </p14:xfrm>
+          </p:contentPart>
+        </mc:Choice>
+        <mc:Fallback xmlns="">
+          <p:pic>
+            <p:nvPicPr>
+              <p:cNvPr id="5" name="Ink 4">
+                <a:extLst>
+                  <a:ext uri="{FF2B5EF4-FFF2-40B4-BE49-F238E27FC236}">
+                    <a16:creationId xmlns:a16="http://schemas.microsoft.com/office/drawing/2014/main" id="{68EAE44B-D469-4A4B-AC89-944A42F3B2C8}"/>
+                  </a:ext>
+                </a:extLst>
+              </p:cNvPr>
+              <p:cNvPicPr/>
+              <p:nvPr/>
+            </p:nvPicPr>
+            <p:blipFill>
+              <a:blip r:embed="rId3"/>
+              <a:stretch>
+                <a:fillRect/>
+              </a:stretch>
+            </p:blipFill>
+            <p:spPr>
+              <a:xfrm>
+                <a:off x="3276720" y="2405160"/>
+                <a:ext cx="19080" cy="19080"/>
+              </a:xfrm>
+              <a:prstGeom prst="rect">
+                <a:avLst/>
+              </a:prstGeom>
+            </p:spPr>
+          </p:pic>
+        </mc:Fallback>
+      </mc:AlternateContent>
     </p:spTree>
     <p:extLst>
       <p:ext uri="{BB962C8B-B14F-4D97-AF65-F5344CB8AC3E}">
@@ -8169,14 +8188,14 @@
           </a:p>
         </p:txBody>
       </p:sp>
-      <mc:AlternateContent xmlns:mc="http://schemas.openxmlformats.org/markup-compatibility/2006">
-        <mc:Choice xmlns:p14="http://schemas.microsoft.com/office/powerpoint/2010/main" Requires="p14">
+      <mc:AlternateContent xmlns:mc="http://schemas.openxmlformats.org/markup-compatibility/2006" xmlns:p14="http://schemas.microsoft.com/office/powerpoint/2010/main">
+        <mc:Choice Requires="p14">
           <p:contentPart p14:bwMode="auto" r:id="rId2">
             <p14:nvContentPartPr>
-              <p14:cNvPr id="5" name="Ink 4">
+              <p14:cNvPr id="6" name="Ink 5">
                 <a:extLst>
                   <a:ext uri="{FF2B5EF4-FFF2-40B4-BE49-F238E27FC236}">
-                    <a16:creationId xmlns:a16="http://schemas.microsoft.com/office/drawing/2014/main" id="{7F0BBC3B-FCBB-4622-8166-D2FF4403988A}"/>
+                    <a16:creationId xmlns:a16="http://schemas.microsoft.com/office/drawing/2014/main" id="{D6C83086-7CD9-42F5-A2CD-005A98DFAD96}"/>
                   </a:ext>
                 </a:extLst>
               </p14:cNvPr>
@@ -8184,18 +8203,18 @@
               <p14:nvPr/>
             </p14:nvContentPartPr>
             <p14:xfrm>
-              <a:off x="911880" y="887400"/>
-              <a:ext cx="5437800" cy="3451320"/>
+              <a:off x="966960" y="914400"/>
+              <a:ext cx="4438800" cy="3015000"/>
             </p14:xfrm>
           </p:contentPart>
         </mc:Choice>
-        <mc:Fallback>
+        <mc:Fallback xmlns="">
           <p:pic>
             <p:nvPicPr>
-              <p:cNvPr id="5" name="Ink 4">
+              <p:cNvPr id="6" name="Ink 5">
                 <a:extLst>
                   <a:ext uri="{FF2B5EF4-FFF2-40B4-BE49-F238E27FC236}">
-                    <a16:creationId xmlns:a16="http://schemas.microsoft.com/office/drawing/2014/main" id="{7F0BBC3B-FCBB-4622-8166-D2FF4403988A}"/>
+                    <a16:creationId xmlns:a16="http://schemas.microsoft.com/office/drawing/2014/main" id="{D6C83086-7CD9-42F5-A2CD-005A98DFAD96}"/>
                   </a:ext>
                 </a:extLst>
               </p:cNvPr>
@@ -8210,8 +8229,8 @@
             </p:blipFill>
             <p:spPr>
               <a:xfrm>
-                <a:off x="902520" y="878040"/>
-                <a:ext cx="5456520" cy="3470040"/>
+                <a:off x="957600" y="905040"/>
+                <a:ext cx="4457520" cy="3033720"/>
               </a:xfrm>
               <a:prstGeom prst="rect">
                 <a:avLst/>
@@ -8898,14 +8917,14 @@
           </a:p>
         </p:txBody>
       </p:sp>
-      <mc:AlternateContent xmlns:mc="http://schemas.openxmlformats.org/markup-compatibility/2006">
-        <mc:Choice xmlns:p14="http://schemas.microsoft.com/office/powerpoint/2010/main" Requires="p14">
+      <mc:AlternateContent xmlns:mc="http://schemas.openxmlformats.org/markup-compatibility/2006" xmlns:p14="http://schemas.microsoft.com/office/powerpoint/2010/main">
+        <mc:Choice Requires="p14">
           <p:contentPart p14:bwMode="auto" r:id="rId2">
             <p14:nvContentPartPr>
-              <p14:cNvPr id="3" name="Ink 2">
+              <p14:cNvPr id="9" name="Ink 8">
                 <a:extLst>
                   <a:ext uri="{FF2B5EF4-FFF2-40B4-BE49-F238E27FC236}">
-                    <a16:creationId xmlns:a16="http://schemas.microsoft.com/office/drawing/2014/main" id="{D1F7DD55-E333-4547-99A1-33423C1916B5}"/>
+                    <a16:creationId xmlns:a16="http://schemas.microsoft.com/office/drawing/2014/main" id="{90774782-D77E-4E34-B2CA-B236E4F27E31}"/>
                   </a:ext>
                 </a:extLst>
               </p14:cNvPr>
@@ -8913,18 +8932,18 @@
               <p14:nvPr/>
             </p14:nvContentPartPr>
             <p14:xfrm>
-              <a:off x="4207320" y="2074320"/>
-              <a:ext cx="3005280" cy="2440440"/>
+              <a:off x="847800" y="1671480"/>
+              <a:ext cx="5720040" cy="929160"/>
             </p14:xfrm>
           </p:contentPart>
         </mc:Choice>
-        <mc:Fallback>
+        <mc:Fallback xmlns="">
           <p:pic>
             <p:nvPicPr>
-              <p:cNvPr id="3" name="Ink 2">
+              <p:cNvPr id="9" name="Ink 8">
                 <a:extLst>
                   <a:ext uri="{FF2B5EF4-FFF2-40B4-BE49-F238E27FC236}">
-                    <a16:creationId xmlns:a16="http://schemas.microsoft.com/office/drawing/2014/main" id="{D1F7DD55-E333-4547-99A1-33423C1916B5}"/>
+                    <a16:creationId xmlns:a16="http://schemas.microsoft.com/office/drawing/2014/main" id="{90774782-D77E-4E34-B2CA-B236E4F27E31}"/>
                   </a:ext>
                 </a:extLst>
               </p:cNvPr>
@@ -8939,8 +8958,59 @@
             </p:blipFill>
             <p:spPr>
               <a:xfrm>
-                <a:off x="4197960" y="2064960"/>
-                <a:ext cx="3024000" cy="2459160"/>
+                <a:off x="838440" y="1662120"/>
+                <a:ext cx="5738760" cy="947880"/>
+              </a:xfrm>
+              <a:prstGeom prst="rect">
+                <a:avLst/>
+              </a:prstGeom>
+            </p:spPr>
+          </p:pic>
+        </mc:Fallback>
+      </mc:AlternateContent>
+      <mc:AlternateContent xmlns:mc="http://schemas.openxmlformats.org/markup-compatibility/2006">
+        <mc:Choice xmlns:p14="http://schemas.microsoft.com/office/powerpoint/2010/main" Requires="p14">
+          <p:contentPart p14:bwMode="auto" r:id="rId4">
+            <p14:nvContentPartPr>
+              <p14:cNvPr id="3" name="Ink 2">
+                <a:extLst>
+                  <a:ext uri="{FF2B5EF4-FFF2-40B4-BE49-F238E27FC236}">
+                    <a16:creationId xmlns:a16="http://schemas.microsoft.com/office/drawing/2014/main" id="{5E703C61-01C8-4926-882D-EE009CE3B3B1}"/>
+                  </a:ext>
+                </a:extLst>
+              </p14:cNvPr>
+              <p14:cNvContentPartPr/>
+              <p14:nvPr/>
+            </p14:nvContentPartPr>
+            <p14:xfrm>
+              <a:off x="909720" y="966960"/>
+              <a:ext cx="4967640" cy="3805560"/>
+            </p14:xfrm>
+          </p:contentPart>
+        </mc:Choice>
+        <mc:Fallback>
+          <p:pic>
+            <p:nvPicPr>
+              <p:cNvPr id="3" name="Ink 2">
+                <a:extLst>
+                  <a:ext uri="{FF2B5EF4-FFF2-40B4-BE49-F238E27FC236}">
+                    <a16:creationId xmlns:a16="http://schemas.microsoft.com/office/drawing/2014/main" id="{5E703C61-01C8-4926-882D-EE009CE3B3B1}"/>
+                  </a:ext>
+                </a:extLst>
+              </p:cNvPr>
+              <p:cNvPicPr/>
+              <p:nvPr/>
+            </p:nvPicPr>
+            <p:blipFill>
+              <a:blip r:embed="rId5"/>
+              <a:stretch>
+                <a:fillRect/>
+              </a:stretch>
+            </p:blipFill>
+            <p:spPr>
+              <a:xfrm>
+                <a:off x="900360" y="957600"/>
+                <a:ext cx="4986360" cy="3824280"/>
               </a:xfrm>
               <a:prstGeom prst="rect">
                 <a:avLst/>
@@ -9301,14 +9371,14 @@
           </a:p>
         </p:txBody>
       </p:sp>
-      <mc:AlternateContent xmlns:mc="http://schemas.openxmlformats.org/markup-compatibility/2006">
-        <mc:Choice xmlns:p14="http://schemas.microsoft.com/office/powerpoint/2010/main" Requires="p14">
+      <mc:AlternateContent xmlns:mc="http://schemas.openxmlformats.org/markup-compatibility/2006" xmlns:p14="http://schemas.microsoft.com/office/powerpoint/2010/main">
+        <mc:Choice Requires="p14">
           <p:contentPart p14:bwMode="auto" r:id="rId2">
             <p14:nvContentPartPr>
-              <p14:cNvPr id="5" name="Ink 4">
+              <p14:cNvPr id="6" name="Ink 5">
                 <a:extLst>
                   <a:ext uri="{FF2B5EF4-FFF2-40B4-BE49-F238E27FC236}">
-                    <a16:creationId xmlns:a16="http://schemas.microsoft.com/office/drawing/2014/main" id="{52FEBEEB-77FB-46B4-974F-F1DB7A8A3031}"/>
+                    <a16:creationId xmlns:a16="http://schemas.microsoft.com/office/drawing/2014/main" id="{8BA1E51E-09AE-4704-95DB-5777C93FF7AB}"/>
                   </a:ext>
                 </a:extLst>
               </p14:cNvPr>
@@ -9316,18 +9386,18 @@
               <p14:nvPr/>
             </p14:nvContentPartPr>
             <p14:xfrm>
-              <a:off x="3265920" y="2343600"/>
-              <a:ext cx="3157200" cy="1154520"/>
+              <a:off x="1343160" y="2500200"/>
+              <a:ext cx="3067200" cy="495720"/>
             </p14:xfrm>
           </p:contentPart>
         </mc:Choice>
-        <mc:Fallback>
+        <mc:Fallback xmlns="">
           <p:pic>
             <p:nvPicPr>
-              <p:cNvPr id="5" name="Ink 4">
+              <p:cNvPr id="6" name="Ink 5">
                 <a:extLst>
                   <a:ext uri="{FF2B5EF4-FFF2-40B4-BE49-F238E27FC236}">
-                    <a16:creationId xmlns:a16="http://schemas.microsoft.com/office/drawing/2014/main" id="{52FEBEEB-77FB-46B4-974F-F1DB7A8A3031}"/>
+                    <a16:creationId xmlns:a16="http://schemas.microsoft.com/office/drawing/2014/main" id="{8BA1E51E-09AE-4704-95DB-5777C93FF7AB}"/>
                   </a:ext>
                 </a:extLst>
               </p:cNvPr>
@@ -9342,8 +9412,59 @@
             </p:blipFill>
             <p:spPr>
               <a:xfrm>
-                <a:off x="3256560" y="2334240"/>
-                <a:ext cx="3175920" cy="1173240"/>
+                <a:off x="1333800" y="2490840"/>
+                <a:ext cx="3085920" cy="514440"/>
+              </a:xfrm>
+              <a:prstGeom prst="rect">
+                <a:avLst/>
+              </a:prstGeom>
+            </p:spPr>
+          </p:pic>
+        </mc:Fallback>
+      </mc:AlternateContent>
+      <mc:AlternateContent xmlns:mc="http://schemas.openxmlformats.org/markup-compatibility/2006">
+        <mc:Choice xmlns:p14="http://schemas.microsoft.com/office/powerpoint/2010/main" Requires="p14">
+          <p:contentPart p14:bwMode="auto" r:id="rId4">
+            <p14:nvContentPartPr>
+              <p14:cNvPr id="5" name="Ink 4">
+                <a:extLst>
+                  <a:ext uri="{FF2B5EF4-FFF2-40B4-BE49-F238E27FC236}">
+                    <a16:creationId xmlns:a16="http://schemas.microsoft.com/office/drawing/2014/main" id="{D714A1B7-119E-4F0B-82A7-355AC07FBB47}"/>
+                  </a:ext>
+                </a:extLst>
+              </p14:cNvPr>
+              <p14:cNvContentPartPr/>
+              <p14:nvPr/>
+            </p14:nvContentPartPr>
+            <p14:xfrm>
+              <a:off x="2138400" y="2514600"/>
+              <a:ext cx="5391360" cy="738720"/>
+            </p14:xfrm>
+          </p:contentPart>
+        </mc:Choice>
+        <mc:Fallback>
+          <p:pic>
+            <p:nvPicPr>
+              <p:cNvPr id="5" name="Ink 4">
+                <a:extLst>
+                  <a:ext uri="{FF2B5EF4-FFF2-40B4-BE49-F238E27FC236}">
+                    <a16:creationId xmlns:a16="http://schemas.microsoft.com/office/drawing/2014/main" id="{D714A1B7-119E-4F0B-82A7-355AC07FBB47}"/>
+                  </a:ext>
+                </a:extLst>
+              </p:cNvPr>
+              <p:cNvPicPr/>
+              <p:nvPr/>
+            </p:nvPicPr>
+            <p:blipFill>
+              <a:blip r:embed="rId5"/>
+              <a:stretch>
+                <a:fillRect/>
+              </a:stretch>
+            </p:blipFill>
+            <p:spPr>
+              <a:xfrm>
+                <a:off x="2129040" y="2505240"/>
+                <a:ext cx="5410080" cy="757440"/>
               </a:xfrm>
               <a:prstGeom prst="rect">
                 <a:avLst/>
@@ -9953,14 +10074,14 @@
           </a:graphicData>
         </a:graphic>
       </p:graphicFrame>
-      <mc:AlternateContent xmlns:mc="http://schemas.openxmlformats.org/markup-compatibility/2006">
-        <mc:Choice xmlns:p14="http://schemas.microsoft.com/office/powerpoint/2010/main" Requires="p14">
+      <mc:AlternateContent xmlns:mc="http://schemas.openxmlformats.org/markup-compatibility/2006" xmlns:p14="http://schemas.microsoft.com/office/powerpoint/2010/main">
+        <mc:Choice Requires="p14">
           <p:contentPart p14:bwMode="auto" r:id="rId2">
             <p14:nvContentPartPr>
-              <p14:cNvPr id="6" name="Ink 5">
+              <p14:cNvPr id="7" name="Ink 6">
                 <a:extLst>
                   <a:ext uri="{FF2B5EF4-FFF2-40B4-BE49-F238E27FC236}">
-                    <a16:creationId xmlns:a16="http://schemas.microsoft.com/office/drawing/2014/main" id="{749E1FC9-821F-46A8-B79F-BC5D6CEBB56B}"/>
+                    <a16:creationId xmlns:a16="http://schemas.microsoft.com/office/drawing/2014/main" id="{E31A4E90-6ED7-4B5E-A5E2-49E90981F7FC}"/>
                   </a:ext>
                 </a:extLst>
               </p14:cNvPr>
@@ -9968,18 +10089,18 @@
               <p14:nvPr/>
             </p14:nvContentPartPr>
             <p14:xfrm>
-              <a:off x="1308960" y="1827000"/>
-              <a:ext cx="6711840" cy="2319480"/>
+              <a:off x="1452600" y="1862280"/>
+              <a:ext cx="5596200" cy="2233800"/>
             </p14:xfrm>
           </p:contentPart>
         </mc:Choice>
-        <mc:Fallback>
+        <mc:Fallback xmlns="">
           <p:pic>
             <p:nvPicPr>
-              <p:cNvPr id="6" name="Ink 5">
+              <p:cNvPr id="7" name="Ink 6">
                 <a:extLst>
                   <a:ext uri="{FF2B5EF4-FFF2-40B4-BE49-F238E27FC236}">
-                    <a16:creationId xmlns:a16="http://schemas.microsoft.com/office/drawing/2014/main" id="{749E1FC9-821F-46A8-B79F-BC5D6CEBB56B}"/>
+                    <a16:creationId xmlns:a16="http://schemas.microsoft.com/office/drawing/2014/main" id="{E31A4E90-6ED7-4B5E-A5E2-49E90981F7FC}"/>
                   </a:ext>
                 </a:extLst>
               </p:cNvPr>
@@ -9994,8 +10115,8 @@
             </p:blipFill>
             <p:spPr>
               <a:xfrm>
-                <a:off x="1299600" y="1817640"/>
-                <a:ext cx="6730560" cy="2338200"/>
+                <a:off x="1443240" y="1852920"/>
+                <a:ext cx="5614920" cy="2252520"/>
               </a:xfrm>
               <a:prstGeom prst="rect">
                 <a:avLst/>
@@ -10319,57 +10440,6 @@
           </a:p>
         </p:txBody>
       </p:sp>
-      <mc:AlternateContent xmlns:mc="http://schemas.openxmlformats.org/markup-compatibility/2006">
-        <mc:Choice xmlns:p14="http://schemas.microsoft.com/office/powerpoint/2010/main" Requires="p14">
-          <p:contentPart p14:bwMode="auto" r:id="rId2">
-            <p14:nvContentPartPr>
-              <p14:cNvPr id="5" name="Ink 4">
-                <a:extLst>
-                  <a:ext uri="{FF2B5EF4-FFF2-40B4-BE49-F238E27FC236}">
-                    <a16:creationId xmlns:a16="http://schemas.microsoft.com/office/drawing/2014/main" id="{E671B6F6-592A-493E-8D13-8A91C567EDAF}"/>
-                  </a:ext>
-                </a:extLst>
-              </p14:cNvPr>
-              <p14:cNvContentPartPr/>
-              <p14:nvPr/>
-            </p14:nvContentPartPr>
-            <p14:xfrm>
-              <a:off x="1981440" y="1950840"/>
-              <a:ext cx="269640" cy="961920"/>
-            </p14:xfrm>
-          </p:contentPart>
-        </mc:Choice>
-        <mc:Fallback>
-          <p:pic>
-            <p:nvPicPr>
-              <p:cNvPr id="5" name="Ink 4">
-                <a:extLst>
-                  <a:ext uri="{FF2B5EF4-FFF2-40B4-BE49-F238E27FC236}">
-                    <a16:creationId xmlns:a16="http://schemas.microsoft.com/office/drawing/2014/main" id="{E671B6F6-592A-493E-8D13-8A91C567EDAF}"/>
-                  </a:ext>
-                </a:extLst>
-              </p:cNvPr>
-              <p:cNvPicPr/>
-              <p:nvPr/>
-            </p:nvPicPr>
-            <p:blipFill>
-              <a:blip r:embed="rId3"/>
-              <a:stretch>
-                <a:fillRect/>
-              </a:stretch>
-            </p:blipFill>
-            <p:spPr>
-              <a:xfrm>
-                <a:off x="1972080" y="1941480"/>
-                <a:ext cx="288360" cy="980640"/>
-              </a:xfrm>
-              <a:prstGeom prst="rect">
-                <a:avLst/>
-              </a:prstGeom>
-            </p:spPr>
-          </p:pic>
-        </mc:Fallback>
-      </mc:AlternateContent>
     </p:spTree>
     <p:extLst>
       <p:ext uri="{BB962C8B-B14F-4D97-AF65-F5344CB8AC3E}">
@@ -11053,57 +11123,6 @@
           </a:p>
         </p:txBody>
       </p:sp>
-      <mc:AlternateContent xmlns:mc="http://schemas.openxmlformats.org/markup-compatibility/2006">
-        <mc:Choice xmlns:p14="http://schemas.microsoft.com/office/powerpoint/2010/main" Requires="p14">
-          <p:contentPart p14:bwMode="auto" r:id="rId2">
-            <p14:nvContentPartPr>
-              <p14:cNvPr id="9" name="Ink 8">
-                <a:extLst>
-                  <a:ext uri="{FF2B5EF4-FFF2-40B4-BE49-F238E27FC236}">
-                    <a16:creationId xmlns:a16="http://schemas.microsoft.com/office/drawing/2014/main" id="{0A94BC0F-2803-48F9-8EC3-19F2FC56B1D1}"/>
-                  </a:ext>
-                </a:extLst>
-              </p14:cNvPr>
-              <p14:cNvContentPartPr/>
-              <p14:nvPr/>
-            </p14:nvContentPartPr>
-            <p14:xfrm>
-              <a:off x="2299680" y="2274840"/>
-              <a:ext cx="3238920" cy="503280"/>
-            </p14:xfrm>
-          </p:contentPart>
-        </mc:Choice>
-        <mc:Fallback>
-          <p:pic>
-            <p:nvPicPr>
-              <p:cNvPr id="9" name="Ink 8">
-                <a:extLst>
-                  <a:ext uri="{FF2B5EF4-FFF2-40B4-BE49-F238E27FC236}">
-                    <a16:creationId xmlns:a16="http://schemas.microsoft.com/office/drawing/2014/main" id="{0A94BC0F-2803-48F9-8EC3-19F2FC56B1D1}"/>
-                  </a:ext>
-                </a:extLst>
-              </p:cNvPr>
-              <p:cNvPicPr/>
-              <p:nvPr/>
-            </p:nvPicPr>
-            <p:blipFill>
-              <a:blip r:embed="rId3"/>
-              <a:stretch>
-                <a:fillRect/>
-              </a:stretch>
-            </p:blipFill>
-            <p:spPr>
-              <a:xfrm>
-                <a:off x="2290320" y="2265480"/>
-                <a:ext cx="3257640" cy="522000"/>
-              </a:xfrm>
-              <a:prstGeom prst="rect">
-                <a:avLst/>
-              </a:prstGeom>
-            </p:spPr>
-          </p:pic>
-        </mc:Fallback>
-      </mc:AlternateContent>
     </p:spTree>
     <p:extLst>
       <p:ext uri="{BB962C8B-B14F-4D97-AF65-F5344CB8AC3E}">
@@ -11961,6 +11980,57 @@
           </a:graphicData>
         </a:graphic>
       </p:graphicFrame>
+      <mc:AlternateContent xmlns:mc="http://schemas.openxmlformats.org/markup-compatibility/2006">
+        <mc:Choice xmlns:p14="http://schemas.microsoft.com/office/powerpoint/2010/main" Requires="p14">
+          <p:contentPart p14:bwMode="auto" r:id="rId2">
+            <p14:nvContentPartPr>
+              <p14:cNvPr id="6" name="Ink 5">
+                <a:extLst>
+                  <a:ext uri="{FF2B5EF4-FFF2-40B4-BE49-F238E27FC236}">
+                    <a16:creationId xmlns:a16="http://schemas.microsoft.com/office/drawing/2014/main" id="{550C3BAA-7169-4E80-B730-0CCDA5967FAE}"/>
+                  </a:ext>
+                </a:extLst>
+              </p14:cNvPr>
+              <p14:cNvContentPartPr/>
+              <p14:nvPr/>
+            </p14:nvContentPartPr>
+            <p14:xfrm>
+              <a:off x="1647720" y="1652760"/>
+              <a:ext cx="6029640" cy="1876680"/>
+            </p14:xfrm>
+          </p:contentPart>
+        </mc:Choice>
+        <mc:Fallback>
+          <p:pic>
+            <p:nvPicPr>
+              <p:cNvPr id="6" name="Ink 5">
+                <a:extLst>
+                  <a:ext uri="{FF2B5EF4-FFF2-40B4-BE49-F238E27FC236}">
+                    <a16:creationId xmlns:a16="http://schemas.microsoft.com/office/drawing/2014/main" id="{550C3BAA-7169-4E80-B730-0CCDA5967FAE}"/>
+                  </a:ext>
+                </a:extLst>
+              </p:cNvPr>
+              <p:cNvPicPr/>
+              <p:nvPr/>
+            </p:nvPicPr>
+            <p:blipFill>
+              <a:blip r:embed="rId3"/>
+              <a:stretch>
+                <a:fillRect/>
+              </a:stretch>
+            </p:blipFill>
+            <p:spPr>
+              <a:xfrm>
+                <a:off x="1638360" y="1643400"/>
+                <a:ext cx="6048360" cy="1895400"/>
+              </a:xfrm>
+              <a:prstGeom prst="rect">
+                <a:avLst/>
+              </a:prstGeom>
+            </p:spPr>
+          </p:pic>
+        </mc:Fallback>
+      </mc:AlternateContent>
     </p:spTree>
     <p:extLst>
       <p:ext uri="{BB962C8B-B14F-4D97-AF65-F5344CB8AC3E}">
@@ -12456,57 +12526,6 @@
           </a:p>
         </p:txBody>
       </p:sp>
-      <mc:AlternateContent xmlns:mc="http://schemas.openxmlformats.org/markup-compatibility/2006">
-        <mc:Choice xmlns:p14="http://schemas.microsoft.com/office/powerpoint/2010/main" Requires="p14">
-          <p:contentPart p14:bwMode="auto" r:id="rId2">
-            <p14:nvContentPartPr>
-              <p14:cNvPr id="5" name="Ink 4">
-                <a:extLst>
-                  <a:ext uri="{FF2B5EF4-FFF2-40B4-BE49-F238E27FC236}">
-                    <a16:creationId xmlns:a16="http://schemas.microsoft.com/office/drawing/2014/main" id="{A0D49C60-5657-4782-B686-D537B5F7CCE2}"/>
-                  </a:ext>
-                </a:extLst>
-              </p14:cNvPr>
-              <p14:cNvContentPartPr/>
-              <p14:nvPr/>
-            </p14:nvContentPartPr>
-            <p14:xfrm>
-              <a:off x="1230120" y="2329920"/>
-              <a:ext cx="3671640" cy="786240"/>
-            </p14:xfrm>
-          </p:contentPart>
-        </mc:Choice>
-        <mc:Fallback>
-          <p:pic>
-            <p:nvPicPr>
-              <p:cNvPr id="5" name="Ink 4">
-                <a:extLst>
-                  <a:ext uri="{FF2B5EF4-FFF2-40B4-BE49-F238E27FC236}">
-                    <a16:creationId xmlns:a16="http://schemas.microsoft.com/office/drawing/2014/main" id="{A0D49C60-5657-4782-B686-D537B5F7CCE2}"/>
-                  </a:ext>
-                </a:extLst>
-              </p:cNvPr>
-              <p:cNvPicPr/>
-              <p:nvPr/>
-            </p:nvPicPr>
-            <p:blipFill>
-              <a:blip r:embed="rId3"/>
-              <a:stretch>
-                <a:fillRect/>
-              </a:stretch>
-            </p:blipFill>
-            <p:spPr>
-              <a:xfrm>
-                <a:off x="1220760" y="2320560"/>
-                <a:ext cx="3690360" cy="804960"/>
-              </a:xfrm>
-              <a:prstGeom prst="rect">
-                <a:avLst/>
-              </a:prstGeom>
-            </p:spPr>
-          </p:pic>
-        </mc:Fallback>
-      </mc:AlternateContent>
     </p:spTree>
     <p:extLst>
       <p:ext uri="{BB962C8B-B14F-4D97-AF65-F5344CB8AC3E}">
